--- a/Roller.pptx
+++ b/Roller.pptx
@@ -5,19 +5,21 @@
     <p:sldMasterId id="2147483690" r:id="rId1"/>
   </p:sldMasterIdLst>
   <p:notesMasterIdLst>
-    <p:notesMasterId r:id="rId12"/>
+    <p:notesMasterId r:id="rId14"/>
   </p:notesMasterIdLst>
   <p:sldIdLst>
     <p:sldId id="256" r:id="rId2"/>
     <p:sldId id="259" r:id="rId3"/>
     <p:sldId id="263" r:id="rId4"/>
-    <p:sldId id="260" r:id="rId5"/>
-    <p:sldId id="261" r:id="rId6"/>
-    <p:sldId id="262" r:id="rId7"/>
-    <p:sldId id="265" r:id="rId8"/>
-    <p:sldId id="257" r:id="rId9"/>
-    <p:sldId id="258" r:id="rId10"/>
-    <p:sldId id="264" r:id="rId11"/>
+    <p:sldId id="265" r:id="rId5"/>
+    <p:sldId id="260" r:id="rId6"/>
+    <p:sldId id="261" r:id="rId7"/>
+    <p:sldId id="262" r:id="rId8"/>
+    <p:sldId id="266" r:id="rId9"/>
+    <p:sldId id="267" r:id="rId10"/>
+    <p:sldId id="257" r:id="rId11"/>
+    <p:sldId id="258" r:id="rId12"/>
+    <p:sldId id="264" r:id="rId13"/>
   </p:sldIdLst>
   <p:sldSz cx="12192000" cy="6858000"/>
   <p:notesSz cx="6858000" cy="9144000"/>
@@ -117,6 +119,26 @@
     </a:lvl9pPr>
   </p:defaultTextStyle>
   <p:extLst>
+    <p:ext uri="{521415D9-36F7-43E2-AB2F-B90AF26B5E84}">
+      <p14:sectionLst xmlns:p14="http://schemas.microsoft.com/office/powerpoint/2010/main">
+        <p14:section name="Výchozí oddíl" id="{93E12CC5-2497-4037-8561-D55A1ED77071}">
+          <p14:sldIdLst>
+            <p14:sldId id="256"/>
+            <p14:sldId id="259"/>
+            <p14:sldId id="263"/>
+            <p14:sldId id="265"/>
+            <p14:sldId id="260"/>
+            <p14:sldId id="261"/>
+            <p14:sldId id="262"/>
+            <p14:sldId id="266"/>
+            <p14:sldId id="267"/>
+            <p14:sldId id="257"/>
+            <p14:sldId id="258"/>
+            <p14:sldId id="264"/>
+          </p14:sldIdLst>
+        </p14:section>
+      </p14:sectionLst>
+    </p:ext>
     <p:ext uri="{EFAFB233-063F-42B5-8137-9DF3F51BA10A}">
       <p15:sldGuideLst xmlns:p15="http://schemas.microsoft.com/office/powerpoint/2012/main"/>
     </p:ext>
@@ -206,7 +228,7 @@
           <a:p>
             <a:fld id="{C369C84C-9D25-4BE6-9F6A-1DB1EEA73549}" type="datetimeFigureOut">
               <a:rPr lang="cs-CZ" smtClean="0"/>
-              <a:t>16.01.2023</a:t>
+              <a:t>18.01.2023</a:t>
             </a:fld>
             <a:endParaRPr lang="cs-CZ"/>
           </a:p>
@@ -932,7 +954,7 @@
           <a:p>
             <a:fld id="{8E1DD330-61D5-4766-9A5B-BE5603AD3650}" type="slidenum">
               <a:rPr lang="cs-CZ" smtClean="0"/>
-              <a:t>4</a:t>
+              <a:t>5</a:t>
             </a:fld>
             <a:endParaRPr lang="cs-CZ"/>
           </a:p>
@@ -1046,7 +1068,7 @@
           <a:p>
             <a:fld id="{8E1DD330-61D5-4766-9A5B-BE5603AD3650}" type="slidenum">
               <a:rPr lang="cs-CZ" smtClean="0"/>
-              <a:t>5</a:t>
+              <a:t>6</a:t>
             </a:fld>
             <a:endParaRPr lang="cs-CZ"/>
           </a:p>
@@ -1176,7 +1198,7 @@
           <a:p>
             <a:fld id="{8E1DD330-61D5-4766-9A5B-BE5603AD3650}" type="slidenum">
               <a:rPr lang="cs-CZ" smtClean="0"/>
-              <a:t>6</a:t>
+              <a:t>7</a:t>
             </a:fld>
             <a:endParaRPr lang="cs-CZ"/>
           </a:p>
@@ -1241,34 +1263,51 @@
           <a:p>
             <a:r>
               <a:rPr lang="cs-CZ" dirty="0"/>
-              <a:t>Když se nám v nejhorším případě někdo nabourá na účet měl by otevřenou cestu k elektronickým službám pod mou identitou, proto je lepší mít něco odděleného aby se minimalizovali škody</a:t>
-            </a:r>
-          </a:p>
-          <a:p>
-            <a:r>
-              <a:rPr lang="cs-CZ" dirty="0" err="1"/>
-              <a:t>Phishing</a:t>
-            </a:r>
-            <a:r>
-              <a:rPr lang="cs-CZ" dirty="0"/>
-              <a:t>- může se stát že se přihlásíme na nějakou </a:t>
-            </a:r>
-            <a:r>
-              <a:rPr lang="cs-CZ" dirty="0" err="1"/>
-              <a:t>phishing</a:t>
-            </a:r>
-            <a:r>
-              <a:rPr lang="cs-CZ" dirty="0"/>
-              <a:t> stránku a </a:t>
-            </a:r>
-            <a:r>
-              <a:rPr lang="cs-CZ" dirty="0" err="1"/>
-              <a:t>uradne</a:t>
-            </a:r>
-            <a:r>
-              <a:rPr lang="cs-CZ" dirty="0"/>
-              <a:t> nám to naše údaje…</a:t>
-            </a:r>
+              <a:t>NIA- </a:t>
+            </a:r>
+            <a:r>
+              <a:rPr lang="cs-CZ" b="1" i="0" dirty="0">
+                <a:solidFill>
+                  <a:srgbClr val="BDC1C6"/>
+                </a:solidFill>
+                <a:effectLst/>
+                <a:latin typeface="arial" panose="020B0604020202020204" pitchFamily="34" charset="0"/>
+              </a:rPr>
+              <a:t>Národní </a:t>
+            </a:r>
+            <a:r>
+              <a:rPr lang="cs-CZ" b="1" i="0" dirty="0" err="1">
+                <a:solidFill>
+                  <a:srgbClr val="BDC1C6"/>
+                </a:solidFill>
+                <a:effectLst/>
+                <a:latin typeface="arial" panose="020B0604020202020204" pitchFamily="34" charset="0"/>
+              </a:rPr>
+              <a:t>Identitní</a:t>
+            </a:r>
+            <a:r>
+              <a:rPr lang="cs-CZ" b="1" i="0" dirty="0">
+                <a:solidFill>
+                  <a:srgbClr val="BDC1C6"/>
+                </a:solidFill>
+                <a:effectLst/>
+                <a:latin typeface="arial" panose="020B0604020202020204" pitchFamily="34" charset="0"/>
+              </a:rPr>
+              <a:t> Autorita</a:t>
+            </a:r>
+          </a:p>
+          <a:p>
+            <a:r>
+              <a:rPr lang="cs-CZ" b="1" i="0" dirty="0">
+                <a:solidFill>
+                  <a:srgbClr val="BDC1C6"/>
+                </a:solidFill>
+                <a:effectLst/>
+                <a:latin typeface="arial" panose="020B0604020202020204" pitchFamily="34" charset="0"/>
+              </a:rPr>
+              <a:t>Roční přihlášení </a:t>
+            </a:r>
+            <a:endParaRPr lang="cs-CZ" dirty="0"/>
           </a:p>
         </p:txBody>
       </p:sp>
@@ -1289,7 +1328,7 @@
           <a:p>
             <a:fld id="{8E1DD330-61D5-4766-9A5B-BE5603AD3650}" type="slidenum">
               <a:rPr lang="cs-CZ" smtClean="0"/>
-              <a:t>7</a:t>
+              <a:t>8</a:t>
             </a:fld>
             <a:endParaRPr lang="cs-CZ"/>
           </a:p>
@@ -1298,7 +1337,94 @@
     </p:spTree>
     <p:extLst>
       <p:ext uri="{BB962C8B-B14F-4D97-AF65-F5344CB8AC3E}">
-        <p14:creationId xmlns:p14="http://schemas.microsoft.com/office/powerpoint/2010/main" val="1353712862"/>
+        <p14:creationId xmlns:p14="http://schemas.microsoft.com/office/powerpoint/2010/main" val="249615526"/>
+      </p:ext>
+    </p:extLst>
+  </p:cSld>
+  <p:clrMapOvr>
+    <a:masterClrMapping/>
+  </p:clrMapOvr>
+</p:notes>
+</file>
+
+<file path=ppt/notesSlides/notesSlide8.xml><?xml version="1.0" encoding="utf-8"?>
+<p:notes xmlns:a="http://schemas.openxmlformats.org/drawingml/2006/main" xmlns:r="http://schemas.openxmlformats.org/officeDocument/2006/relationships" xmlns:p="http://schemas.openxmlformats.org/presentationml/2006/main">
+  <p:cSld>
+    <p:spTree>
+      <p:nvGrpSpPr>
+        <p:cNvPr id="1" name=""/>
+        <p:cNvGrpSpPr/>
+        <p:nvPr/>
+      </p:nvGrpSpPr>
+      <p:grpSpPr>
+        <a:xfrm>
+          <a:off x="0" y="0"/>
+          <a:ext cx="0" cy="0"/>
+          <a:chOff x="0" y="0"/>
+          <a:chExt cx="0" cy="0"/>
+        </a:xfrm>
+      </p:grpSpPr>
+      <p:sp>
+        <p:nvSpPr>
+          <p:cNvPr id="2" name="Zástupný symbol pro obrázek snímku 1"/>
+          <p:cNvSpPr>
+            <a:spLocks noGrp="1" noRot="1" noChangeAspect="1"/>
+          </p:cNvSpPr>
+          <p:nvPr>
+            <p:ph type="sldImg"/>
+          </p:nvPr>
+        </p:nvSpPr>
+        <p:spPr/>
+      </p:sp>
+      <p:sp>
+        <p:nvSpPr>
+          <p:cNvPr id="3" name="Zástupný symbol pro poznámky 2"/>
+          <p:cNvSpPr>
+            <a:spLocks noGrp="1"/>
+          </p:cNvSpPr>
+          <p:nvPr>
+            <p:ph type="body" idx="1"/>
+          </p:nvPr>
+        </p:nvSpPr>
+        <p:spPr/>
+        <p:txBody>
+          <a:bodyPr/>
+          <a:lstStyle/>
+          <a:p>
+            <a:r>
+              <a:rPr lang="cs-CZ" dirty="0"/>
+              <a:t>údaj v procentech, 2016 údaj</a:t>
+            </a:r>
+          </a:p>
+        </p:txBody>
+      </p:sp>
+      <p:sp>
+        <p:nvSpPr>
+          <p:cNvPr id="4" name="Zástupný symbol pro číslo snímku 3"/>
+          <p:cNvSpPr>
+            <a:spLocks noGrp="1"/>
+          </p:cNvSpPr>
+          <p:nvPr>
+            <p:ph type="sldNum" sz="quarter" idx="5"/>
+          </p:nvPr>
+        </p:nvSpPr>
+        <p:spPr/>
+        <p:txBody>
+          <a:bodyPr/>
+          <a:lstStyle/>
+          <a:p>
+            <a:fld id="{8E1DD330-61D5-4766-9A5B-BE5603AD3650}" type="slidenum">
+              <a:rPr lang="cs-CZ" smtClean="0"/>
+              <a:t>9</a:t>
+            </a:fld>
+            <a:endParaRPr lang="cs-CZ"/>
+          </a:p>
+        </p:txBody>
+      </p:sp>
+    </p:spTree>
+    <p:extLst>
+      <p:ext uri="{BB962C8B-B14F-4D97-AF65-F5344CB8AC3E}">
+        <p14:creationId xmlns:p14="http://schemas.microsoft.com/office/powerpoint/2010/main" val="702540325"/>
       </p:ext>
     </p:extLst>
   </p:cSld>
@@ -1479,7 +1605,7 @@
             <a:fld id="{8F72BA41-EC5B-4197-BCC8-0FD2E523CD7A}" type="datetimeFigureOut">
               <a:rPr lang="en-US" smtClean="0"/>
               <a:pPr/>
-              <a:t>1/16/2023</a:t>
+              <a:t>1/18/2023</a:t>
             </a:fld>
             <a:endParaRPr lang="en-US" dirty="0"/>
           </a:p>
@@ -1748,7 +1874,7 @@
             <a:fld id="{8F72BA41-EC5B-4197-BCC8-0FD2E523CD7A}" type="datetimeFigureOut">
               <a:rPr lang="en-US" smtClean="0"/>
               <a:pPr/>
-              <a:t>1/16/2023</a:t>
+              <a:t>1/18/2023</a:t>
             </a:fld>
             <a:endParaRPr lang="en-US" dirty="0"/>
           </a:p>
@@ -1981,7 +2107,7 @@
             <a:fld id="{8F72BA41-EC5B-4197-BCC8-0FD2E523CD7A}" type="datetimeFigureOut">
               <a:rPr lang="en-US" smtClean="0"/>
               <a:pPr/>
-              <a:t>1/16/2023</a:t>
+              <a:t>1/18/2023</a:t>
             </a:fld>
             <a:endParaRPr lang="en-US" dirty="0"/>
           </a:p>
@@ -2293,7 +2419,7 @@
             <a:fld id="{8F72BA41-EC5B-4197-BCC8-0FD2E523CD7A}" type="datetimeFigureOut">
               <a:rPr lang="en-US" smtClean="0"/>
               <a:pPr/>
-              <a:t>1/16/2023</a:t>
+              <a:t>1/18/2023</a:t>
             </a:fld>
             <a:endParaRPr lang="en-US" dirty="0"/>
           </a:p>
@@ -2768,7 +2894,7 @@
             <a:fld id="{8F72BA41-EC5B-4197-BCC8-0FD2E523CD7A}" type="datetimeFigureOut">
               <a:rPr lang="en-US" smtClean="0"/>
               <a:pPr/>
-              <a:t>1/16/2023</a:t>
+              <a:t>1/18/2023</a:t>
             </a:fld>
             <a:endParaRPr lang="en-US" dirty="0"/>
           </a:p>
@@ -3317,7 +3443,7 @@
             <a:fld id="{8F72BA41-EC5B-4197-BCC8-0FD2E523CD7A}" type="datetimeFigureOut">
               <a:rPr lang="en-US" smtClean="0"/>
               <a:pPr/>
-              <a:t>1/16/2023</a:t>
+              <a:t>1/18/2023</a:t>
             </a:fld>
             <a:endParaRPr lang="en-US" dirty="0"/>
           </a:p>
@@ -4093,7 +4219,7 @@
             <a:fld id="{8F72BA41-EC5B-4197-BCC8-0FD2E523CD7A}" type="datetimeFigureOut">
               <a:rPr lang="en-US" smtClean="0"/>
               <a:pPr/>
-              <a:t>1/16/2023</a:t>
+              <a:t>1/18/2023</a:t>
             </a:fld>
             <a:endParaRPr lang="en-US" dirty="0"/>
           </a:p>
@@ -4270,7 +4396,7 @@
             <a:fld id="{8F72BA41-EC5B-4197-BCC8-0FD2E523CD7A}" type="datetimeFigureOut">
               <a:rPr lang="en-US" smtClean="0"/>
               <a:pPr/>
-              <a:t>1/16/2023</a:t>
+              <a:t>1/18/2023</a:t>
             </a:fld>
             <a:endParaRPr lang="en-US" dirty="0"/>
           </a:p>
@@ -4495,7 +4621,7 @@
             <a:fld id="{8F72BA41-EC5B-4197-BCC8-0FD2E523CD7A}" type="datetimeFigureOut">
               <a:rPr lang="en-US" smtClean="0"/>
               <a:pPr/>
-              <a:t>1/16/2023</a:t>
+              <a:t>1/18/2023</a:t>
             </a:fld>
             <a:endParaRPr lang="en-US" dirty="0"/>
           </a:p>
@@ -4676,7 +4802,7 @@
           <a:p>
             <a:fld id="{8F72BA41-EC5B-4197-BCC8-0FD2E523CD7A}" type="datetimeFigureOut">
               <a:rPr lang="en-US" smtClean="0"/>
-              <a:t>1/16/2023</a:t>
+              <a:t>1/18/2023</a:t>
             </a:fld>
             <a:endParaRPr lang="en-US"/>
           </a:p>
@@ -4966,7 +5092,7 @@
             <a:fld id="{8F72BA41-EC5B-4197-BCC8-0FD2E523CD7A}" type="datetimeFigureOut">
               <a:rPr lang="en-US" smtClean="0"/>
               <a:pPr/>
-              <a:t>1/16/2023</a:t>
+              <a:t>1/18/2023</a:t>
             </a:fld>
             <a:endParaRPr lang="en-US" dirty="0"/>
           </a:p>
@@ -5210,7 +5336,7 @@
             <a:fld id="{8F72BA41-EC5B-4197-BCC8-0FD2E523CD7A}" type="datetimeFigureOut">
               <a:rPr lang="en-US" smtClean="0"/>
               <a:pPr/>
-              <a:t>1/16/2023</a:t>
+              <a:t>1/18/2023</a:t>
             </a:fld>
             <a:endParaRPr lang="en-US" dirty="0"/>
           </a:p>
@@ -5591,7 +5717,7 @@
             <a:fld id="{8F72BA41-EC5B-4197-BCC8-0FD2E523CD7A}" type="datetimeFigureOut">
               <a:rPr lang="en-US" smtClean="0"/>
               <a:pPr/>
-              <a:t>1/16/2023</a:t>
+              <a:t>1/18/2023</a:t>
             </a:fld>
             <a:endParaRPr lang="en-US" dirty="0"/>
           </a:p>
@@ -5711,7 +5837,7 @@
             <a:fld id="{8F72BA41-EC5B-4197-BCC8-0FD2E523CD7A}" type="datetimeFigureOut">
               <a:rPr lang="en-US" smtClean="0"/>
               <a:pPr/>
-              <a:t>1/16/2023</a:t>
+              <a:t>1/18/2023</a:t>
             </a:fld>
             <a:endParaRPr lang="en-US" dirty="0"/>
           </a:p>
@@ -5808,7 +5934,7 @@
             <a:fld id="{8F72BA41-EC5B-4197-BCC8-0FD2E523CD7A}" type="datetimeFigureOut">
               <a:rPr lang="en-US" smtClean="0"/>
               <a:pPr/>
-              <a:t>1/16/2023</a:t>
+              <a:t>1/18/2023</a:t>
             </a:fld>
             <a:endParaRPr lang="en-US" dirty="0"/>
           </a:p>
@@ -6059,7 +6185,7 @@
             <a:fld id="{8F72BA41-EC5B-4197-BCC8-0FD2E523CD7A}" type="datetimeFigureOut">
               <a:rPr lang="en-US" smtClean="0"/>
               <a:pPr/>
-              <a:t>1/16/2023</a:t>
+              <a:t>1/18/2023</a:t>
             </a:fld>
             <a:endParaRPr lang="en-US" dirty="0"/>
           </a:p>
@@ -6318,7 +6444,7 @@
             <a:fld id="{8F72BA41-EC5B-4197-BCC8-0FD2E523CD7A}" type="datetimeFigureOut">
               <a:rPr lang="en-US" smtClean="0"/>
               <a:pPr/>
-              <a:t>1/16/2023</a:t>
+              <a:t>1/18/2023</a:t>
             </a:fld>
             <a:endParaRPr lang="en-US" dirty="0"/>
           </a:p>
@@ -6563,7 +6689,7 @@
             <a:fld id="{8F72BA41-EC5B-4197-BCC8-0FD2E523CD7A}" type="datetimeFigureOut">
               <a:rPr lang="en-US" smtClean="0"/>
               <a:pPr/>
-              <a:t>1/16/2023</a:t>
+              <a:t>1/18/2023</a:t>
             </a:fld>
             <a:endParaRPr lang="en-US" dirty="0"/>
           </a:p>
@@ -7094,6 +7220,508 @@
           <p:cNvPr id="2" name="Nadpis 1">
             <a:extLst>
               <a:ext uri="{FF2B5EF4-FFF2-40B4-BE49-F238E27FC236}">
+                <a16:creationId xmlns:a16="http://schemas.microsoft.com/office/drawing/2014/main" id="{F8D139CD-4C1A-4C94-B195-7B514ADC8502}"/>
+              </a:ext>
+            </a:extLst>
+          </p:cNvPr>
+          <p:cNvSpPr>
+            <a:spLocks noGrp="1"/>
+          </p:cNvSpPr>
+          <p:nvPr>
+            <p:ph type="title"/>
+          </p:nvPr>
+        </p:nvSpPr>
+        <p:spPr>
+          <a:xfrm>
+            <a:off x="2226644" y="186855"/>
+            <a:ext cx="3869356" cy="1293028"/>
+          </a:xfrm>
+        </p:spPr>
+        <p:txBody>
+          <a:bodyPr/>
+          <a:lstStyle/>
+          <a:p>
+            <a:r>
+              <a:rPr lang="cs-CZ" dirty="0"/>
+              <a:t>Citace</a:t>
+            </a:r>
+          </a:p>
+        </p:txBody>
+      </p:sp>
+      <p:sp>
+        <p:nvSpPr>
+          <p:cNvPr id="3" name="Zástupný obsah 2">
+            <a:extLst>
+              <a:ext uri="{FF2B5EF4-FFF2-40B4-BE49-F238E27FC236}">
+                <a16:creationId xmlns:a16="http://schemas.microsoft.com/office/drawing/2014/main" id="{B41FCB52-485D-4C7B-9EEF-07A2B55DBD74}"/>
+              </a:ext>
+            </a:extLst>
+          </p:cNvPr>
+          <p:cNvSpPr>
+            <a:spLocks noGrp="1"/>
+          </p:cNvSpPr>
+          <p:nvPr>
+            <p:ph idx="1"/>
+          </p:nvPr>
+        </p:nvSpPr>
+        <p:spPr>
+          <a:xfrm>
+            <a:off x="250257" y="1479884"/>
+            <a:ext cx="11482939" cy="5103796"/>
+          </a:xfrm>
+        </p:spPr>
+        <p:txBody>
+          <a:bodyPr/>
+          <a:lstStyle/>
+          <a:p>
+            <a:r>
+              <a:rPr lang="pl-PL" sz="1800" dirty="0"/>
+              <a:t>MojeID [online]. [cit. 2023-01-15]. Dostupné z: </a:t>
+            </a:r>
+            <a:r>
+              <a:rPr lang="pl-PL" sz="1800" dirty="0">
+                <a:hlinkClick r:id="rId2"/>
+              </a:rPr>
+              <a:t>https://www.mojeid.cz/cs/kde-pouzit/</a:t>
+            </a:r>
+            <a:endParaRPr lang="pl-PL" sz="1800" dirty="0"/>
+          </a:p>
+          <a:p>
+            <a:r>
+              <a:rPr lang="pl-PL" sz="1800" dirty="0"/>
+              <a:t>MojeID wiki [online]. [cit. 2023-01-15]. Dostupné z: </a:t>
+            </a:r>
+            <a:r>
+              <a:rPr lang="pl-PL" sz="1800" dirty="0">
+                <a:hlinkClick r:id="rId3"/>
+              </a:rPr>
+              <a:t>https://cs.wikipedia.org/wiki/MojeID</a:t>
+            </a:r>
+            <a:endParaRPr lang="pl-PL" sz="1800" dirty="0"/>
+          </a:p>
+          <a:p>
+            <a:r>
+              <a:rPr lang="cs-CZ" sz="1800" dirty="0" err="1"/>
+              <a:t>MojeID</a:t>
+            </a:r>
+            <a:r>
+              <a:rPr lang="cs-CZ" sz="1800" dirty="0"/>
+              <a:t> (uživatel). </a:t>
+            </a:r>
+            <a:r>
+              <a:rPr lang="cs-CZ" sz="1800" dirty="0" err="1"/>
+              <a:t>Youtube</a:t>
+            </a:r>
+            <a:r>
+              <a:rPr lang="cs-CZ" sz="1800" dirty="0"/>
+              <a:t> [online]. 2017 [cit. 2023-01-15]. Dostupné z: </a:t>
+            </a:r>
+            <a:r>
+              <a:rPr lang="cs-CZ" sz="1800" dirty="0">
+                <a:hlinkClick r:id="rId4"/>
+              </a:rPr>
+              <a:t>https://www.youtube.com/watch?v=8n-v2ifN-hc</a:t>
+            </a:r>
+            <a:endParaRPr lang="cs-CZ" sz="1800" dirty="0"/>
+          </a:p>
+          <a:p>
+            <a:r>
+              <a:rPr lang="cs-CZ" sz="1800" dirty="0" err="1"/>
+              <a:t>MojeID</a:t>
+            </a:r>
+            <a:r>
+              <a:rPr lang="cs-CZ" sz="1800" dirty="0"/>
+              <a:t> (poskytovatel). </a:t>
+            </a:r>
+            <a:r>
+              <a:rPr lang="cs-CZ" sz="1800" dirty="0" err="1"/>
+              <a:t>Youtube</a:t>
+            </a:r>
+            <a:r>
+              <a:rPr lang="cs-CZ" sz="1800" dirty="0"/>
+              <a:t> [online]. 2017 [cit. 2023-01-15]. Dostupné z: </a:t>
+            </a:r>
+            <a:r>
+              <a:rPr lang="cs-CZ" sz="1800" dirty="0">
+                <a:hlinkClick r:id="rId5"/>
+              </a:rPr>
+              <a:t>https://youtu.be/cq31QTrWcQ8</a:t>
+            </a:r>
+            <a:endParaRPr lang="cs-CZ" sz="1800" dirty="0"/>
+          </a:p>
+          <a:p>
+            <a:r>
+              <a:rPr lang="pl-PL" sz="1800" dirty="0"/>
+              <a:t>MojeID Jak na to [online]. [cit. 2023-01-15]. Dostupné z: </a:t>
+            </a:r>
+            <a:r>
+              <a:rPr lang="pl-PL" sz="1800" dirty="0">
+                <a:hlinkClick r:id="rId6"/>
+              </a:rPr>
+              <a:t>https://www.mojeid.cz/cs/jak-na-to/</a:t>
+            </a:r>
+            <a:endParaRPr lang="pl-PL" sz="1800" dirty="0"/>
+          </a:p>
+          <a:p>
+            <a:r>
+              <a:rPr lang="cs-CZ" sz="1800" dirty="0"/>
+              <a:t>Proč </a:t>
+            </a:r>
+            <a:r>
+              <a:rPr lang="cs-CZ" sz="1800" dirty="0" err="1"/>
+              <a:t>MojeID</a:t>
+            </a:r>
+            <a:r>
+              <a:rPr lang="cs-CZ" sz="1800" dirty="0"/>
+              <a:t> [online]. [cit. 2023-01-15]. Dostupné z: </a:t>
+            </a:r>
+            <a:r>
+              <a:rPr lang="cs-CZ" sz="1800" dirty="0">
+                <a:hlinkClick r:id="rId7"/>
+              </a:rPr>
+              <a:t>https://www.mojeid.cz/cs/proc-mojeid/</a:t>
+            </a:r>
+            <a:endParaRPr lang="cs-CZ" sz="1800" dirty="0"/>
+          </a:p>
+          <a:p>
+            <a:r>
+              <a:rPr lang="cs-CZ" sz="1800" dirty="0">
+                <a:effectLst/>
+                <a:latin typeface="Open Sans" panose="020B0606030504020204" pitchFamily="34" charset="0"/>
+              </a:rPr>
+              <a:t>Bankovní identita je dobrý sluha. Existují ale i důvody, proč ji nechtít [online]. [cit. 2023-01-16]. Dostupné z: </a:t>
+            </a:r>
+            <a:r>
+              <a:rPr lang="cs-CZ" sz="1800" dirty="0">
+                <a:solidFill>
+                  <a:schemeClr val="accent1">
+                    <a:lumMod val="75000"/>
+                  </a:schemeClr>
+                </a:solidFill>
+                <a:effectLst/>
+                <a:latin typeface="Open Sans" panose="020B0606030504020204" pitchFamily="34" charset="0"/>
+                <a:hlinkClick r:id="rId8"/>
+              </a:rPr>
+              <a:t>https://www.lupa.cz/clanky/bankovni-identita-je-dobry-sluha-existuji-ale-i-duvody-proc-ji-nechtit/#h24</a:t>
+            </a:r>
+            <a:endParaRPr lang="cs-CZ" sz="1800" dirty="0">
+              <a:solidFill>
+                <a:schemeClr val="accent1">
+                  <a:lumMod val="75000"/>
+                </a:schemeClr>
+              </a:solidFill>
+              <a:effectLst/>
+              <a:latin typeface="Open Sans" panose="020B0606030504020204" pitchFamily="34" charset="0"/>
+            </a:endParaRPr>
+          </a:p>
+          <a:p>
+            <a:r>
+              <a:rPr lang="it-IT" sz="1400" b="0" i="1" dirty="0">
+                <a:solidFill>
+                  <a:srgbClr val="212529"/>
+                </a:solidFill>
+                <a:effectLst/>
+                <a:latin typeface="Open Sans" panose="020B0606030504020204" pitchFamily="34" charset="0"/>
+              </a:rPr>
+              <a:t>Statistiky</a:t>
+            </a:r>
+            <a:r>
+              <a:rPr lang="it-IT" sz="1400" b="0" i="0" dirty="0">
+                <a:solidFill>
+                  <a:srgbClr val="212529"/>
+                </a:solidFill>
+                <a:effectLst/>
+                <a:latin typeface="Open Sans" panose="020B0606030504020204" pitchFamily="34" charset="0"/>
+              </a:rPr>
+              <a:t> [online]. [cit. 2023-01-18]. Dostupné z: https://stats.nic.cz/dashboard/cs/MojeID_mkt.html</a:t>
+            </a:r>
+            <a:endParaRPr lang="cs-CZ" sz="1800" dirty="0">
+              <a:solidFill>
+                <a:schemeClr val="accent1">
+                  <a:lumMod val="75000"/>
+                </a:schemeClr>
+              </a:solidFill>
+              <a:effectLst/>
+              <a:latin typeface="Open Sans" panose="020B0606030504020204" pitchFamily="34" charset="0"/>
+            </a:endParaRPr>
+          </a:p>
+          <a:p>
+            <a:endParaRPr lang="pl-PL" sz="1800" dirty="0">
+              <a:solidFill>
+                <a:schemeClr val="accent1">
+                  <a:lumMod val="75000"/>
+                </a:schemeClr>
+              </a:solidFill>
+            </a:endParaRPr>
+          </a:p>
+          <a:p>
+            <a:endParaRPr lang="cs-CZ" dirty="0"/>
+          </a:p>
+          <a:p>
+            <a:endParaRPr lang="pl-PL" i="1" dirty="0"/>
+          </a:p>
+          <a:p>
+            <a:endParaRPr lang="pl-PL" i="1" dirty="0"/>
+          </a:p>
+          <a:p>
+            <a:endParaRPr lang="pl-PL" sz="1800" i="1" dirty="0"/>
+          </a:p>
+          <a:p>
+            <a:endParaRPr lang="pl-PL" sz="1800" dirty="0"/>
+          </a:p>
+          <a:p>
+            <a:endParaRPr lang="pl-PL" dirty="0"/>
+          </a:p>
+          <a:p>
+            <a:endParaRPr lang="cs-CZ" dirty="0"/>
+          </a:p>
+        </p:txBody>
+      </p:sp>
+    </p:spTree>
+    <p:extLst>
+      <p:ext uri="{BB962C8B-B14F-4D97-AF65-F5344CB8AC3E}">
+        <p14:creationId xmlns:p14="http://schemas.microsoft.com/office/powerpoint/2010/main" val="3510580717"/>
+      </p:ext>
+    </p:extLst>
+  </p:cSld>
+  <p:clrMapOvr>
+    <a:masterClrMapping/>
+  </p:clrMapOvr>
+</p:sld>
+</file>
+
+<file path=ppt/slides/slide11.xml><?xml version="1.0" encoding="utf-8"?>
+<p:sld xmlns:a="http://schemas.openxmlformats.org/drawingml/2006/main" xmlns:r="http://schemas.openxmlformats.org/officeDocument/2006/relationships" xmlns:p="http://schemas.openxmlformats.org/presentationml/2006/main">
+  <p:cSld>
+    <p:spTree>
+      <p:nvGrpSpPr>
+        <p:cNvPr id="1" name=""/>
+        <p:cNvGrpSpPr/>
+        <p:nvPr/>
+      </p:nvGrpSpPr>
+      <p:grpSpPr>
+        <a:xfrm>
+          <a:off x="0" y="0"/>
+          <a:ext cx="0" cy="0"/>
+          <a:chOff x="0" y="0"/>
+          <a:chExt cx="0" cy="0"/>
+        </a:xfrm>
+      </p:grpSpPr>
+      <p:sp>
+        <p:nvSpPr>
+          <p:cNvPr id="2" name="Nadpis 1">
+            <a:extLst>
+              <a:ext uri="{FF2B5EF4-FFF2-40B4-BE49-F238E27FC236}">
+                <a16:creationId xmlns:a16="http://schemas.microsoft.com/office/drawing/2014/main" id="{76655732-9A86-4DC8-B4F8-981B45EE62F0}"/>
+              </a:ext>
+            </a:extLst>
+          </p:cNvPr>
+          <p:cNvSpPr>
+            <a:spLocks noGrp="1"/>
+          </p:cNvSpPr>
+          <p:nvPr>
+            <p:ph type="title"/>
+          </p:nvPr>
+        </p:nvSpPr>
+        <p:spPr>
+          <a:xfrm>
+            <a:off x="4101483" y="409266"/>
+            <a:ext cx="2104748" cy="1293028"/>
+          </a:xfrm>
+        </p:spPr>
+        <p:txBody>
+          <a:bodyPr/>
+          <a:lstStyle/>
+          <a:p>
+            <a:r>
+              <a:rPr lang="cs-CZ" dirty="0"/>
+              <a:t>Zdroje</a:t>
+            </a:r>
+          </a:p>
+        </p:txBody>
+      </p:sp>
+      <p:sp>
+        <p:nvSpPr>
+          <p:cNvPr id="3" name="Zástupný obsah 2">
+            <a:extLst>
+              <a:ext uri="{FF2B5EF4-FFF2-40B4-BE49-F238E27FC236}">
+                <a16:creationId xmlns:a16="http://schemas.microsoft.com/office/drawing/2014/main" id="{1EC93D55-67BE-4D96-94E0-F34C4004F528}"/>
+              </a:ext>
+            </a:extLst>
+          </p:cNvPr>
+          <p:cNvSpPr>
+            <a:spLocks noGrp="1"/>
+          </p:cNvSpPr>
+          <p:nvPr>
+            <p:ph idx="1"/>
+          </p:nvPr>
+        </p:nvSpPr>
+        <p:spPr>
+          <a:xfrm>
+            <a:off x="310718" y="1518082"/>
+            <a:ext cx="11745158" cy="5220069"/>
+          </a:xfrm>
+        </p:spPr>
+        <p:txBody>
+          <a:bodyPr/>
+          <a:lstStyle/>
+          <a:p>
+            <a:r>
+              <a:rPr lang="cs-CZ" sz="1800" dirty="0">
+                <a:hlinkClick r:id="rId2"/>
+              </a:rPr>
+              <a:t>https://blog.nic.cz/wp-content/uploads/2020/10/mojeID_logo_bez_gradientu_negativ_RGB.jpg</a:t>
+            </a:r>
+            <a:endParaRPr lang="cs-CZ" sz="1800" dirty="0"/>
+          </a:p>
+          <a:p>
+            <a:r>
+              <a:rPr lang="cs-CZ" sz="1800" dirty="0">
+                <a:hlinkClick r:id="rId3"/>
+              </a:rPr>
+              <a:t>https://cs.wikipedia.org/wiki/MojeID</a:t>
+            </a:r>
+            <a:endParaRPr lang="cs-CZ" sz="1800" dirty="0"/>
+          </a:p>
+          <a:p>
+            <a:r>
+              <a:rPr lang="cs-CZ" sz="1800" dirty="0">
+                <a:hlinkClick r:id="rId4"/>
+              </a:rPr>
+              <a:t>https://www.youtube.com/watch?v=8n-v2ifN-hc</a:t>
+            </a:r>
+            <a:endParaRPr lang="cs-CZ" sz="1800" dirty="0"/>
+          </a:p>
+          <a:p>
+            <a:r>
+              <a:rPr lang="cs-CZ" sz="1800" dirty="0">
+                <a:hlinkClick r:id="rId5"/>
+              </a:rPr>
+              <a:t>https://youtu.be/cq31QTrWcQ8</a:t>
+            </a:r>
+            <a:endParaRPr lang="cs-CZ" sz="1800" dirty="0"/>
+          </a:p>
+          <a:p>
+            <a:r>
+              <a:rPr lang="pl-PL" sz="1800" dirty="0">
+                <a:hlinkClick r:id="rId6"/>
+              </a:rPr>
+              <a:t>https://www.mojeid.cz/cs/jak-na-to/</a:t>
+            </a:r>
+            <a:endParaRPr lang="pl-PL" sz="1800" dirty="0"/>
+          </a:p>
+          <a:p>
+            <a:r>
+              <a:rPr lang="pl-PL" sz="1800" i="1" dirty="0">
+                <a:hlinkClick r:id="rId7"/>
+              </a:rPr>
+              <a:t>https://www.mojeid.cz/cs/kde-pouzit/</a:t>
+            </a:r>
+            <a:endParaRPr lang="pl-PL" sz="1800" i="1" dirty="0"/>
+          </a:p>
+          <a:p>
+            <a:r>
+              <a:rPr lang="pl-PL" sz="1800" i="1" dirty="0">
+                <a:hlinkClick r:id="rId8"/>
+              </a:rPr>
+              <a:t>https://www.mojeid.cz/cs/proc-mojeid/</a:t>
+            </a:r>
+            <a:endParaRPr lang="pl-PL" sz="1800" i="1" dirty="0"/>
+          </a:p>
+          <a:p>
+            <a:r>
+              <a:rPr lang="cs-CZ" sz="1800" b="0" i="0" dirty="0">
+                <a:solidFill>
+                  <a:schemeClr val="accent1">
+                    <a:lumMod val="75000"/>
+                  </a:schemeClr>
+                </a:solidFill>
+                <a:effectLst/>
+                <a:latin typeface="Open Sans" panose="020B0606030504020204" pitchFamily="34" charset="0"/>
+                <a:hlinkClick r:id="rId9"/>
+              </a:rPr>
+              <a:t>https://www.lupa.cz/clanky/bankovni-identita-je-dobry-sluha-existuji-ale-i-duvody-proc-ji-nechtit/#h24</a:t>
+            </a:r>
+            <a:endParaRPr lang="cs-CZ" sz="1800" b="0" i="0" dirty="0">
+              <a:solidFill>
+                <a:schemeClr val="accent1">
+                  <a:lumMod val="75000"/>
+                </a:schemeClr>
+              </a:solidFill>
+              <a:effectLst/>
+              <a:latin typeface="Open Sans" panose="020B0606030504020204" pitchFamily="34" charset="0"/>
+            </a:endParaRPr>
+          </a:p>
+          <a:p>
+            <a:r>
+              <a:rPr lang="pl-PL" sz="1800" dirty="0">
+                <a:solidFill>
+                  <a:schemeClr val="accent1">
+                    <a:lumMod val="75000"/>
+                  </a:schemeClr>
+                </a:solidFill>
+              </a:rPr>
+              <a:t>https://stats.nic.cz/dashboard/cs/MojeID_mkt.html</a:t>
+            </a:r>
+          </a:p>
+          <a:p>
+            <a:endParaRPr lang="pl-PL" sz="1800" i="1" dirty="0"/>
+          </a:p>
+          <a:p>
+            <a:endParaRPr lang="pl-PL" sz="1800" dirty="0"/>
+          </a:p>
+          <a:p>
+            <a:endParaRPr lang="cs-CZ" sz="1800" dirty="0"/>
+          </a:p>
+          <a:p>
+            <a:endParaRPr lang="cs-CZ" sz="1800" dirty="0"/>
+          </a:p>
+          <a:p>
+            <a:endParaRPr lang="cs-CZ" sz="2400" dirty="0"/>
+          </a:p>
+          <a:p>
+            <a:endParaRPr lang="cs-CZ" dirty="0"/>
+          </a:p>
+          <a:p>
+            <a:endParaRPr lang="cs-CZ" dirty="0"/>
+          </a:p>
+        </p:txBody>
+      </p:sp>
+    </p:spTree>
+    <p:extLst>
+      <p:ext uri="{BB962C8B-B14F-4D97-AF65-F5344CB8AC3E}">
+        <p14:creationId xmlns:p14="http://schemas.microsoft.com/office/powerpoint/2010/main" val="3789644830"/>
+      </p:ext>
+    </p:extLst>
+  </p:cSld>
+  <p:clrMapOvr>
+    <a:masterClrMapping/>
+  </p:clrMapOvr>
+</p:sld>
+</file>
+
+<file path=ppt/slides/slide12.xml><?xml version="1.0" encoding="utf-8"?>
+<p:sld xmlns:a="http://schemas.openxmlformats.org/drawingml/2006/main" xmlns:r="http://schemas.openxmlformats.org/officeDocument/2006/relationships" xmlns:p="http://schemas.openxmlformats.org/presentationml/2006/main">
+  <p:cSld>
+    <p:spTree>
+      <p:nvGrpSpPr>
+        <p:cNvPr id="1" name=""/>
+        <p:cNvGrpSpPr/>
+        <p:nvPr/>
+      </p:nvGrpSpPr>
+      <p:grpSpPr>
+        <a:xfrm>
+          <a:off x="0" y="0"/>
+          <a:ext cx="0" cy="0"/>
+          <a:chOff x="0" y="0"/>
+          <a:chExt cx="0" cy="0"/>
+        </a:xfrm>
+      </p:grpSpPr>
+      <p:sp>
+        <p:nvSpPr>
+          <p:cNvPr id="2" name="Nadpis 1">
+            <a:extLst>
+              <a:ext uri="{FF2B5EF4-FFF2-40B4-BE49-F238E27FC236}">
                 <a16:creationId xmlns:a16="http://schemas.microsoft.com/office/drawing/2014/main" id="{DF84E592-25E5-455F-A680-48A09B2775FD}"/>
               </a:ext>
             </a:extLst>
@@ -7287,7 +7915,7 @@
           <a:p>
             <a:r>
               <a:rPr lang="cs-CZ" sz="3200" dirty="0"/>
-              <a:t>Zadarmo</a:t>
+              <a:t>Spuštěno v říjnu 2010</a:t>
             </a:r>
           </a:p>
           <a:p>
@@ -7416,16 +8044,27 @@
             <a:endParaRPr lang="cs-CZ" sz="3000" dirty="0"/>
           </a:p>
           <a:p>
-            <a:pPr lvl="1"/>
-            <a:endParaRPr lang="cs-CZ" sz="3000" dirty="0"/>
-          </a:p>
-          <a:p>
             <a:r>
               <a:rPr lang="cs-CZ" sz="3200" dirty="0"/>
               <a:t>Zveřejnění údajů </a:t>
             </a:r>
           </a:p>
           <a:p>
+            <a:endParaRPr lang="cs-CZ" sz="3200" dirty="0"/>
+          </a:p>
+          <a:p>
+            <a:r>
+              <a:rPr lang="cs-CZ" sz="3200" dirty="0"/>
+              <a:t>Zadarmo</a:t>
+            </a:r>
+          </a:p>
+          <a:p>
+            <a:endParaRPr lang="cs-CZ" sz="3200" dirty="0"/>
+          </a:p>
+          <a:p>
+            <a:pPr marL="0" indent="0">
+              <a:buNone/>
+            </a:pPr>
             <a:endParaRPr lang="cs-CZ" sz="3200" dirty="0"/>
           </a:p>
           <a:p>
@@ -7495,10 +8134,10 @@
       </p:grpSpPr>
       <p:sp>
         <p:nvSpPr>
-          <p:cNvPr id="2" name="Nadpis 1">
+          <p:cNvPr id="3" name="Zástupný text 2">
             <a:extLst>
               <a:ext uri="{FF2B5EF4-FFF2-40B4-BE49-F238E27FC236}">
-                <a16:creationId xmlns:a16="http://schemas.microsoft.com/office/drawing/2014/main" id="{DCE2E97C-AEA4-4D46-9252-E04298533E40}"/>
+                <a16:creationId xmlns:a16="http://schemas.microsoft.com/office/drawing/2014/main" id="{C2D5398B-5064-9538-A9B4-8C21EF5C5830}"/>
               </a:ext>
             </a:extLst>
           </p:cNvPr>
@@ -7506,33 +8145,29 @@
             <a:spLocks noGrp="1"/>
           </p:cNvSpPr>
           <p:nvPr>
-            <p:ph type="title"/>
-          </p:nvPr>
-        </p:nvSpPr>
-        <p:spPr>
-          <a:xfrm>
-            <a:off x="-469037" y="782129"/>
-            <a:ext cx="10500803" cy="1293028"/>
+            <p:ph type="body" idx="1"/>
+          </p:nvPr>
+        </p:nvSpPr>
+        <p:spPr>
+          <a:xfrm>
+            <a:off x="685800" y="1509099"/>
+            <a:ext cx="5311775" cy="823912"/>
           </a:xfrm>
         </p:spPr>
         <p:txBody>
           <a:bodyPr/>
           <a:lstStyle/>
           <a:p>
-            <a:pPr algn="ctr"/>
-            <a:r>
-              <a:rPr lang="cs-CZ" dirty="0"/>
-              <a:t>Kde a jak využít</a:t>
-            </a:r>
-          </a:p>
-        </p:txBody>
-      </p:sp>
-      <p:sp>
-        <p:nvSpPr>
-          <p:cNvPr id="3" name="Zástupný obsah 2">
+            <a:endParaRPr lang="cs-CZ" dirty="0"/>
+          </a:p>
+        </p:txBody>
+      </p:sp>
+      <p:sp>
+        <p:nvSpPr>
+          <p:cNvPr id="4" name="Zástupný obsah 3">
             <a:extLst>
               <a:ext uri="{FF2B5EF4-FFF2-40B4-BE49-F238E27FC236}">
-                <a16:creationId xmlns:a16="http://schemas.microsoft.com/office/drawing/2014/main" id="{7FE034DD-45B8-4E8B-8531-FD851F64EC57}"/>
+                <a16:creationId xmlns:a16="http://schemas.microsoft.com/office/drawing/2014/main" id="{C6137AD0-004B-501A-CAC5-5734360E816E}"/>
               </a:ext>
             </a:extLst>
           </p:cNvPr>
@@ -7540,43 +8175,78 @@
             <a:spLocks noGrp="1"/>
           </p:cNvSpPr>
           <p:nvPr>
-            <p:ph idx="1"/>
-          </p:nvPr>
-        </p:nvSpPr>
-        <p:spPr/>
+            <p:ph sz="half" idx="2"/>
+          </p:nvPr>
+        </p:nvSpPr>
+        <p:spPr>
+          <a:xfrm>
+            <a:off x="685800" y="2457963"/>
+            <a:ext cx="5311775" cy="3086019"/>
+          </a:xfrm>
+        </p:spPr>
         <p:txBody>
           <a:bodyPr/>
           <a:lstStyle/>
           <a:p>
-            <a:r>
-              <a:rPr lang="cs-CZ" sz="2400" dirty="0"/>
-              <a:t>Autentizace</a:t>
-            </a:r>
-          </a:p>
-          <a:p>
-            <a:endParaRPr lang="cs-CZ" sz="2400" dirty="0"/>
-          </a:p>
-          <a:p>
-            <a:r>
-              <a:rPr lang="cs-CZ" sz="2400" dirty="0"/>
-              <a:t>Spousty služeb a webů</a:t>
-            </a:r>
-          </a:p>
-          <a:p>
-            <a:endParaRPr lang="cs-CZ" sz="2400" dirty="0"/>
-          </a:p>
-          <a:p>
-            <a:r>
-              <a:rPr lang="cs-CZ" sz="2400" dirty="0"/>
-              <a:t>Služby veřejné správy</a:t>
-            </a:r>
-          </a:p>
-          <a:p>
-            <a:endParaRPr lang="cs-CZ" sz="2400" dirty="0"/>
-          </a:p>
-          <a:p>
-            <a:endParaRPr lang="cs-CZ" sz="2400" dirty="0"/>
-          </a:p>
+            <a:endParaRPr lang="cs-CZ"/>
+          </a:p>
+        </p:txBody>
+      </p:sp>
+      <p:sp>
+        <p:nvSpPr>
+          <p:cNvPr id="5" name="Zástupný text 4">
+            <a:extLst>
+              <a:ext uri="{FF2B5EF4-FFF2-40B4-BE49-F238E27FC236}">
+                <a16:creationId xmlns:a16="http://schemas.microsoft.com/office/drawing/2014/main" id="{8D82500E-0DCE-4F8F-9E85-2DDC2F1E6C8E}"/>
+              </a:ext>
+            </a:extLst>
+          </p:cNvPr>
+          <p:cNvSpPr>
+            <a:spLocks noGrp="1"/>
+          </p:cNvSpPr>
+          <p:nvPr>
+            <p:ph type="body" sz="quarter" idx="3"/>
+          </p:nvPr>
+        </p:nvSpPr>
+        <p:spPr>
+          <a:xfrm>
+            <a:off x="6286499" y="1535627"/>
+            <a:ext cx="5333999" cy="823912"/>
+          </a:xfrm>
+        </p:spPr>
+        <p:txBody>
+          <a:bodyPr/>
+          <a:lstStyle/>
+          <a:p>
+            <a:endParaRPr lang="cs-CZ" dirty="0"/>
+          </a:p>
+        </p:txBody>
+      </p:sp>
+      <p:sp>
+        <p:nvSpPr>
+          <p:cNvPr id="6" name="Zástupný obsah 5">
+            <a:extLst>
+              <a:ext uri="{FF2B5EF4-FFF2-40B4-BE49-F238E27FC236}">
+                <a16:creationId xmlns:a16="http://schemas.microsoft.com/office/drawing/2014/main" id="{1D339B78-1E1E-E624-B9FD-2D2CD2D456CA}"/>
+              </a:ext>
+            </a:extLst>
+          </p:cNvPr>
+          <p:cNvSpPr>
+            <a:spLocks noGrp="1"/>
+          </p:cNvSpPr>
+          <p:nvPr>
+            <p:ph sz="quarter" idx="4"/>
+          </p:nvPr>
+        </p:nvSpPr>
+        <p:spPr>
+          <a:xfrm>
+            <a:off x="6286500" y="2457963"/>
+            <a:ext cx="5334000" cy="3086019"/>
+          </a:xfrm>
+        </p:spPr>
+        <p:txBody>
+          <a:bodyPr/>
+          <a:lstStyle/>
           <a:p>
             <a:endParaRPr lang="cs-CZ" dirty="0"/>
           </a:p>
@@ -7585,7 +8255,7 @@
     </p:spTree>
     <p:extLst>
       <p:ext uri="{BB962C8B-B14F-4D97-AF65-F5344CB8AC3E}">
-        <p14:creationId xmlns:p14="http://schemas.microsoft.com/office/powerpoint/2010/main" val="31421569"/>
+        <p14:creationId xmlns:p14="http://schemas.microsoft.com/office/powerpoint/2010/main" val="4091216766"/>
       </p:ext>
     </p:extLst>
   </p:cSld>
@@ -7617,7 +8287,7 @@
           <p:cNvPr id="2" name="Nadpis 1">
             <a:extLst>
               <a:ext uri="{FF2B5EF4-FFF2-40B4-BE49-F238E27FC236}">
-                <a16:creationId xmlns:a16="http://schemas.microsoft.com/office/drawing/2014/main" id="{ABEBAF48-51BF-4B88-A2CD-12DE294F63AD}"/>
+                <a16:creationId xmlns:a16="http://schemas.microsoft.com/office/drawing/2014/main" id="{DCE2E97C-AEA4-4D46-9252-E04298533E40}"/>
               </a:ext>
             </a:extLst>
           </p:cNvPr>
@@ -7630,8 +8300,8 @@
         </p:nvSpPr>
         <p:spPr>
           <a:xfrm>
-            <a:off x="1830280" y="799884"/>
-            <a:ext cx="9080376" cy="1293028"/>
+            <a:off x="-469037" y="782129"/>
+            <a:ext cx="10500803" cy="1293028"/>
           </a:xfrm>
         </p:spPr>
         <p:txBody>
@@ -7641,15 +8311,7 @@
             <a:pPr algn="ctr"/>
             <a:r>
               <a:rPr lang="cs-CZ" dirty="0"/>
-              <a:t>Kde se můžu s </a:t>
-            </a:r>
-            <a:r>
-              <a:rPr lang="cs-CZ" dirty="0" err="1"/>
-              <a:t>mojeid</a:t>
-            </a:r>
-            <a:r>
-              <a:rPr lang="cs-CZ" dirty="0"/>
-              <a:t> přihlásit</a:t>
+              <a:t>Kde a jak využít</a:t>
             </a:r>
           </a:p>
         </p:txBody>
@@ -7659,7 +8321,7 @@
           <p:cNvPr id="3" name="Zástupný obsah 2">
             <a:extLst>
               <a:ext uri="{FF2B5EF4-FFF2-40B4-BE49-F238E27FC236}">
-                <a16:creationId xmlns:a16="http://schemas.microsoft.com/office/drawing/2014/main" id="{BBE9F778-C682-45BA-97E2-9DC4F4C059DD}"/>
+                <a16:creationId xmlns:a16="http://schemas.microsoft.com/office/drawing/2014/main" id="{7FE034DD-45B8-4E8B-8531-FD851F64EC57}"/>
               </a:ext>
             </a:extLst>
           </p:cNvPr>
@@ -7670,74 +8332,55 @@
             <p:ph idx="1"/>
           </p:nvPr>
         </p:nvSpPr>
-        <p:spPr>
-          <a:xfrm>
-            <a:off x="329954" y="2283337"/>
-            <a:ext cx="10820400" cy="4024125"/>
-          </a:xfrm>
-        </p:spPr>
-        <p:txBody>
-          <a:bodyPr>
-            <a:normAutofit lnSpcReduction="10000"/>
-          </a:bodyPr>
-          <a:lstStyle/>
-          <a:p>
-            <a:r>
-              <a:rPr lang="cs-CZ" dirty="0"/>
-              <a:t>Alza.cz</a:t>
-            </a:r>
+        <p:spPr/>
+        <p:txBody>
+          <a:bodyPr/>
+          <a:lstStyle/>
+          <a:p>
+            <a:r>
+              <a:rPr lang="cs-CZ" sz="2400" dirty="0"/>
+              <a:t>Autentizace</a:t>
+            </a:r>
+          </a:p>
+          <a:p>
+            <a:endParaRPr lang="cs-CZ" sz="2400" dirty="0"/>
+          </a:p>
+          <a:p>
+            <a:r>
+              <a:rPr lang="cs-CZ" sz="2400" dirty="0"/>
+              <a:t>Spousty služeb a webů</a:t>
+            </a:r>
+          </a:p>
+          <a:p>
+            <a:endParaRPr lang="cs-CZ" sz="2400" dirty="0"/>
+          </a:p>
+          <a:p>
+            <a:endParaRPr lang="cs-CZ" sz="2400" dirty="0"/>
+          </a:p>
+          <a:p>
+            <a:endParaRPr lang="cs-CZ" sz="2400" dirty="0"/>
+          </a:p>
+          <a:p>
+            <a:r>
+              <a:rPr lang="cs-CZ" sz="2400" dirty="0"/>
+              <a:t>Služby veřejné správy</a:t>
+            </a:r>
+          </a:p>
+          <a:p>
+            <a:endParaRPr lang="cs-CZ" sz="2400" dirty="0"/>
+          </a:p>
+          <a:p>
+            <a:endParaRPr lang="cs-CZ" sz="2400" dirty="0"/>
           </a:p>
           <a:p>
             <a:endParaRPr lang="cs-CZ" dirty="0"/>
-          </a:p>
-          <a:p>
-            <a:r>
-              <a:rPr lang="cs-CZ" dirty="0"/>
-              <a:t>Čsfd.cz</a:t>
-            </a:r>
-          </a:p>
-          <a:p>
-            <a:endParaRPr lang="cs-CZ" dirty="0"/>
-          </a:p>
-          <a:p>
-            <a:r>
-              <a:rPr lang="cs-CZ" dirty="0"/>
-              <a:t>Czc.cz</a:t>
-            </a:r>
-          </a:p>
-          <a:p>
-            <a:endParaRPr lang="cs-CZ" dirty="0"/>
-          </a:p>
-          <a:p>
-            <a:r>
-              <a:rPr lang="cs-CZ" dirty="0"/>
-              <a:t>RegioJet</a:t>
-            </a:r>
-          </a:p>
-          <a:p>
-            <a:endParaRPr lang="cs-CZ" dirty="0"/>
-          </a:p>
-          <a:p>
-            <a:r>
-              <a:rPr lang="cs-CZ" dirty="0"/>
-              <a:t>Idnes.cz</a:t>
-            </a:r>
-          </a:p>
-          <a:p>
-            <a:pPr marL="0" indent="0">
-              <a:buNone/>
-            </a:pPr>
-            <a:r>
-              <a:rPr lang="cs-CZ" dirty="0"/>
-              <a:t> </a:t>
-            </a:r>
           </a:p>
         </p:txBody>
       </p:sp>
     </p:spTree>
     <p:extLst>
       <p:ext uri="{BB962C8B-B14F-4D97-AF65-F5344CB8AC3E}">
-        <p14:creationId xmlns:p14="http://schemas.microsoft.com/office/powerpoint/2010/main" val="3134865051"/>
+        <p14:creationId xmlns:p14="http://schemas.microsoft.com/office/powerpoint/2010/main" val="31421569"/>
       </p:ext>
     </p:extLst>
   </p:cSld>
@@ -7769,7 +8412,7 @@
           <p:cNvPr id="2" name="Nadpis 1">
             <a:extLst>
               <a:ext uri="{FF2B5EF4-FFF2-40B4-BE49-F238E27FC236}">
-                <a16:creationId xmlns:a16="http://schemas.microsoft.com/office/drawing/2014/main" id="{29145A4F-7384-4E4A-9424-433D78D0645E}"/>
+                <a16:creationId xmlns:a16="http://schemas.microsoft.com/office/drawing/2014/main" id="{ABEBAF48-51BF-4B88-A2CD-12DE294F63AD}"/>
               </a:ext>
             </a:extLst>
           </p:cNvPr>
@@ -7782,8 +8425,8 @@
         </p:nvSpPr>
         <p:spPr>
           <a:xfrm>
-            <a:off x="1180730" y="1979720"/>
-            <a:ext cx="9348187" cy="2814222"/>
+            <a:off x="1830280" y="799884"/>
+            <a:ext cx="9080376" cy="1293028"/>
           </a:xfrm>
         </p:spPr>
         <p:txBody>
@@ -7793,15 +8436,95 @@
             <a:pPr algn="ctr"/>
             <a:r>
               <a:rPr lang="cs-CZ" dirty="0"/>
-              <a:t>Jak zjistím že web podporuje službu </a:t>
+              <a:t>Kde se můžu s </a:t>
             </a:r>
             <a:r>
               <a:rPr lang="cs-CZ" dirty="0" err="1"/>
-              <a:t>MOjeID</a:t>
+              <a:t>mojeid</a:t>
             </a:r>
             <a:r>
               <a:rPr lang="cs-CZ" dirty="0"/>
-              <a:t>?</a:t>
+              <a:t> přihlásit</a:t>
+            </a:r>
+          </a:p>
+        </p:txBody>
+      </p:sp>
+      <p:sp>
+        <p:nvSpPr>
+          <p:cNvPr id="3" name="Zástupný obsah 2">
+            <a:extLst>
+              <a:ext uri="{FF2B5EF4-FFF2-40B4-BE49-F238E27FC236}">
+                <a16:creationId xmlns:a16="http://schemas.microsoft.com/office/drawing/2014/main" id="{BBE9F778-C682-45BA-97E2-9DC4F4C059DD}"/>
+              </a:ext>
+            </a:extLst>
+          </p:cNvPr>
+          <p:cNvSpPr>
+            <a:spLocks noGrp="1"/>
+          </p:cNvSpPr>
+          <p:nvPr>
+            <p:ph idx="1"/>
+          </p:nvPr>
+        </p:nvSpPr>
+        <p:spPr>
+          <a:xfrm>
+            <a:off x="329954" y="2283337"/>
+            <a:ext cx="10820400" cy="4024125"/>
+          </a:xfrm>
+        </p:spPr>
+        <p:txBody>
+          <a:bodyPr>
+            <a:normAutofit lnSpcReduction="10000"/>
+          </a:bodyPr>
+          <a:lstStyle/>
+          <a:p>
+            <a:r>
+              <a:rPr lang="cs-CZ" dirty="0"/>
+              <a:t>Alza.cz</a:t>
+            </a:r>
+          </a:p>
+          <a:p>
+            <a:endParaRPr lang="cs-CZ" dirty="0"/>
+          </a:p>
+          <a:p>
+            <a:r>
+              <a:rPr lang="cs-CZ" dirty="0"/>
+              <a:t>Čsfd.cz</a:t>
+            </a:r>
+          </a:p>
+          <a:p>
+            <a:endParaRPr lang="cs-CZ" dirty="0"/>
+          </a:p>
+          <a:p>
+            <a:r>
+              <a:rPr lang="cs-CZ" dirty="0"/>
+              <a:t>Czc.cz</a:t>
+            </a:r>
+          </a:p>
+          <a:p>
+            <a:endParaRPr lang="cs-CZ" dirty="0"/>
+          </a:p>
+          <a:p>
+            <a:r>
+              <a:rPr lang="cs-CZ" dirty="0"/>
+              <a:t>RegioJet</a:t>
+            </a:r>
+          </a:p>
+          <a:p>
+            <a:endParaRPr lang="cs-CZ" dirty="0"/>
+          </a:p>
+          <a:p>
+            <a:r>
+              <a:rPr lang="cs-CZ" dirty="0"/>
+              <a:t>Idnes.cz</a:t>
+            </a:r>
+          </a:p>
+          <a:p>
+            <a:pPr marL="0" indent="0">
+              <a:buNone/>
+            </a:pPr>
+            <a:r>
+              <a:rPr lang="cs-CZ" dirty="0"/>
+              <a:t> </a:t>
             </a:r>
           </a:p>
         </p:txBody>
@@ -7809,7 +8532,7 @@
     </p:spTree>
     <p:extLst>
       <p:ext uri="{BB962C8B-B14F-4D97-AF65-F5344CB8AC3E}">
-        <p14:creationId xmlns:p14="http://schemas.microsoft.com/office/powerpoint/2010/main" val="1350733792"/>
+        <p14:creationId xmlns:p14="http://schemas.microsoft.com/office/powerpoint/2010/main" val="3134865051"/>
       </p:ext>
     </p:extLst>
   </p:cSld>
@@ -7841,7 +8564,7 @@
           <p:cNvPr id="2" name="Nadpis 1">
             <a:extLst>
               <a:ext uri="{FF2B5EF4-FFF2-40B4-BE49-F238E27FC236}">
-                <a16:creationId xmlns:a16="http://schemas.microsoft.com/office/drawing/2014/main" id="{71AB2C6A-E8A7-6720-F7C5-D6B8995D5FBE}"/>
+                <a16:creationId xmlns:a16="http://schemas.microsoft.com/office/drawing/2014/main" id="{29145A4F-7384-4E4A-9424-433D78D0645E}"/>
               </a:ext>
             </a:extLst>
           </p:cNvPr>
@@ -7854,20 +8577,26 @@
         </p:nvSpPr>
         <p:spPr>
           <a:xfrm>
-            <a:off x="1669002" y="1278384"/>
-            <a:ext cx="9463595" cy="4092606"/>
-          </a:xfrm>
-        </p:spPr>
-        <p:txBody>
-          <a:bodyPr>
-            <a:normAutofit/>
-          </a:bodyPr>
+            <a:off x="1180730" y="1979720"/>
+            <a:ext cx="9348187" cy="2814222"/>
+          </a:xfrm>
+        </p:spPr>
+        <p:txBody>
+          <a:bodyPr/>
           <a:lstStyle/>
           <a:p>
             <a:pPr algn="ctr"/>
             <a:r>
-              <a:rPr lang="cs-CZ" sz="6000" dirty="0"/>
-              <a:t>Možné mínusy</a:t>
+              <a:rPr lang="cs-CZ" dirty="0"/>
+              <a:t>Jak zjistím že web podporuje službu </a:t>
+            </a:r>
+            <a:r>
+              <a:rPr lang="cs-CZ" dirty="0" err="1"/>
+              <a:t>MOjeID</a:t>
+            </a:r>
+            <a:r>
+              <a:rPr lang="cs-CZ" dirty="0"/>
+              <a:t>?</a:t>
             </a:r>
           </a:p>
         </p:txBody>
@@ -7875,7 +8604,7 @@
     </p:spTree>
     <p:extLst>
       <p:ext uri="{BB962C8B-B14F-4D97-AF65-F5344CB8AC3E}">
-        <p14:creationId xmlns:p14="http://schemas.microsoft.com/office/powerpoint/2010/main" val="1335348459"/>
+        <p14:creationId xmlns:p14="http://schemas.microsoft.com/office/powerpoint/2010/main" val="1350733792"/>
       </p:ext>
     </p:extLst>
   </p:cSld>
@@ -7888,6 +8617,14 @@
 <file path=ppt/slides/slide8.xml><?xml version="1.0" encoding="utf-8"?>
 <p:sld xmlns:a="http://schemas.openxmlformats.org/drawingml/2006/main" xmlns:r="http://schemas.openxmlformats.org/officeDocument/2006/relationships" xmlns:p="http://schemas.openxmlformats.org/presentationml/2006/main">
   <p:cSld>
+    <p:bg>
+      <p:bgPr>
+        <a:solidFill>
+          <a:schemeClr val="bg1"/>
+        </a:solidFill>
+        <a:effectLst/>
+      </p:bgPr>
+    </p:bg>
     <p:spTree>
       <p:nvGrpSpPr>
         <p:cNvPr id="1" name=""/>
@@ -7904,10 +8641,104 @@
       </p:grpSpPr>
       <p:sp>
         <p:nvSpPr>
+          <p:cNvPr id="9" name="Rectangle 8">
+            <a:extLst>
+              <a:ext uri="{FF2B5EF4-FFF2-40B4-BE49-F238E27FC236}">
+                <a16:creationId xmlns:a16="http://schemas.microsoft.com/office/drawing/2014/main" id="{1EA5387D-64D8-4D6C-B109-FF4E81DF609A}"/>
+              </a:ext>
+              <a:ext uri="{C183D7F6-B498-43B3-948B-1728B52AA6E4}">
+                <adec:decorative xmlns:adec="http://schemas.microsoft.com/office/drawing/2017/decorative" val="1"/>
+              </a:ext>
+            </a:extLst>
+          </p:cNvPr>
+          <p:cNvSpPr>
+            <a:spLocks noGrp="1" noRot="1" noChangeAspect="1" noMove="1" noResize="1" noEditPoints="1" noAdjustHandles="1" noChangeArrowheads="1" noChangeShapeType="1" noTextEdit="1"/>
+          </p:cNvSpPr>
+          <p:nvPr>
+            <p:extLst>
+              <p:ext uri="{386F3935-93C4-4BCD-93E2-E3B085C9AB24}">
+                <p16:designElem xmlns:p16="http://schemas.microsoft.com/office/powerpoint/2015/main" val="1"/>
+              </p:ext>
+            </p:extLst>
+          </p:nvPr>
+        </p:nvSpPr>
+        <p:spPr>
+          <a:xfrm>
+            <a:off x="0" y="0"/>
+            <a:ext cx="12192000" cy="6858000"/>
+          </a:xfrm>
+          <a:prstGeom prst="rect">
+            <a:avLst/>
+          </a:prstGeom>
+          <a:solidFill>
+            <a:schemeClr val="bg1"/>
+          </a:solidFill>
+          <a:ln>
+            <a:noFill/>
+          </a:ln>
+        </p:spPr>
+        <p:style>
+          <a:lnRef idx="2">
+            <a:schemeClr val="accent1">
+              <a:shade val="50000"/>
+            </a:schemeClr>
+          </a:lnRef>
+          <a:fillRef idx="1">
+            <a:schemeClr val="accent1"/>
+          </a:fillRef>
+          <a:effectRef idx="0">
+            <a:schemeClr val="accent1"/>
+          </a:effectRef>
+          <a:fontRef idx="minor">
+            <a:schemeClr val="lt1"/>
+          </a:fontRef>
+        </p:style>
+        <p:txBody>
+          <a:bodyPr rtlCol="0" anchor="ctr"/>
+          <a:lstStyle/>
+          <a:p>
+            <a:pPr algn="ctr"/>
+            <a:endParaRPr lang="en-US"/>
+          </a:p>
+        </p:txBody>
+      </p:sp>
+      <p:pic>
+        <p:nvPicPr>
+          <p:cNvPr id="5" name="Picture 4" descr="Abstraktní pozadí s částicemi a grafem">
+            <a:extLst>
+              <a:ext uri="{FF2B5EF4-FFF2-40B4-BE49-F238E27FC236}">
+                <a16:creationId xmlns:a16="http://schemas.microsoft.com/office/drawing/2014/main" id="{A310D6CF-06F2-4C13-F388-476D3534B2B3}"/>
+              </a:ext>
+            </a:extLst>
+          </p:cNvPr>
+          <p:cNvPicPr>
+            <a:picLocks noChangeAspect="1"/>
+          </p:cNvPicPr>
+          <p:nvPr/>
+        </p:nvPicPr>
+        <p:blipFill rotWithShape="1">
+          <a:blip r:embed="rId3">
+            <a:alphaModFix amt="30000"/>
+          </a:blip>
+          <a:srcRect t="15730"/>
+          <a:stretch/>
+        </p:blipFill>
+        <p:spPr>
+          <a:xfrm>
+            <a:off x="20" y="10"/>
+            <a:ext cx="12191980" cy="6857990"/>
+          </a:xfrm>
+          <a:prstGeom prst="rect">
+            <a:avLst/>
+          </a:prstGeom>
+        </p:spPr>
+      </p:pic>
+      <p:sp>
+        <p:nvSpPr>
           <p:cNvPr id="2" name="Nadpis 1">
             <a:extLst>
               <a:ext uri="{FF2B5EF4-FFF2-40B4-BE49-F238E27FC236}">
-                <a16:creationId xmlns:a16="http://schemas.microsoft.com/office/drawing/2014/main" id="{F8D139CD-4C1A-4C94-B195-7B514ADC8502}"/>
+                <a16:creationId xmlns:a16="http://schemas.microsoft.com/office/drawing/2014/main" id="{9AA02948-EAA1-2EE6-6FFE-2267E94B2FC2}"/>
               </a:ext>
             </a:extLst>
           </p:cNvPr>
@@ -7920,223 +8751,62 @@
         </p:nvSpPr>
         <p:spPr>
           <a:xfrm>
-            <a:off x="2226644" y="186855"/>
-            <a:ext cx="3869356" cy="1293028"/>
-          </a:xfrm>
-        </p:spPr>
-        <p:txBody>
-          <a:bodyPr/>
-          <a:lstStyle/>
-          <a:p>
-            <a:r>
-              <a:rPr lang="cs-CZ" dirty="0"/>
-              <a:t>Citace</a:t>
-            </a:r>
-          </a:p>
-        </p:txBody>
-      </p:sp>
-      <p:sp>
-        <p:nvSpPr>
-          <p:cNvPr id="3" name="Zástupný obsah 2">
+            <a:off x="-220823" y="639315"/>
+            <a:ext cx="8610600" cy="1293028"/>
+          </a:xfrm>
+        </p:spPr>
+        <p:txBody>
+          <a:bodyPr>
+            <a:normAutofit/>
+          </a:bodyPr>
+          <a:lstStyle/>
+          <a:p>
+            <a:r>
+              <a:rPr lang="cs-CZ" sz="6000" dirty="0"/>
+              <a:t>Čísla, statistiky</a:t>
+            </a:r>
+          </a:p>
+        </p:txBody>
+      </p:sp>
+      <p:pic>
+        <p:nvPicPr>
+          <p:cNvPr id="6" name="Zástupný obsah 5">
             <a:extLst>
               <a:ext uri="{FF2B5EF4-FFF2-40B4-BE49-F238E27FC236}">
-                <a16:creationId xmlns:a16="http://schemas.microsoft.com/office/drawing/2014/main" id="{B41FCB52-485D-4C7B-9EEF-07A2B55DBD74}"/>
+                <a16:creationId xmlns:a16="http://schemas.microsoft.com/office/drawing/2014/main" id="{BCDAAE44-DE72-5520-AE2A-D93D116AAFD8}"/>
               </a:ext>
             </a:extLst>
           </p:cNvPr>
-          <p:cNvSpPr>
-            <a:spLocks noGrp="1"/>
-          </p:cNvSpPr>
+          <p:cNvPicPr>
+            <a:picLocks noGrp="1" noChangeAspect="1"/>
+          </p:cNvPicPr>
           <p:nvPr>
             <p:ph idx="1"/>
           </p:nvPr>
-        </p:nvSpPr>
-        <p:spPr>
-          <a:xfrm>
-            <a:off x="250257" y="1479884"/>
-            <a:ext cx="11482939" cy="5103796"/>
-          </a:xfrm>
-        </p:spPr>
-        <p:txBody>
-          <a:bodyPr/>
-          <a:lstStyle/>
-          <a:p>
-            <a:r>
-              <a:rPr lang="pl-PL" sz="1800" dirty="0"/>
-              <a:t>MojeID [online]. [cit. 2023-01-15]. Dostupné z: </a:t>
-            </a:r>
-            <a:r>
-              <a:rPr lang="pl-PL" sz="1800" dirty="0">
-                <a:hlinkClick r:id="rId2"/>
-              </a:rPr>
-              <a:t>https://www.mojeid.cz/cs/kde-pouzit/</a:t>
-            </a:r>
-            <a:endParaRPr lang="pl-PL" sz="1800" dirty="0"/>
-          </a:p>
-          <a:p>
-            <a:r>
-              <a:rPr lang="pl-PL" sz="1800" dirty="0"/>
-              <a:t>MojeID wiki [online]. [cit. 2023-01-15]. Dostupné z: </a:t>
-            </a:r>
-            <a:r>
-              <a:rPr lang="pl-PL" sz="1800" dirty="0">
-                <a:hlinkClick r:id="rId3"/>
-              </a:rPr>
-              <a:t>https://cs.wikipedia.org/wiki/MojeID</a:t>
-            </a:r>
-            <a:endParaRPr lang="pl-PL" sz="1800" dirty="0"/>
-          </a:p>
-          <a:p>
-            <a:r>
-              <a:rPr lang="cs-CZ" sz="1800" dirty="0" err="1"/>
-              <a:t>MojeID</a:t>
-            </a:r>
-            <a:r>
-              <a:rPr lang="cs-CZ" sz="1800" dirty="0"/>
-              <a:t> (uživatel). </a:t>
-            </a:r>
-            <a:r>
-              <a:rPr lang="cs-CZ" sz="1800" dirty="0" err="1"/>
-              <a:t>Youtube</a:t>
-            </a:r>
-            <a:r>
-              <a:rPr lang="cs-CZ" sz="1800" dirty="0"/>
-              <a:t> [online]. 2017 [cit. 2023-01-15]. Dostupné z: </a:t>
-            </a:r>
-            <a:r>
-              <a:rPr lang="cs-CZ" sz="1800" dirty="0">
-                <a:hlinkClick r:id="rId4"/>
-              </a:rPr>
-              <a:t>https://www.youtube.com/watch?v=8n-v2ifN-hc</a:t>
-            </a:r>
-            <a:endParaRPr lang="cs-CZ" sz="1800" dirty="0"/>
-          </a:p>
-          <a:p>
-            <a:r>
-              <a:rPr lang="cs-CZ" sz="1800" dirty="0" err="1"/>
-              <a:t>MojeID</a:t>
-            </a:r>
-            <a:r>
-              <a:rPr lang="cs-CZ" sz="1800" dirty="0"/>
-              <a:t> (poskytovatel). </a:t>
-            </a:r>
-            <a:r>
-              <a:rPr lang="cs-CZ" sz="1800" dirty="0" err="1"/>
-              <a:t>Youtube</a:t>
-            </a:r>
-            <a:r>
-              <a:rPr lang="cs-CZ" sz="1800" dirty="0"/>
-              <a:t> [online]. 2017 [cit. 2023-01-15]. Dostupné z: </a:t>
-            </a:r>
-            <a:r>
-              <a:rPr lang="cs-CZ" sz="1800" dirty="0">
-                <a:hlinkClick r:id="rId5"/>
-              </a:rPr>
-              <a:t>https://youtu.be/cq31QTrWcQ8</a:t>
-            </a:r>
-            <a:endParaRPr lang="cs-CZ" sz="1800" dirty="0"/>
-          </a:p>
-          <a:p>
-            <a:r>
-              <a:rPr lang="pl-PL" sz="1800" dirty="0"/>
-              <a:t>MojeID Jak na to [online]. [cit. 2023-01-15]. Dostupné z: </a:t>
-            </a:r>
-            <a:r>
-              <a:rPr lang="pl-PL" sz="1800" dirty="0">
-                <a:hlinkClick r:id="rId6"/>
-              </a:rPr>
-              <a:t>https://www.mojeid.cz/cs/jak-na-to/</a:t>
-            </a:r>
-            <a:endParaRPr lang="pl-PL" sz="1800" dirty="0"/>
-          </a:p>
-          <a:p>
-            <a:r>
-              <a:rPr lang="cs-CZ" sz="1800" dirty="0"/>
-              <a:t>Proč </a:t>
-            </a:r>
-            <a:r>
-              <a:rPr lang="cs-CZ" sz="1800" dirty="0" err="1"/>
-              <a:t>MojeID</a:t>
-            </a:r>
-            <a:r>
-              <a:rPr lang="cs-CZ" sz="1800" dirty="0"/>
-              <a:t> [online]. [cit. 2023-01-15]. Dostupné z: </a:t>
-            </a:r>
-            <a:r>
-              <a:rPr lang="cs-CZ" sz="1800" dirty="0">
-                <a:hlinkClick r:id="rId7"/>
-              </a:rPr>
-              <a:t>https://www.mojeid.cz/cs/proc-mojeid/</a:t>
-            </a:r>
-            <a:endParaRPr lang="cs-CZ" sz="1800" dirty="0"/>
-          </a:p>
-          <a:p>
-            <a:r>
-              <a:rPr lang="cs-CZ" sz="1800" dirty="0">
-                <a:effectLst/>
-                <a:latin typeface="Open Sans" panose="020B0606030504020204" pitchFamily="34" charset="0"/>
-              </a:rPr>
-              <a:t>Bankovní identita je dobrý sluha. Existují ale i důvody, proč ji nechtít [online]. [cit. 2023-01-16]. Dostupné z: </a:t>
-            </a:r>
-            <a:r>
-              <a:rPr lang="cs-CZ" sz="1800" dirty="0">
-                <a:solidFill>
-                  <a:schemeClr val="accent1">
-                    <a:lumMod val="75000"/>
-                  </a:schemeClr>
-                </a:solidFill>
-                <a:effectLst/>
-                <a:latin typeface="Open Sans" panose="020B0606030504020204" pitchFamily="34" charset="0"/>
-                <a:hlinkClick r:id="rId8"/>
-              </a:rPr>
-              <a:t>https://www.lupa.cz/clanky/bankovni-identita-je-dobry-sluha-existuji-ale-i-duvody-proc-ji-nechtit/#h24</a:t>
-            </a:r>
-            <a:endParaRPr lang="cs-CZ" sz="1800" dirty="0">
-              <a:solidFill>
-                <a:schemeClr val="accent1">
-                  <a:lumMod val="75000"/>
-                </a:schemeClr>
-              </a:solidFill>
-              <a:effectLst/>
-              <a:latin typeface="Open Sans" panose="020B0606030504020204" pitchFamily="34" charset="0"/>
-            </a:endParaRPr>
-          </a:p>
-          <a:p>
-            <a:endParaRPr lang="pl-PL" sz="1800" dirty="0">
-              <a:solidFill>
-                <a:schemeClr val="accent1">
-                  <a:lumMod val="75000"/>
-                </a:schemeClr>
-              </a:solidFill>
-            </a:endParaRPr>
-          </a:p>
-          <a:p>
-            <a:endParaRPr lang="cs-CZ" dirty="0"/>
-          </a:p>
-          <a:p>
-            <a:endParaRPr lang="pl-PL" i="1" dirty="0"/>
-          </a:p>
-          <a:p>
-            <a:endParaRPr lang="pl-PL" i="1" dirty="0"/>
-          </a:p>
-          <a:p>
-            <a:endParaRPr lang="pl-PL" sz="1800" i="1" dirty="0"/>
-          </a:p>
-          <a:p>
-            <a:endParaRPr lang="pl-PL" sz="1800" dirty="0"/>
-          </a:p>
-          <a:p>
-            <a:endParaRPr lang="pl-PL" dirty="0"/>
-          </a:p>
-          <a:p>
-            <a:endParaRPr lang="cs-CZ" dirty="0"/>
-          </a:p>
-        </p:txBody>
-      </p:sp>
+        </p:nvPicPr>
+        <p:blipFill>
+          <a:blip r:embed="rId4">
+            <a:extLst>
+              <a:ext uri="{28A0092B-C50C-407E-A947-70E740481C1C}">
+                <a14:useLocalDpi xmlns:a14="http://schemas.microsoft.com/office/drawing/2010/main" val="0"/>
+              </a:ext>
+            </a:extLst>
+          </a:blip>
+          <a:stretch>
+            <a:fillRect/>
+          </a:stretch>
+        </p:blipFill>
+        <p:spPr>
+          <a:xfrm>
+            <a:off x="273504" y="2333016"/>
+            <a:ext cx="11324644" cy="4094417"/>
+          </a:xfrm>
+        </p:spPr>
+      </p:pic>
     </p:spTree>
     <p:extLst>
       <p:ext uri="{BB962C8B-B14F-4D97-AF65-F5344CB8AC3E}">
-        <p14:creationId xmlns:p14="http://schemas.microsoft.com/office/powerpoint/2010/main" val="3510580717"/>
+        <p14:creationId xmlns:p14="http://schemas.microsoft.com/office/powerpoint/2010/main" val="2102620045"/>
       </p:ext>
     </p:extLst>
   </p:cSld>
@@ -8149,6 +8819,14 @@
 <file path=ppt/slides/slide9.xml><?xml version="1.0" encoding="utf-8"?>
 <p:sld xmlns:a="http://schemas.openxmlformats.org/drawingml/2006/main" xmlns:r="http://schemas.openxmlformats.org/officeDocument/2006/relationships" xmlns:p="http://schemas.openxmlformats.org/presentationml/2006/main">
   <p:cSld>
+    <p:bg>
+      <p:bgPr>
+        <a:solidFill>
+          <a:schemeClr val="bg1"/>
+        </a:solidFill>
+        <a:effectLst/>
+      </p:bgPr>
+    </p:bg>
     <p:spTree>
       <p:nvGrpSpPr>
         <p:cNvPr id="1" name=""/>
@@ -8165,10 +8843,104 @@
       </p:grpSpPr>
       <p:sp>
         <p:nvSpPr>
+          <p:cNvPr id="9" name="Rectangle 8">
+            <a:extLst>
+              <a:ext uri="{FF2B5EF4-FFF2-40B4-BE49-F238E27FC236}">
+                <a16:creationId xmlns:a16="http://schemas.microsoft.com/office/drawing/2014/main" id="{1EA5387D-64D8-4D6C-B109-FF4E81DF609A}"/>
+              </a:ext>
+              <a:ext uri="{C183D7F6-B498-43B3-948B-1728B52AA6E4}">
+                <adec:decorative xmlns:adec="http://schemas.microsoft.com/office/drawing/2017/decorative" val="1"/>
+              </a:ext>
+            </a:extLst>
+          </p:cNvPr>
+          <p:cNvSpPr>
+            <a:spLocks noGrp="1" noRot="1" noChangeAspect="1" noMove="1" noResize="1" noEditPoints="1" noAdjustHandles="1" noChangeArrowheads="1" noChangeShapeType="1" noTextEdit="1"/>
+          </p:cNvSpPr>
+          <p:nvPr>
+            <p:extLst>
+              <p:ext uri="{386F3935-93C4-4BCD-93E2-E3B085C9AB24}">
+                <p16:designElem xmlns:p16="http://schemas.microsoft.com/office/powerpoint/2015/main" val="1"/>
+              </p:ext>
+            </p:extLst>
+          </p:nvPr>
+        </p:nvSpPr>
+        <p:spPr>
+          <a:xfrm>
+            <a:off x="0" y="0"/>
+            <a:ext cx="12192000" cy="6858000"/>
+          </a:xfrm>
+          <a:prstGeom prst="rect">
+            <a:avLst/>
+          </a:prstGeom>
+          <a:solidFill>
+            <a:schemeClr val="bg1"/>
+          </a:solidFill>
+          <a:ln>
+            <a:noFill/>
+          </a:ln>
+        </p:spPr>
+        <p:style>
+          <a:lnRef idx="2">
+            <a:schemeClr val="accent1">
+              <a:shade val="50000"/>
+            </a:schemeClr>
+          </a:lnRef>
+          <a:fillRef idx="1">
+            <a:schemeClr val="accent1"/>
+          </a:fillRef>
+          <a:effectRef idx="0">
+            <a:schemeClr val="accent1"/>
+          </a:effectRef>
+          <a:fontRef idx="minor">
+            <a:schemeClr val="lt1"/>
+          </a:fontRef>
+        </p:style>
+        <p:txBody>
+          <a:bodyPr rtlCol="0" anchor="ctr"/>
+          <a:lstStyle/>
+          <a:p>
+            <a:pPr algn="ctr"/>
+            <a:endParaRPr lang="en-US"/>
+          </a:p>
+        </p:txBody>
+      </p:sp>
+      <p:pic>
+        <p:nvPicPr>
+          <p:cNvPr id="5" name="Picture 4" descr="Abstraktní pozadí s částicemi a grafem">
+            <a:extLst>
+              <a:ext uri="{FF2B5EF4-FFF2-40B4-BE49-F238E27FC236}">
+                <a16:creationId xmlns:a16="http://schemas.microsoft.com/office/drawing/2014/main" id="{A310D6CF-06F2-4C13-F388-476D3534B2B3}"/>
+              </a:ext>
+            </a:extLst>
+          </p:cNvPr>
+          <p:cNvPicPr>
+            <a:picLocks noChangeAspect="1"/>
+          </p:cNvPicPr>
+          <p:nvPr/>
+        </p:nvPicPr>
+        <p:blipFill rotWithShape="1">
+          <a:blip r:embed="rId3">
+            <a:alphaModFix amt="30000"/>
+          </a:blip>
+          <a:srcRect t="15730"/>
+          <a:stretch/>
+        </p:blipFill>
+        <p:spPr>
+          <a:xfrm>
+            <a:off x="0" y="10"/>
+            <a:ext cx="12191980" cy="6857990"/>
+          </a:xfrm>
+          <a:prstGeom prst="rect">
+            <a:avLst/>
+          </a:prstGeom>
+        </p:spPr>
+      </p:pic>
+      <p:sp>
+        <p:nvSpPr>
           <p:cNvPr id="2" name="Nadpis 1">
             <a:extLst>
               <a:ext uri="{FF2B5EF4-FFF2-40B4-BE49-F238E27FC236}">
-                <a16:creationId xmlns:a16="http://schemas.microsoft.com/office/drawing/2014/main" id="{76655732-9A86-4DC8-B4F8-981B45EE62F0}"/>
+                <a16:creationId xmlns:a16="http://schemas.microsoft.com/office/drawing/2014/main" id="{9AA02948-EAA1-2EE6-6FFE-2267E94B2FC2}"/>
               </a:ext>
             </a:extLst>
           </p:cNvPr>
@@ -8181,27 +8953,29 @@
         </p:nvSpPr>
         <p:spPr>
           <a:xfrm>
-            <a:off x="4101483" y="409266"/>
-            <a:ext cx="2104748" cy="1293028"/>
-          </a:xfrm>
-        </p:spPr>
-        <p:txBody>
-          <a:bodyPr/>
-          <a:lstStyle/>
-          <a:p>
-            <a:r>
-              <a:rPr lang="cs-CZ" dirty="0"/>
-              <a:t>Zdroje</a:t>
-            </a:r>
-          </a:p>
-        </p:txBody>
-      </p:sp>
-      <p:sp>
-        <p:nvSpPr>
-          <p:cNvPr id="3" name="Zástupný obsah 2">
+            <a:off x="-220823" y="639315"/>
+            <a:ext cx="8610600" cy="1293028"/>
+          </a:xfrm>
+        </p:spPr>
+        <p:txBody>
+          <a:bodyPr>
+            <a:normAutofit/>
+          </a:bodyPr>
+          <a:lstStyle/>
+          <a:p>
+            <a:r>
+              <a:rPr lang="cs-CZ" sz="6000" dirty="0"/>
+              <a:t>Čísla, statistiky</a:t>
+            </a:r>
+          </a:p>
+        </p:txBody>
+      </p:sp>
+      <p:sp>
+        <p:nvSpPr>
+          <p:cNvPr id="4" name="Zástupný obsah 3">
             <a:extLst>
               <a:ext uri="{FF2B5EF4-FFF2-40B4-BE49-F238E27FC236}">
-                <a16:creationId xmlns:a16="http://schemas.microsoft.com/office/drawing/2014/main" id="{1EC93D55-67BE-4D96-94E0-F34C4004F528}"/>
+                <a16:creationId xmlns:a16="http://schemas.microsoft.com/office/drawing/2014/main" id="{80B1F9C0-C107-611D-62D0-3FF5995709BA}"/>
               </a:ext>
             </a:extLst>
           </p:cNvPr>
@@ -8212,113 +8986,29 @@
             <p:ph idx="1"/>
           </p:nvPr>
         </p:nvSpPr>
-        <p:spPr>
-          <a:xfrm>
-            <a:off x="310718" y="1518082"/>
-            <a:ext cx="11745158" cy="5220069"/>
-          </a:xfrm>
-        </p:spPr>
+        <p:spPr/>
         <p:txBody>
           <a:bodyPr/>
           <a:lstStyle/>
           <a:p>
             <a:r>
-              <a:rPr lang="cs-CZ" sz="1800" dirty="0">
-                <a:hlinkClick r:id="rId2"/>
-              </a:rPr>
-              <a:t>https://blog.nic.cz/wp-content/uploads/2020/10/mojeID_logo_bez_gradientu_negativ_RGB.jpg</a:t>
-            </a:r>
-            <a:endParaRPr lang="cs-CZ" sz="1800" dirty="0"/>
-          </a:p>
-          <a:p>
-            <a:r>
-              <a:rPr lang="cs-CZ" sz="1800" dirty="0">
-                <a:hlinkClick r:id="rId3"/>
-              </a:rPr>
-              <a:t>https://cs.wikipedia.org/wiki/MojeID</a:t>
-            </a:r>
-            <a:endParaRPr lang="cs-CZ" sz="1800" dirty="0"/>
-          </a:p>
-          <a:p>
-            <a:r>
-              <a:rPr lang="cs-CZ" sz="1800" dirty="0">
-                <a:hlinkClick r:id="rId4"/>
-              </a:rPr>
-              <a:t>https://www.youtube.com/watch?v=8n-v2ifN-hc</a:t>
-            </a:r>
-            <a:endParaRPr lang="cs-CZ" sz="1800" dirty="0"/>
-          </a:p>
-          <a:p>
-            <a:r>
-              <a:rPr lang="cs-CZ" sz="1800" dirty="0">
-                <a:hlinkClick r:id="rId5"/>
-              </a:rPr>
-              <a:t>https://youtu.be/cq31QTrWcQ8</a:t>
-            </a:r>
-            <a:endParaRPr lang="cs-CZ" sz="1800" dirty="0"/>
-          </a:p>
-          <a:p>
-            <a:r>
-              <a:rPr lang="pl-PL" sz="1800" dirty="0">
-                <a:hlinkClick r:id="rId6"/>
-              </a:rPr>
-              <a:t>https://www.mojeid.cz/cs/jak-na-to/</a:t>
-            </a:r>
-            <a:endParaRPr lang="pl-PL" sz="1800" dirty="0"/>
-          </a:p>
-          <a:p>
-            <a:r>
-              <a:rPr lang="pl-PL" sz="1800" i="1" dirty="0">
-                <a:hlinkClick r:id="rId7"/>
-              </a:rPr>
-              <a:t>https://www.mojeid.cz/cs/kde-pouzit/</a:t>
-            </a:r>
-            <a:endParaRPr lang="pl-PL" sz="1800" i="1" dirty="0"/>
-          </a:p>
-          <a:p>
-            <a:r>
-              <a:rPr lang="pl-PL" sz="1800" i="1" dirty="0">
-                <a:hlinkClick r:id="rId8"/>
-              </a:rPr>
-              <a:t>https://www.mojeid.cz/cs/proc-mojeid/</a:t>
-            </a:r>
-            <a:endParaRPr lang="pl-PL" sz="1800" i="1" dirty="0"/>
-          </a:p>
-          <a:p>
-            <a:r>
-              <a:rPr lang="cs-CZ" sz="1800" b="0" i="0" dirty="0">
-                <a:solidFill>
-                  <a:schemeClr val="accent1">
-                    <a:lumMod val="75000"/>
-                  </a:schemeClr>
-                </a:solidFill>
-                <a:effectLst/>
-                <a:latin typeface="Open Sans" panose="020B0606030504020204" pitchFamily="34" charset="0"/>
-              </a:rPr>
-              <a:t>https://www.lupa.cz/clanky/bankovni-identita-je-dobry-sluha-existuji-ale-i-duvody-proc-ji-nechtit/#h24</a:t>
-            </a:r>
-            <a:endParaRPr lang="pl-PL" sz="1800" dirty="0">
-              <a:solidFill>
-                <a:schemeClr val="accent1">
-                  <a:lumMod val="75000"/>
-                </a:schemeClr>
-              </a:solidFill>
-            </a:endParaRPr>
-          </a:p>
-          <a:p>
-            <a:endParaRPr lang="pl-PL" sz="1800" i="1" dirty="0"/>
-          </a:p>
-          <a:p>
-            <a:endParaRPr lang="pl-PL" sz="1800" dirty="0"/>
-          </a:p>
-          <a:p>
-            <a:endParaRPr lang="cs-CZ" sz="1800" dirty="0"/>
-          </a:p>
-          <a:p>
-            <a:endParaRPr lang="cs-CZ" sz="1800" dirty="0"/>
-          </a:p>
-          <a:p>
-            <a:endParaRPr lang="cs-CZ" sz="2400" dirty="0"/>
+              <a:rPr lang="cs-CZ" sz="2800" dirty="0"/>
+              <a:t>Celkový počet </a:t>
+            </a:r>
+            <a:r>
+              <a:rPr lang="cs-CZ" sz="2800" dirty="0" err="1"/>
+              <a:t>příhlášených</a:t>
+            </a:r>
+            <a:r>
+              <a:rPr lang="cs-CZ" sz="2800" dirty="0"/>
+              <a:t>- 936 796</a:t>
+            </a:r>
+          </a:p>
+          <a:p>
+            <a:endParaRPr lang="cs-CZ" sz="2800" dirty="0"/>
+          </a:p>
+          <a:p>
+            <a:endParaRPr lang="cs-CZ" sz="2800" dirty="0"/>
           </a:p>
           <a:p>
             <a:endParaRPr lang="cs-CZ" dirty="0"/>
@@ -8328,10 +9018,40 @@
           </a:p>
         </p:txBody>
       </p:sp>
+      <p:pic>
+        <p:nvPicPr>
+          <p:cNvPr id="8" name="Obrázek 7">
+            <a:extLst>
+              <a:ext uri="{FF2B5EF4-FFF2-40B4-BE49-F238E27FC236}">
+                <a16:creationId xmlns:a16="http://schemas.microsoft.com/office/drawing/2014/main" id="{B019B92F-0B59-A5D6-B9D8-106A3E475148}"/>
+              </a:ext>
+            </a:extLst>
+          </p:cNvPr>
+          <p:cNvPicPr>
+            <a:picLocks noChangeAspect="1"/>
+          </p:cNvPicPr>
+          <p:nvPr/>
+        </p:nvPicPr>
+        <p:blipFill>
+          <a:blip r:embed="rId4"/>
+          <a:stretch>
+            <a:fillRect/>
+          </a:stretch>
+        </p:blipFill>
+        <p:spPr>
+          <a:xfrm>
+            <a:off x="6220873" y="3346740"/>
+            <a:ext cx="4601217" cy="3134162"/>
+          </a:xfrm>
+          <a:prstGeom prst="rect">
+            <a:avLst/>
+          </a:prstGeom>
+        </p:spPr>
+      </p:pic>
     </p:spTree>
     <p:extLst>
       <p:ext uri="{BB962C8B-B14F-4D97-AF65-F5344CB8AC3E}">
-        <p14:creationId xmlns:p14="http://schemas.microsoft.com/office/powerpoint/2010/main" val="3789644830"/>
+        <p14:creationId xmlns:p14="http://schemas.microsoft.com/office/powerpoint/2010/main" val="228833952"/>
       </p:ext>
     </p:extLst>
   </p:cSld>

--- a/Roller.pptx
+++ b/Roller.pptx
@@ -5,21 +5,24 @@
     <p:sldMasterId id="2147483690" r:id="rId1"/>
   </p:sldMasterIdLst>
   <p:notesMasterIdLst>
-    <p:notesMasterId r:id="rId14"/>
+    <p:notesMasterId r:id="rId17"/>
   </p:notesMasterIdLst>
   <p:sldIdLst>
     <p:sldId id="256" r:id="rId2"/>
     <p:sldId id="259" r:id="rId3"/>
     <p:sldId id="263" r:id="rId4"/>
-    <p:sldId id="265" r:id="rId5"/>
+    <p:sldId id="269" r:id="rId5"/>
     <p:sldId id="260" r:id="rId6"/>
     <p:sldId id="261" r:id="rId7"/>
     <p:sldId id="262" r:id="rId8"/>
-    <p:sldId id="266" r:id="rId9"/>
-    <p:sldId id="267" r:id="rId10"/>
-    <p:sldId id="257" r:id="rId11"/>
-    <p:sldId id="258" r:id="rId12"/>
-    <p:sldId id="264" r:id="rId13"/>
+    <p:sldId id="272" r:id="rId9"/>
+    <p:sldId id="270" r:id="rId10"/>
+    <p:sldId id="266" r:id="rId11"/>
+    <p:sldId id="267" r:id="rId12"/>
+    <p:sldId id="268" r:id="rId13"/>
+    <p:sldId id="258" r:id="rId14"/>
+    <p:sldId id="257" r:id="rId15"/>
+    <p:sldId id="264" r:id="rId16"/>
   </p:sldIdLst>
   <p:sldSz cx="12192000" cy="6858000"/>
   <p:notesSz cx="6858000" cy="9144000"/>
@@ -126,14 +129,17 @@
             <p14:sldId id="256"/>
             <p14:sldId id="259"/>
             <p14:sldId id="263"/>
-            <p14:sldId id="265"/>
+            <p14:sldId id="269"/>
             <p14:sldId id="260"/>
             <p14:sldId id="261"/>
             <p14:sldId id="262"/>
+            <p14:sldId id="272"/>
+            <p14:sldId id="270"/>
             <p14:sldId id="266"/>
             <p14:sldId id="267"/>
+            <p14:sldId id="268"/>
+            <p14:sldId id="258"/>
             <p14:sldId id="257"/>
-            <p14:sldId id="258"/>
             <p14:sldId id="264"/>
           </p14:sldIdLst>
         </p14:section>
@@ -228,7 +234,7 @@
           <a:p>
             <a:fld id="{C369C84C-9D25-4BE6-9F6A-1DB1EEA73549}" type="datetimeFigureOut">
               <a:rPr lang="cs-CZ" smtClean="0"/>
-              <a:t>18.01.2023</a:t>
+              <a:t>19.01.2023</a:t>
             </a:fld>
             <a:endParaRPr lang="cs-CZ"/>
           </a:p>
@@ -579,6 +585,93 @@
 </p:notes>
 </file>
 
+<file path=ppt/notesSlides/notesSlide10.xml><?xml version="1.0" encoding="utf-8"?>
+<p:notes xmlns:a="http://schemas.openxmlformats.org/drawingml/2006/main" xmlns:r="http://schemas.openxmlformats.org/officeDocument/2006/relationships" xmlns:p="http://schemas.openxmlformats.org/presentationml/2006/main">
+  <p:cSld>
+    <p:spTree>
+      <p:nvGrpSpPr>
+        <p:cNvPr id="1" name=""/>
+        <p:cNvGrpSpPr/>
+        <p:nvPr/>
+      </p:nvGrpSpPr>
+      <p:grpSpPr>
+        <a:xfrm>
+          <a:off x="0" y="0"/>
+          <a:ext cx="0" cy="0"/>
+          <a:chOff x="0" y="0"/>
+          <a:chExt cx="0" cy="0"/>
+        </a:xfrm>
+      </p:grpSpPr>
+      <p:sp>
+        <p:nvSpPr>
+          <p:cNvPr id="2" name="Zástupný symbol pro obrázek snímku 1"/>
+          <p:cNvSpPr>
+            <a:spLocks noGrp="1" noRot="1" noChangeAspect="1"/>
+          </p:cNvSpPr>
+          <p:nvPr>
+            <p:ph type="sldImg"/>
+          </p:nvPr>
+        </p:nvSpPr>
+        <p:spPr/>
+      </p:sp>
+      <p:sp>
+        <p:nvSpPr>
+          <p:cNvPr id="3" name="Zástupný symbol pro poznámky 2"/>
+          <p:cNvSpPr>
+            <a:spLocks noGrp="1"/>
+          </p:cNvSpPr>
+          <p:nvPr>
+            <p:ph type="body" idx="1"/>
+          </p:nvPr>
+        </p:nvSpPr>
+        <p:spPr/>
+        <p:txBody>
+          <a:bodyPr/>
+          <a:lstStyle/>
+          <a:p>
+            <a:r>
+              <a:rPr lang="cs-CZ" dirty="0"/>
+              <a:t>údaj v procentech, 2016 údaj</a:t>
+            </a:r>
+          </a:p>
+        </p:txBody>
+      </p:sp>
+      <p:sp>
+        <p:nvSpPr>
+          <p:cNvPr id="4" name="Zástupný symbol pro číslo snímku 3"/>
+          <p:cNvSpPr>
+            <a:spLocks noGrp="1"/>
+          </p:cNvSpPr>
+          <p:nvPr>
+            <p:ph type="sldNum" sz="quarter" idx="5"/>
+          </p:nvPr>
+        </p:nvSpPr>
+        <p:spPr/>
+        <p:txBody>
+          <a:bodyPr/>
+          <a:lstStyle/>
+          <a:p>
+            <a:fld id="{8E1DD330-61D5-4766-9A5B-BE5603AD3650}" type="slidenum">
+              <a:rPr lang="cs-CZ" smtClean="0"/>
+              <a:t>11</a:t>
+            </a:fld>
+            <a:endParaRPr lang="cs-CZ"/>
+          </a:p>
+        </p:txBody>
+      </p:sp>
+    </p:spTree>
+    <p:extLst>
+      <p:ext uri="{BB962C8B-B14F-4D97-AF65-F5344CB8AC3E}">
+        <p14:creationId xmlns:p14="http://schemas.microsoft.com/office/powerpoint/2010/main" val="702540325"/>
+      </p:ext>
+    </p:extLst>
+  </p:cSld>
+  <p:clrMapOvr>
+    <a:masterClrMapping/>
+  </p:clrMapOvr>
+</p:notes>
+</file>
+
 <file path=ppt/notesSlides/notesSlide2.xml><?xml version="1.0" encoding="utf-8"?>
 <p:notes xmlns:a="http://schemas.openxmlformats.org/drawingml/2006/main" xmlns:r="http://schemas.openxmlformats.org/officeDocument/2006/relationships" xmlns:p="http://schemas.openxmlformats.org/presentationml/2006/main">
   <p:cSld>
@@ -1263,49 +1356,97 @@
           <a:p>
             <a:r>
               <a:rPr lang="cs-CZ" dirty="0"/>
-              <a:t>NIA- </a:t>
-            </a:r>
-            <a:r>
-              <a:rPr lang="cs-CZ" b="1" i="0" dirty="0">
+              <a:t>-ty úrovně udávají jak moc může poskytovatel služby důvěřovat způsobu prokázání totožnosti</a:t>
+            </a:r>
+          </a:p>
+          <a:p>
+            <a:r>
+              <a:rPr lang="cs-CZ" dirty="0"/>
+              <a:t>Nízká- </a:t>
+            </a:r>
+            <a:r>
+              <a:rPr lang="cs-CZ" b="0" i="0" dirty="0">
                 <a:solidFill>
-                  <a:srgbClr val="BDC1C6"/>
+                  <a:srgbClr val="707070"/>
                 </a:solidFill>
                 <a:effectLst/>
-                <a:latin typeface="arial" panose="020B0604020202020204" pitchFamily="34" charset="0"/>
+                <a:latin typeface="Roboto" panose="02000000000000000000" pitchFamily="2" charset="0"/>
               </a:rPr>
-              <a:t>Národní </a:t>
-            </a:r>
-            <a:r>
-              <a:rPr lang="cs-CZ" b="1" i="0" dirty="0" err="1">
+              <a:t>nedošlo k zaručenému ověření totožnosti – zvolím si uživatelské jméno a heslo a svoji identitu pouze deklaruji.</a:t>
+            </a:r>
+          </a:p>
+          <a:p>
+            <a:r>
+              <a:rPr lang="cs-CZ" b="0" i="0" dirty="0">
                 <a:solidFill>
-                  <a:srgbClr val="BDC1C6"/>
+                  <a:srgbClr val="707070"/>
                 </a:solidFill>
                 <a:effectLst/>
-                <a:latin typeface="arial" panose="020B0604020202020204" pitchFamily="34" charset="0"/>
+                <a:latin typeface="Roboto" panose="02000000000000000000" pitchFamily="2" charset="0"/>
               </a:rPr>
-              <a:t>Identitní</a:t>
-            </a:r>
-            <a:r>
-              <a:rPr lang="cs-CZ" b="1" i="0" dirty="0">
+              <a:t>Značná- </a:t>
+            </a:r>
+            <a:r>
+              <a:rPr lang="cs-CZ" b="0" i="0" dirty="0">
                 <a:solidFill>
-                  <a:srgbClr val="BDC1C6"/>
+                  <a:srgbClr val="000000"/>
                 </a:solidFill>
                 <a:effectLst/>
-                <a:latin typeface="arial" panose="020B0604020202020204" pitchFamily="34" charset="0"/>
+                <a:latin typeface="PublicSans-Regular"/>
               </a:rPr>
-              <a:t> Autorita</a:t>
-            </a:r>
-          </a:p>
-          <a:p>
-            <a:r>
-              <a:rPr lang="cs-CZ" b="1" i="0" dirty="0">
+              <a:t>Umožňuje přístup k- </a:t>
+            </a:r>
+            <a:r>
+              <a:rPr lang="cs-CZ" b="0" i="0" dirty="0" err="1">
                 <a:solidFill>
-                  <a:srgbClr val="BDC1C6"/>
+                  <a:srgbClr val="000000"/>
                 </a:solidFill>
                 <a:effectLst/>
-                <a:latin typeface="arial" panose="020B0604020202020204" pitchFamily="34" charset="0"/>
+                <a:latin typeface="PublicSans-Regular"/>
               </a:rPr>
-              <a:t>Roční přihlášení </a:t>
+              <a:t>lektronických</a:t>
+            </a:r>
+            <a:r>
+              <a:rPr lang="cs-CZ" b="0" i="0" dirty="0">
+                <a:solidFill>
+                  <a:srgbClr val="000000"/>
+                </a:solidFill>
+                <a:effectLst/>
+                <a:latin typeface="PublicSans-Regular"/>
+              </a:rPr>
+              <a:t> služeb veřejné správy včetně Portálu občana, portálů zdravotních pojišťoven, datových schránek, katastru nemovitostí, </a:t>
+            </a:r>
+            <a:r>
+              <a:rPr lang="cs-CZ" b="0" i="0" dirty="0" err="1">
+                <a:solidFill>
+                  <a:srgbClr val="000000"/>
+                </a:solidFill>
+                <a:effectLst/>
+                <a:latin typeface="PublicSans-Regular"/>
+              </a:rPr>
+              <a:t>ePortálu</a:t>
+            </a:r>
+            <a:r>
+              <a:rPr lang="cs-CZ" b="0" i="0" dirty="0">
+                <a:solidFill>
+                  <a:srgbClr val="000000"/>
+                </a:solidFill>
+                <a:effectLst/>
+                <a:latin typeface="PublicSans-Regular"/>
+              </a:rPr>
+              <a:t> ČSSZ a dalších.</a:t>
+            </a:r>
+          </a:p>
+          <a:p>
+            <a:r>
+              <a:rPr lang="cs-CZ" b="0" i="0" dirty="0">
+                <a:solidFill>
+                  <a:srgbClr val="000000"/>
+                </a:solidFill>
+                <a:effectLst/>
+                <a:latin typeface="PublicSans-Regular"/>
+              </a:rPr>
+              <a:t>Vysoká-Stejné služby jako ,,značná,, + lže použít pro první online nákup státních dluhopisů</a:t>
             </a:r>
             <a:endParaRPr lang="cs-CZ" dirty="0"/>
           </a:p>
@@ -1337,7 +1478,7 @@
     </p:spTree>
     <p:extLst>
       <p:ext uri="{BB962C8B-B14F-4D97-AF65-F5344CB8AC3E}">
-        <p14:creationId xmlns:p14="http://schemas.microsoft.com/office/powerpoint/2010/main" val="249615526"/>
+        <p14:creationId xmlns:p14="http://schemas.microsoft.com/office/powerpoint/2010/main" val="2814705463"/>
       </p:ext>
     </p:extLst>
   </p:cSld>
@@ -1393,7 +1534,18 @@
           <a:p>
             <a:r>
               <a:rPr lang="cs-CZ" dirty="0"/>
-              <a:t>údaj v procentech, 2016 údaj</a:t>
+              <a:t>Úroveň vysoká by se měla vyrovnat i </a:t>
+            </a:r>
+            <a:r>
+              <a:rPr lang="cs-CZ" dirty="0" err="1"/>
+              <a:t>eObčance</a:t>
+            </a:r>
+            <a:endParaRPr lang="cs-CZ" dirty="0"/>
+          </a:p>
+          <a:p>
+            <a:r>
+              <a:rPr lang="cs-CZ" dirty="0"/>
+              <a:t>Klíč go trust idem za přibližně 60kč</a:t>
             </a:r>
           </a:p>
         </p:txBody>
@@ -1424,7 +1576,137 @@
     </p:spTree>
     <p:extLst>
       <p:ext uri="{BB962C8B-B14F-4D97-AF65-F5344CB8AC3E}">
-        <p14:creationId xmlns:p14="http://schemas.microsoft.com/office/powerpoint/2010/main" val="702540325"/>
+        <p14:creationId xmlns:p14="http://schemas.microsoft.com/office/powerpoint/2010/main" val="2143545168"/>
+      </p:ext>
+    </p:extLst>
+  </p:cSld>
+  <p:clrMapOvr>
+    <a:masterClrMapping/>
+  </p:clrMapOvr>
+</p:notes>
+</file>
+
+<file path=ppt/notesSlides/notesSlide9.xml><?xml version="1.0" encoding="utf-8"?>
+<p:notes xmlns:a="http://schemas.openxmlformats.org/drawingml/2006/main" xmlns:r="http://schemas.openxmlformats.org/officeDocument/2006/relationships" xmlns:p="http://schemas.openxmlformats.org/presentationml/2006/main">
+  <p:cSld>
+    <p:spTree>
+      <p:nvGrpSpPr>
+        <p:cNvPr id="1" name=""/>
+        <p:cNvGrpSpPr/>
+        <p:nvPr/>
+      </p:nvGrpSpPr>
+      <p:grpSpPr>
+        <a:xfrm>
+          <a:off x="0" y="0"/>
+          <a:ext cx="0" cy="0"/>
+          <a:chOff x="0" y="0"/>
+          <a:chExt cx="0" cy="0"/>
+        </a:xfrm>
+      </p:grpSpPr>
+      <p:sp>
+        <p:nvSpPr>
+          <p:cNvPr id="2" name="Zástupný symbol pro obrázek snímku 1"/>
+          <p:cNvSpPr>
+            <a:spLocks noGrp="1" noRot="1" noChangeAspect="1"/>
+          </p:cNvSpPr>
+          <p:nvPr>
+            <p:ph type="sldImg"/>
+          </p:nvPr>
+        </p:nvSpPr>
+        <p:spPr/>
+      </p:sp>
+      <p:sp>
+        <p:nvSpPr>
+          <p:cNvPr id="3" name="Zástupný symbol pro poznámky 2"/>
+          <p:cNvSpPr>
+            <a:spLocks noGrp="1"/>
+          </p:cNvSpPr>
+          <p:nvPr>
+            <p:ph type="body" idx="1"/>
+          </p:nvPr>
+        </p:nvSpPr>
+        <p:spPr/>
+        <p:txBody>
+          <a:bodyPr/>
+          <a:lstStyle/>
+          <a:p>
+            <a:r>
+              <a:rPr lang="cs-CZ" dirty="0"/>
+              <a:t>NIA- </a:t>
+            </a:r>
+            <a:r>
+              <a:rPr lang="cs-CZ" b="1" i="0" dirty="0">
+                <a:solidFill>
+                  <a:srgbClr val="BDC1C6"/>
+                </a:solidFill>
+                <a:effectLst/>
+                <a:latin typeface="arial" panose="020B0604020202020204" pitchFamily="34" charset="0"/>
+              </a:rPr>
+              <a:t>Národní </a:t>
+            </a:r>
+            <a:r>
+              <a:rPr lang="cs-CZ" b="1" i="0" dirty="0" err="1">
+                <a:solidFill>
+                  <a:srgbClr val="BDC1C6"/>
+                </a:solidFill>
+                <a:effectLst/>
+                <a:latin typeface="arial" panose="020B0604020202020204" pitchFamily="34" charset="0"/>
+              </a:rPr>
+              <a:t>Identitní</a:t>
+            </a:r>
+            <a:r>
+              <a:rPr lang="cs-CZ" b="1" i="0" dirty="0">
+                <a:solidFill>
+                  <a:srgbClr val="BDC1C6"/>
+                </a:solidFill>
+                <a:effectLst/>
+                <a:latin typeface="arial" panose="020B0604020202020204" pitchFamily="34" charset="0"/>
+              </a:rPr>
+              <a:t> Autorita</a:t>
+            </a:r>
+          </a:p>
+          <a:p>
+            <a:r>
+              <a:rPr lang="cs-CZ" b="1" i="0" dirty="0">
+                <a:solidFill>
+                  <a:srgbClr val="BDC1C6"/>
+                </a:solidFill>
+                <a:effectLst/>
+                <a:latin typeface="arial" panose="020B0604020202020204" pitchFamily="34" charset="0"/>
+              </a:rPr>
+              <a:t>Roční přihlášení </a:t>
+            </a:r>
+            <a:endParaRPr lang="cs-CZ" dirty="0"/>
+          </a:p>
+        </p:txBody>
+      </p:sp>
+      <p:sp>
+        <p:nvSpPr>
+          <p:cNvPr id="4" name="Zástupný symbol pro číslo snímku 3"/>
+          <p:cNvSpPr>
+            <a:spLocks noGrp="1"/>
+          </p:cNvSpPr>
+          <p:nvPr>
+            <p:ph type="sldNum" sz="quarter" idx="5"/>
+          </p:nvPr>
+        </p:nvSpPr>
+        <p:spPr/>
+        <p:txBody>
+          <a:bodyPr/>
+          <a:lstStyle/>
+          <a:p>
+            <a:fld id="{8E1DD330-61D5-4766-9A5B-BE5603AD3650}" type="slidenum">
+              <a:rPr lang="cs-CZ" smtClean="0"/>
+              <a:t>10</a:t>
+            </a:fld>
+            <a:endParaRPr lang="cs-CZ"/>
+          </a:p>
+        </p:txBody>
+      </p:sp>
+    </p:spTree>
+    <p:extLst>
+      <p:ext uri="{BB962C8B-B14F-4D97-AF65-F5344CB8AC3E}">
+        <p14:creationId xmlns:p14="http://schemas.microsoft.com/office/powerpoint/2010/main" val="249615526"/>
       </p:ext>
     </p:extLst>
   </p:cSld>
@@ -1605,7 +1887,7 @@
             <a:fld id="{8F72BA41-EC5B-4197-BCC8-0FD2E523CD7A}" type="datetimeFigureOut">
               <a:rPr lang="en-US" smtClean="0"/>
               <a:pPr/>
-              <a:t>1/18/2023</a:t>
+              <a:t>1/19/2023</a:t>
             </a:fld>
             <a:endParaRPr lang="en-US" dirty="0"/>
           </a:p>
@@ -1874,7 +2156,7 @@
             <a:fld id="{8F72BA41-EC5B-4197-BCC8-0FD2E523CD7A}" type="datetimeFigureOut">
               <a:rPr lang="en-US" smtClean="0"/>
               <a:pPr/>
-              <a:t>1/18/2023</a:t>
+              <a:t>1/19/2023</a:t>
             </a:fld>
             <a:endParaRPr lang="en-US" dirty="0"/>
           </a:p>
@@ -2107,7 +2389,7 @@
             <a:fld id="{8F72BA41-EC5B-4197-BCC8-0FD2E523CD7A}" type="datetimeFigureOut">
               <a:rPr lang="en-US" smtClean="0"/>
               <a:pPr/>
-              <a:t>1/18/2023</a:t>
+              <a:t>1/19/2023</a:t>
             </a:fld>
             <a:endParaRPr lang="en-US" dirty="0"/>
           </a:p>
@@ -2419,7 +2701,7 @@
             <a:fld id="{8F72BA41-EC5B-4197-BCC8-0FD2E523CD7A}" type="datetimeFigureOut">
               <a:rPr lang="en-US" smtClean="0"/>
               <a:pPr/>
-              <a:t>1/18/2023</a:t>
+              <a:t>1/19/2023</a:t>
             </a:fld>
             <a:endParaRPr lang="en-US" dirty="0"/>
           </a:p>
@@ -2894,7 +3176,7 @@
             <a:fld id="{8F72BA41-EC5B-4197-BCC8-0FD2E523CD7A}" type="datetimeFigureOut">
               <a:rPr lang="en-US" smtClean="0"/>
               <a:pPr/>
-              <a:t>1/18/2023</a:t>
+              <a:t>1/19/2023</a:t>
             </a:fld>
             <a:endParaRPr lang="en-US" dirty="0"/>
           </a:p>
@@ -3443,7 +3725,7 @@
             <a:fld id="{8F72BA41-EC5B-4197-BCC8-0FD2E523CD7A}" type="datetimeFigureOut">
               <a:rPr lang="en-US" smtClean="0"/>
               <a:pPr/>
-              <a:t>1/18/2023</a:t>
+              <a:t>1/19/2023</a:t>
             </a:fld>
             <a:endParaRPr lang="en-US" dirty="0"/>
           </a:p>
@@ -4219,7 +4501,7 @@
             <a:fld id="{8F72BA41-EC5B-4197-BCC8-0FD2E523CD7A}" type="datetimeFigureOut">
               <a:rPr lang="en-US" smtClean="0"/>
               <a:pPr/>
-              <a:t>1/18/2023</a:t>
+              <a:t>1/19/2023</a:t>
             </a:fld>
             <a:endParaRPr lang="en-US" dirty="0"/>
           </a:p>
@@ -4396,7 +4678,7 @@
             <a:fld id="{8F72BA41-EC5B-4197-BCC8-0FD2E523CD7A}" type="datetimeFigureOut">
               <a:rPr lang="en-US" smtClean="0"/>
               <a:pPr/>
-              <a:t>1/18/2023</a:t>
+              <a:t>1/19/2023</a:t>
             </a:fld>
             <a:endParaRPr lang="en-US" dirty="0"/>
           </a:p>
@@ -4621,7 +4903,7 @@
             <a:fld id="{8F72BA41-EC5B-4197-BCC8-0FD2E523CD7A}" type="datetimeFigureOut">
               <a:rPr lang="en-US" smtClean="0"/>
               <a:pPr/>
-              <a:t>1/18/2023</a:t>
+              <a:t>1/19/2023</a:t>
             </a:fld>
             <a:endParaRPr lang="en-US" dirty="0"/>
           </a:p>
@@ -4802,7 +5084,7 @@
           <a:p>
             <a:fld id="{8F72BA41-EC5B-4197-BCC8-0FD2E523CD7A}" type="datetimeFigureOut">
               <a:rPr lang="en-US" smtClean="0"/>
-              <a:t>1/18/2023</a:t>
+              <a:t>1/19/2023</a:t>
             </a:fld>
             <a:endParaRPr lang="en-US"/>
           </a:p>
@@ -5092,7 +5374,7 @@
             <a:fld id="{8F72BA41-EC5B-4197-BCC8-0FD2E523CD7A}" type="datetimeFigureOut">
               <a:rPr lang="en-US" smtClean="0"/>
               <a:pPr/>
-              <a:t>1/18/2023</a:t>
+              <a:t>1/19/2023</a:t>
             </a:fld>
             <a:endParaRPr lang="en-US" dirty="0"/>
           </a:p>
@@ -5336,7 +5618,7 @@
             <a:fld id="{8F72BA41-EC5B-4197-BCC8-0FD2E523CD7A}" type="datetimeFigureOut">
               <a:rPr lang="en-US" smtClean="0"/>
               <a:pPr/>
-              <a:t>1/18/2023</a:t>
+              <a:t>1/19/2023</a:t>
             </a:fld>
             <a:endParaRPr lang="en-US" dirty="0"/>
           </a:p>
@@ -5717,7 +5999,7 @@
             <a:fld id="{8F72BA41-EC5B-4197-BCC8-0FD2E523CD7A}" type="datetimeFigureOut">
               <a:rPr lang="en-US" smtClean="0"/>
               <a:pPr/>
-              <a:t>1/18/2023</a:t>
+              <a:t>1/19/2023</a:t>
             </a:fld>
             <a:endParaRPr lang="en-US" dirty="0"/>
           </a:p>
@@ -5837,7 +6119,7 @@
             <a:fld id="{8F72BA41-EC5B-4197-BCC8-0FD2E523CD7A}" type="datetimeFigureOut">
               <a:rPr lang="en-US" smtClean="0"/>
               <a:pPr/>
-              <a:t>1/18/2023</a:t>
+              <a:t>1/19/2023</a:t>
             </a:fld>
             <a:endParaRPr lang="en-US" dirty="0"/>
           </a:p>
@@ -5934,7 +6216,7 @@
             <a:fld id="{8F72BA41-EC5B-4197-BCC8-0FD2E523CD7A}" type="datetimeFigureOut">
               <a:rPr lang="en-US" smtClean="0"/>
               <a:pPr/>
-              <a:t>1/18/2023</a:t>
+              <a:t>1/19/2023</a:t>
             </a:fld>
             <a:endParaRPr lang="en-US" dirty="0"/>
           </a:p>
@@ -6185,7 +6467,7 @@
             <a:fld id="{8F72BA41-EC5B-4197-BCC8-0FD2E523CD7A}" type="datetimeFigureOut">
               <a:rPr lang="en-US" smtClean="0"/>
               <a:pPr/>
-              <a:t>1/18/2023</a:t>
+              <a:t>1/19/2023</a:t>
             </a:fld>
             <a:endParaRPr lang="en-US" dirty="0"/>
           </a:p>
@@ -6444,7 +6726,7 @@
             <a:fld id="{8F72BA41-EC5B-4197-BCC8-0FD2E523CD7A}" type="datetimeFigureOut">
               <a:rPr lang="en-US" smtClean="0"/>
               <a:pPr/>
-              <a:t>1/18/2023</a:t>
+              <a:t>1/19/2023</a:t>
             </a:fld>
             <a:endParaRPr lang="en-US" dirty="0"/>
           </a:p>
@@ -6689,7 +6971,7 @@
             <a:fld id="{8F72BA41-EC5B-4197-BCC8-0FD2E523CD7A}" type="datetimeFigureOut">
               <a:rPr lang="en-US" smtClean="0"/>
               <a:pPr/>
-              <a:t>1/18/2023</a:t>
+              <a:t>1/19/2023</a:t>
             </a:fld>
             <a:endParaRPr lang="en-US" dirty="0"/>
           </a:p>
@@ -7195,12 +7477,32 @@
   <p:clrMapOvr>
     <a:masterClrMapping/>
   </p:clrMapOvr>
+  <mc:AlternateContent xmlns:mc="http://schemas.openxmlformats.org/markup-compatibility/2006">
+    <mc:Choice xmlns:p14="http://schemas.microsoft.com/office/powerpoint/2010/main" Requires="p14">
+      <p:transition spd="slow" p14:dur="2000">
+        <p:split orient="vert"/>
+      </p:transition>
+    </mc:Choice>
+    <mc:Fallback>
+      <p:transition spd="slow">
+        <p:split orient="vert"/>
+      </p:transition>
+    </mc:Fallback>
+  </mc:AlternateContent>
 </p:sld>
 </file>
 
 <file path=ppt/slides/slide10.xml><?xml version="1.0" encoding="utf-8"?>
 <p:sld xmlns:a="http://schemas.openxmlformats.org/drawingml/2006/main" xmlns:r="http://schemas.openxmlformats.org/officeDocument/2006/relationships" xmlns:p="http://schemas.openxmlformats.org/presentationml/2006/main">
   <p:cSld>
+    <p:bg>
+      <p:bgPr>
+        <a:solidFill>
+          <a:schemeClr val="bg1"/>
+        </a:solidFill>
+        <a:effectLst/>
+      </p:bgPr>
+    </p:bg>
     <p:spTree>
       <p:nvGrpSpPr>
         <p:cNvPr id="1" name=""/>
@@ -7217,10 +7519,104 @@
       </p:grpSpPr>
       <p:sp>
         <p:nvSpPr>
+          <p:cNvPr id="9" name="Rectangle 8">
+            <a:extLst>
+              <a:ext uri="{FF2B5EF4-FFF2-40B4-BE49-F238E27FC236}">
+                <a16:creationId xmlns:a16="http://schemas.microsoft.com/office/drawing/2014/main" id="{1EA5387D-64D8-4D6C-B109-FF4E81DF609A}"/>
+              </a:ext>
+              <a:ext uri="{C183D7F6-B498-43B3-948B-1728B52AA6E4}">
+                <adec:decorative xmlns:adec="http://schemas.microsoft.com/office/drawing/2017/decorative" val="1"/>
+              </a:ext>
+            </a:extLst>
+          </p:cNvPr>
+          <p:cNvSpPr>
+            <a:spLocks noGrp="1" noRot="1" noChangeAspect="1" noMove="1" noResize="1" noEditPoints="1" noAdjustHandles="1" noChangeArrowheads="1" noChangeShapeType="1" noTextEdit="1"/>
+          </p:cNvSpPr>
+          <p:nvPr>
+            <p:extLst>
+              <p:ext uri="{386F3935-93C4-4BCD-93E2-E3B085C9AB24}">
+                <p16:designElem xmlns:p16="http://schemas.microsoft.com/office/powerpoint/2015/main" val="1"/>
+              </p:ext>
+            </p:extLst>
+          </p:nvPr>
+        </p:nvSpPr>
+        <p:spPr>
+          <a:xfrm>
+            <a:off x="0" y="0"/>
+            <a:ext cx="12192000" cy="6858000"/>
+          </a:xfrm>
+          <a:prstGeom prst="rect">
+            <a:avLst/>
+          </a:prstGeom>
+          <a:solidFill>
+            <a:schemeClr val="bg1"/>
+          </a:solidFill>
+          <a:ln>
+            <a:noFill/>
+          </a:ln>
+        </p:spPr>
+        <p:style>
+          <a:lnRef idx="2">
+            <a:schemeClr val="accent1">
+              <a:shade val="50000"/>
+            </a:schemeClr>
+          </a:lnRef>
+          <a:fillRef idx="1">
+            <a:schemeClr val="accent1"/>
+          </a:fillRef>
+          <a:effectRef idx="0">
+            <a:schemeClr val="accent1"/>
+          </a:effectRef>
+          <a:fontRef idx="minor">
+            <a:schemeClr val="lt1"/>
+          </a:fontRef>
+        </p:style>
+        <p:txBody>
+          <a:bodyPr rtlCol="0" anchor="ctr"/>
+          <a:lstStyle/>
+          <a:p>
+            <a:pPr algn="ctr"/>
+            <a:endParaRPr lang="en-US"/>
+          </a:p>
+        </p:txBody>
+      </p:sp>
+      <p:pic>
+        <p:nvPicPr>
+          <p:cNvPr id="5" name="Picture 4" descr="Abstraktní pozadí s částicemi a grafem">
+            <a:extLst>
+              <a:ext uri="{FF2B5EF4-FFF2-40B4-BE49-F238E27FC236}">
+                <a16:creationId xmlns:a16="http://schemas.microsoft.com/office/drawing/2014/main" id="{A310D6CF-06F2-4C13-F388-476D3534B2B3}"/>
+              </a:ext>
+            </a:extLst>
+          </p:cNvPr>
+          <p:cNvPicPr>
+            <a:picLocks noChangeAspect="1"/>
+          </p:cNvPicPr>
+          <p:nvPr/>
+        </p:nvPicPr>
+        <p:blipFill rotWithShape="1">
+          <a:blip r:embed="rId3">
+            <a:alphaModFix amt="30000"/>
+          </a:blip>
+          <a:srcRect t="15730"/>
+          <a:stretch/>
+        </p:blipFill>
+        <p:spPr>
+          <a:xfrm>
+            <a:off x="20" y="10"/>
+            <a:ext cx="12191980" cy="6857990"/>
+          </a:xfrm>
+          <a:prstGeom prst="rect">
+            <a:avLst/>
+          </a:prstGeom>
+        </p:spPr>
+      </p:pic>
+      <p:sp>
+        <p:nvSpPr>
           <p:cNvPr id="2" name="Nadpis 1">
             <a:extLst>
               <a:ext uri="{FF2B5EF4-FFF2-40B4-BE49-F238E27FC236}">
-                <a16:creationId xmlns:a16="http://schemas.microsoft.com/office/drawing/2014/main" id="{F8D139CD-4C1A-4C94-B195-7B514ADC8502}"/>
+                <a16:creationId xmlns:a16="http://schemas.microsoft.com/office/drawing/2014/main" id="{9AA02948-EAA1-2EE6-6FFE-2267E94B2FC2}"/>
               </a:ext>
             </a:extLst>
           </p:cNvPr>
@@ -7233,254 +7629,62 @@
         </p:nvSpPr>
         <p:spPr>
           <a:xfrm>
-            <a:off x="2226644" y="186855"/>
-            <a:ext cx="3869356" cy="1293028"/>
-          </a:xfrm>
-        </p:spPr>
-        <p:txBody>
-          <a:bodyPr/>
-          <a:lstStyle/>
-          <a:p>
-            <a:r>
-              <a:rPr lang="cs-CZ" dirty="0"/>
-              <a:t>Citace</a:t>
-            </a:r>
-          </a:p>
-        </p:txBody>
-      </p:sp>
-      <p:sp>
-        <p:nvSpPr>
-          <p:cNvPr id="3" name="Zástupný obsah 2">
+            <a:off x="-220823" y="639315"/>
+            <a:ext cx="8610600" cy="1293028"/>
+          </a:xfrm>
+        </p:spPr>
+        <p:txBody>
+          <a:bodyPr>
+            <a:normAutofit/>
+          </a:bodyPr>
+          <a:lstStyle/>
+          <a:p>
+            <a:r>
+              <a:rPr lang="cs-CZ" sz="6000" dirty="0"/>
+              <a:t>Čísla, statistiky</a:t>
+            </a:r>
+          </a:p>
+        </p:txBody>
+      </p:sp>
+      <p:pic>
+        <p:nvPicPr>
+          <p:cNvPr id="6" name="Zástupný obsah 5">
             <a:extLst>
               <a:ext uri="{FF2B5EF4-FFF2-40B4-BE49-F238E27FC236}">
-                <a16:creationId xmlns:a16="http://schemas.microsoft.com/office/drawing/2014/main" id="{B41FCB52-485D-4C7B-9EEF-07A2B55DBD74}"/>
+                <a16:creationId xmlns:a16="http://schemas.microsoft.com/office/drawing/2014/main" id="{BCDAAE44-DE72-5520-AE2A-D93D116AAFD8}"/>
               </a:ext>
             </a:extLst>
           </p:cNvPr>
-          <p:cNvSpPr>
-            <a:spLocks noGrp="1"/>
-          </p:cNvSpPr>
+          <p:cNvPicPr>
+            <a:picLocks noGrp="1" noChangeAspect="1"/>
+          </p:cNvPicPr>
           <p:nvPr>
             <p:ph idx="1"/>
           </p:nvPr>
-        </p:nvSpPr>
+        </p:nvPicPr>
+        <p:blipFill>
+          <a:blip r:embed="rId4">
+            <a:extLst>
+              <a:ext uri="{28A0092B-C50C-407E-A947-70E740481C1C}">
+                <a14:useLocalDpi xmlns:a14="http://schemas.microsoft.com/office/drawing/2010/main" val="0"/>
+              </a:ext>
+            </a:extLst>
+          </a:blip>
+          <a:stretch>
+            <a:fillRect/>
+          </a:stretch>
+        </p:blipFill>
         <p:spPr>
           <a:xfrm>
-            <a:off x="250257" y="1479884"/>
-            <a:ext cx="11482939" cy="5103796"/>
-          </a:xfrm>
-        </p:spPr>
-        <p:txBody>
-          <a:bodyPr/>
-          <a:lstStyle/>
-          <a:p>
-            <a:r>
-              <a:rPr lang="pl-PL" sz="1800" dirty="0"/>
-              <a:t>MojeID [online]. [cit. 2023-01-15]. Dostupné z: </a:t>
-            </a:r>
-            <a:r>
-              <a:rPr lang="pl-PL" sz="1800" dirty="0">
-                <a:hlinkClick r:id="rId2"/>
-              </a:rPr>
-              <a:t>https://www.mojeid.cz/cs/kde-pouzit/</a:t>
-            </a:r>
-            <a:endParaRPr lang="pl-PL" sz="1800" dirty="0"/>
-          </a:p>
-          <a:p>
-            <a:r>
-              <a:rPr lang="pl-PL" sz="1800" dirty="0"/>
-              <a:t>MojeID wiki [online]. [cit. 2023-01-15]. Dostupné z: </a:t>
-            </a:r>
-            <a:r>
-              <a:rPr lang="pl-PL" sz="1800" dirty="0">
-                <a:hlinkClick r:id="rId3"/>
-              </a:rPr>
-              <a:t>https://cs.wikipedia.org/wiki/MojeID</a:t>
-            </a:r>
-            <a:endParaRPr lang="pl-PL" sz="1800" dirty="0"/>
-          </a:p>
-          <a:p>
-            <a:r>
-              <a:rPr lang="cs-CZ" sz="1800" dirty="0" err="1"/>
-              <a:t>MojeID</a:t>
-            </a:r>
-            <a:r>
-              <a:rPr lang="cs-CZ" sz="1800" dirty="0"/>
-              <a:t> (uživatel). </a:t>
-            </a:r>
-            <a:r>
-              <a:rPr lang="cs-CZ" sz="1800" dirty="0" err="1"/>
-              <a:t>Youtube</a:t>
-            </a:r>
-            <a:r>
-              <a:rPr lang="cs-CZ" sz="1800" dirty="0"/>
-              <a:t> [online]. 2017 [cit. 2023-01-15]. Dostupné z: </a:t>
-            </a:r>
-            <a:r>
-              <a:rPr lang="cs-CZ" sz="1800" dirty="0">
-                <a:hlinkClick r:id="rId4"/>
-              </a:rPr>
-              <a:t>https://www.youtube.com/watch?v=8n-v2ifN-hc</a:t>
-            </a:r>
-            <a:endParaRPr lang="cs-CZ" sz="1800" dirty="0"/>
-          </a:p>
-          <a:p>
-            <a:r>
-              <a:rPr lang="cs-CZ" sz="1800" dirty="0" err="1"/>
-              <a:t>MojeID</a:t>
-            </a:r>
-            <a:r>
-              <a:rPr lang="cs-CZ" sz="1800" dirty="0"/>
-              <a:t> (poskytovatel). </a:t>
-            </a:r>
-            <a:r>
-              <a:rPr lang="cs-CZ" sz="1800" dirty="0" err="1"/>
-              <a:t>Youtube</a:t>
-            </a:r>
-            <a:r>
-              <a:rPr lang="cs-CZ" sz="1800" dirty="0"/>
-              <a:t> [online]. 2017 [cit. 2023-01-15]. Dostupné z: </a:t>
-            </a:r>
-            <a:r>
-              <a:rPr lang="cs-CZ" sz="1800" dirty="0">
-                <a:hlinkClick r:id="rId5"/>
-              </a:rPr>
-              <a:t>https://youtu.be/cq31QTrWcQ8</a:t>
-            </a:r>
-            <a:endParaRPr lang="cs-CZ" sz="1800" dirty="0"/>
-          </a:p>
-          <a:p>
-            <a:r>
-              <a:rPr lang="pl-PL" sz="1800" dirty="0"/>
-              <a:t>MojeID Jak na to [online]. [cit. 2023-01-15]. Dostupné z: </a:t>
-            </a:r>
-            <a:r>
-              <a:rPr lang="pl-PL" sz="1800" dirty="0">
-                <a:hlinkClick r:id="rId6"/>
-              </a:rPr>
-              <a:t>https://www.mojeid.cz/cs/jak-na-to/</a:t>
-            </a:r>
-            <a:endParaRPr lang="pl-PL" sz="1800" dirty="0"/>
-          </a:p>
-          <a:p>
-            <a:r>
-              <a:rPr lang="cs-CZ" sz="1800" dirty="0"/>
-              <a:t>Proč </a:t>
-            </a:r>
-            <a:r>
-              <a:rPr lang="cs-CZ" sz="1800" dirty="0" err="1"/>
-              <a:t>MojeID</a:t>
-            </a:r>
-            <a:r>
-              <a:rPr lang="cs-CZ" sz="1800" dirty="0"/>
-              <a:t> [online]. [cit. 2023-01-15]. Dostupné z: </a:t>
-            </a:r>
-            <a:r>
-              <a:rPr lang="cs-CZ" sz="1800" dirty="0">
-                <a:hlinkClick r:id="rId7"/>
-              </a:rPr>
-              <a:t>https://www.mojeid.cz/cs/proc-mojeid/</a:t>
-            </a:r>
-            <a:endParaRPr lang="cs-CZ" sz="1800" dirty="0"/>
-          </a:p>
-          <a:p>
-            <a:r>
-              <a:rPr lang="cs-CZ" sz="1800" dirty="0">
-                <a:effectLst/>
-                <a:latin typeface="Open Sans" panose="020B0606030504020204" pitchFamily="34" charset="0"/>
-              </a:rPr>
-              <a:t>Bankovní identita je dobrý sluha. Existují ale i důvody, proč ji nechtít [online]. [cit. 2023-01-16]. Dostupné z: </a:t>
-            </a:r>
-            <a:r>
-              <a:rPr lang="cs-CZ" sz="1800" dirty="0">
-                <a:solidFill>
-                  <a:schemeClr val="accent1">
-                    <a:lumMod val="75000"/>
-                  </a:schemeClr>
-                </a:solidFill>
-                <a:effectLst/>
-                <a:latin typeface="Open Sans" panose="020B0606030504020204" pitchFamily="34" charset="0"/>
-                <a:hlinkClick r:id="rId8"/>
-              </a:rPr>
-              <a:t>https://www.lupa.cz/clanky/bankovni-identita-je-dobry-sluha-existuji-ale-i-duvody-proc-ji-nechtit/#h24</a:t>
-            </a:r>
-            <a:endParaRPr lang="cs-CZ" sz="1800" dirty="0">
-              <a:solidFill>
-                <a:schemeClr val="accent1">
-                  <a:lumMod val="75000"/>
-                </a:schemeClr>
-              </a:solidFill>
-              <a:effectLst/>
-              <a:latin typeface="Open Sans" panose="020B0606030504020204" pitchFamily="34" charset="0"/>
-            </a:endParaRPr>
-          </a:p>
-          <a:p>
-            <a:r>
-              <a:rPr lang="it-IT" sz="1400" b="0" i="1" dirty="0">
-                <a:solidFill>
-                  <a:srgbClr val="212529"/>
-                </a:solidFill>
-                <a:effectLst/>
-                <a:latin typeface="Open Sans" panose="020B0606030504020204" pitchFamily="34" charset="0"/>
-              </a:rPr>
-              <a:t>Statistiky</a:t>
-            </a:r>
-            <a:r>
-              <a:rPr lang="it-IT" sz="1400" b="0" i="0" dirty="0">
-                <a:solidFill>
-                  <a:srgbClr val="212529"/>
-                </a:solidFill>
-                <a:effectLst/>
-                <a:latin typeface="Open Sans" panose="020B0606030504020204" pitchFamily="34" charset="0"/>
-              </a:rPr>
-              <a:t> [online]. [cit. 2023-01-18]. Dostupné z: https://stats.nic.cz/dashboard/cs/MojeID_mkt.html</a:t>
-            </a:r>
-            <a:endParaRPr lang="cs-CZ" sz="1800" dirty="0">
-              <a:solidFill>
-                <a:schemeClr val="accent1">
-                  <a:lumMod val="75000"/>
-                </a:schemeClr>
-              </a:solidFill>
-              <a:effectLst/>
-              <a:latin typeface="Open Sans" panose="020B0606030504020204" pitchFamily="34" charset="0"/>
-            </a:endParaRPr>
-          </a:p>
-          <a:p>
-            <a:endParaRPr lang="pl-PL" sz="1800" dirty="0">
-              <a:solidFill>
-                <a:schemeClr val="accent1">
-                  <a:lumMod val="75000"/>
-                </a:schemeClr>
-              </a:solidFill>
-            </a:endParaRPr>
-          </a:p>
-          <a:p>
-            <a:endParaRPr lang="cs-CZ" dirty="0"/>
-          </a:p>
-          <a:p>
-            <a:endParaRPr lang="pl-PL" i="1" dirty="0"/>
-          </a:p>
-          <a:p>
-            <a:endParaRPr lang="pl-PL" i="1" dirty="0"/>
-          </a:p>
-          <a:p>
-            <a:endParaRPr lang="pl-PL" sz="1800" i="1" dirty="0"/>
-          </a:p>
-          <a:p>
-            <a:endParaRPr lang="pl-PL" sz="1800" dirty="0"/>
-          </a:p>
-          <a:p>
-            <a:endParaRPr lang="pl-PL" dirty="0"/>
-          </a:p>
-          <a:p>
-            <a:endParaRPr lang="cs-CZ" dirty="0"/>
-          </a:p>
-        </p:txBody>
-      </p:sp>
+            <a:off x="273504" y="2333016"/>
+            <a:ext cx="11324644" cy="4094417"/>
+          </a:xfrm>
+        </p:spPr>
+      </p:pic>
     </p:spTree>
     <p:extLst>
       <p:ext uri="{BB962C8B-B14F-4D97-AF65-F5344CB8AC3E}">
-        <p14:creationId xmlns:p14="http://schemas.microsoft.com/office/powerpoint/2010/main" val="3510580717"/>
+        <p14:creationId xmlns:p14="http://schemas.microsoft.com/office/powerpoint/2010/main" val="2102620045"/>
       </p:ext>
     </p:extLst>
   </p:cSld>
@@ -7493,6 +7697,14 @@
 <file path=ppt/slides/slide11.xml><?xml version="1.0" encoding="utf-8"?>
 <p:sld xmlns:a="http://schemas.openxmlformats.org/drawingml/2006/main" xmlns:r="http://schemas.openxmlformats.org/officeDocument/2006/relationships" xmlns:p="http://schemas.openxmlformats.org/presentationml/2006/main">
   <p:cSld>
+    <p:bg>
+      <p:bgPr>
+        <a:solidFill>
+          <a:schemeClr val="bg1"/>
+        </a:solidFill>
+        <a:effectLst/>
+      </p:bgPr>
+    </p:bg>
     <p:spTree>
       <p:nvGrpSpPr>
         <p:cNvPr id="1" name=""/>
@@ -7509,10 +7721,104 @@
       </p:grpSpPr>
       <p:sp>
         <p:nvSpPr>
+          <p:cNvPr id="9" name="Rectangle 8">
+            <a:extLst>
+              <a:ext uri="{FF2B5EF4-FFF2-40B4-BE49-F238E27FC236}">
+                <a16:creationId xmlns:a16="http://schemas.microsoft.com/office/drawing/2014/main" id="{1EA5387D-64D8-4D6C-B109-FF4E81DF609A}"/>
+              </a:ext>
+              <a:ext uri="{C183D7F6-B498-43B3-948B-1728B52AA6E4}">
+                <adec:decorative xmlns:adec="http://schemas.microsoft.com/office/drawing/2017/decorative" val="1"/>
+              </a:ext>
+            </a:extLst>
+          </p:cNvPr>
+          <p:cNvSpPr>
+            <a:spLocks noGrp="1" noRot="1" noChangeAspect="1" noMove="1" noResize="1" noEditPoints="1" noAdjustHandles="1" noChangeArrowheads="1" noChangeShapeType="1" noTextEdit="1"/>
+          </p:cNvSpPr>
+          <p:nvPr>
+            <p:extLst>
+              <p:ext uri="{386F3935-93C4-4BCD-93E2-E3B085C9AB24}">
+                <p16:designElem xmlns:p16="http://schemas.microsoft.com/office/powerpoint/2015/main" val="1"/>
+              </p:ext>
+            </p:extLst>
+          </p:nvPr>
+        </p:nvSpPr>
+        <p:spPr>
+          <a:xfrm>
+            <a:off x="0" y="0"/>
+            <a:ext cx="12192000" cy="6858000"/>
+          </a:xfrm>
+          <a:prstGeom prst="rect">
+            <a:avLst/>
+          </a:prstGeom>
+          <a:solidFill>
+            <a:schemeClr val="bg1"/>
+          </a:solidFill>
+          <a:ln>
+            <a:noFill/>
+          </a:ln>
+        </p:spPr>
+        <p:style>
+          <a:lnRef idx="2">
+            <a:schemeClr val="accent1">
+              <a:shade val="50000"/>
+            </a:schemeClr>
+          </a:lnRef>
+          <a:fillRef idx="1">
+            <a:schemeClr val="accent1"/>
+          </a:fillRef>
+          <a:effectRef idx="0">
+            <a:schemeClr val="accent1"/>
+          </a:effectRef>
+          <a:fontRef idx="minor">
+            <a:schemeClr val="lt1"/>
+          </a:fontRef>
+        </p:style>
+        <p:txBody>
+          <a:bodyPr rtlCol="0" anchor="ctr"/>
+          <a:lstStyle/>
+          <a:p>
+            <a:pPr algn="ctr"/>
+            <a:endParaRPr lang="en-US"/>
+          </a:p>
+        </p:txBody>
+      </p:sp>
+      <p:pic>
+        <p:nvPicPr>
+          <p:cNvPr id="5" name="Picture 4" descr="Abstraktní pozadí s částicemi a grafem">
+            <a:extLst>
+              <a:ext uri="{FF2B5EF4-FFF2-40B4-BE49-F238E27FC236}">
+                <a16:creationId xmlns:a16="http://schemas.microsoft.com/office/drawing/2014/main" id="{A310D6CF-06F2-4C13-F388-476D3534B2B3}"/>
+              </a:ext>
+            </a:extLst>
+          </p:cNvPr>
+          <p:cNvPicPr>
+            <a:picLocks noChangeAspect="1"/>
+          </p:cNvPicPr>
+          <p:nvPr/>
+        </p:nvPicPr>
+        <p:blipFill rotWithShape="1">
+          <a:blip r:embed="rId3">
+            <a:alphaModFix amt="30000"/>
+          </a:blip>
+          <a:srcRect t="15730"/>
+          <a:stretch/>
+        </p:blipFill>
+        <p:spPr>
+          <a:xfrm>
+            <a:off x="0" y="10"/>
+            <a:ext cx="12191980" cy="6857990"/>
+          </a:xfrm>
+          <a:prstGeom prst="rect">
+            <a:avLst/>
+          </a:prstGeom>
+        </p:spPr>
+      </p:pic>
+      <p:sp>
+        <p:nvSpPr>
           <p:cNvPr id="2" name="Nadpis 1">
             <a:extLst>
               <a:ext uri="{FF2B5EF4-FFF2-40B4-BE49-F238E27FC236}">
-                <a16:creationId xmlns:a16="http://schemas.microsoft.com/office/drawing/2014/main" id="{76655732-9A86-4DC8-B4F8-981B45EE62F0}"/>
+                <a16:creationId xmlns:a16="http://schemas.microsoft.com/office/drawing/2014/main" id="{9AA02948-EAA1-2EE6-6FFE-2267E94B2FC2}"/>
               </a:ext>
             </a:extLst>
           </p:cNvPr>
@@ -7525,27 +7831,29 @@
         </p:nvSpPr>
         <p:spPr>
           <a:xfrm>
-            <a:off x="4101483" y="409266"/>
-            <a:ext cx="2104748" cy="1293028"/>
-          </a:xfrm>
-        </p:spPr>
-        <p:txBody>
-          <a:bodyPr/>
-          <a:lstStyle/>
-          <a:p>
-            <a:r>
-              <a:rPr lang="cs-CZ" dirty="0"/>
-              <a:t>Zdroje</a:t>
-            </a:r>
-          </a:p>
-        </p:txBody>
-      </p:sp>
-      <p:sp>
-        <p:nvSpPr>
-          <p:cNvPr id="3" name="Zástupný obsah 2">
+            <a:off x="-220823" y="639315"/>
+            <a:ext cx="8610600" cy="1293028"/>
+          </a:xfrm>
+        </p:spPr>
+        <p:txBody>
+          <a:bodyPr>
+            <a:normAutofit/>
+          </a:bodyPr>
+          <a:lstStyle/>
+          <a:p>
+            <a:r>
+              <a:rPr lang="cs-CZ" sz="6000" dirty="0"/>
+              <a:t>Čísla, statistiky</a:t>
+            </a:r>
+          </a:p>
+        </p:txBody>
+      </p:sp>
+      <p:sp>
+        <p:nvSpPr>
+          <p:cNvPr id="4" name="Zástupný obsah 3">
             <a:extLst>
               <a:ext uri="{FF2B5EF4-FFF2-40B4-BE49-F238E27FC236}">
-                <a16:creationId xmlns:a16="http://schemas.microsoft.com/office/drawing/2014/main" id="{1EC93D55-67BE-4D96-94E0-F34C4004F528}"/>
+                <a16:creationId xmlns:a16="http://schemas.microsoft.com/office/drawing/2014/main" id="{80B1F9C0-C107-611D-62D0-3FF5995709BA}"/>
               </a:ext>
             </a:extLst>
           </p:cNvPr>
@@ -7556,141 +7864,72 @@
             <p:ph idx="1"/>
           </p:nvPr>
         </p:nvSpPr>
+        <p:spPr/>
+        <p:txBody>
+          <a:bodyPr/>
+          <a:lstStyle/>
+          <a:p>
+            <a:r>
+              <a:rPr lang="cs-CZ" sz="2800" dirty="0"/>
+              <a:t>Celkový počet </a:t>
+            </a:r>
+            <a:r>
+              <a:rPr lang="cs-CZ" sz="2800" dirty="0" err="1"/>
+              <a:t>příhlášených</a:t>
+            </a:r>
+            <a:r>
+              <a:rPr lang="cs-CZ" sz="2800" dirty="0"/>
+              <a:t>- 936 796</a:t>
+            </a:r>
+          </a:p>
+          <a:p>
+            <a:endParaRPr lang="cs-CZ" sz="2800" dirty="0"/>
+          </a:p>
+          <a:p>
+            <a:endParaRPr lang="cs-CZ" sz="2800" dirty="0"/>
+          </a:p>
+          <a:p>
+            <a:endParaRPr lang="cs-CZ" dirty="0"/>
+          </a:p>
+          <a:p>
+            <a:endParaRPr lang="cs-CZ" dirty="0"/>
+          </a:p>
+        </p:txBody>
+      </p:sp>
+      <p:pic>
+        <p:nvPicPr>
+          <p:cNvPr id="8" name="Obrázek 7">
+            <a:extLst>
+              <a:ext uri="{FF2B5EF4-FFF2-40B4-BE49-F238E27FC236}">
+                <a16:creationId xmlns:a16="http://schemas.microsoft.com/office/drawing/2014/main" id="{B019B92F-0B59-A5D6-B9D8-106A3E475148}"/>
+              </a:ext>
+            </a:extLst>
+          </p:cNvPr>
+          <p:cNvPicPr>
+            <a:picLocks noChangeAspect="1"/>
+          </p:cNvPicPr>
+          <p:nvPr/>
+        </p:nvPicPr>
+        <p:blipFill>
+          <a:blip r:embed="rId4"/>
+          <a:stretch>
+            <a:fillRect/>
+          </a:stretch>
+        </p:blipFill>
         <p:spPr>
           <a:xfrm>
-            <a:off x="310718" y="1518082"/>
-            <a:ext cx="11745158" cy="5220069"/>
-          </a:xfrm>
-        </p:spPr>
-        <p:txBody>
-          <a:bodyPr/>
-          <a:lstStyle/>
-          <a:p>
-            <a:r>
-              <a:rPr lang="cs-CZ" sz="1800" dirty="0">
-                <a:hlinkClick r:id="rId2"/>
-              </a:rPr>
-              <a:t>https://blog.nic.cz/wp-content/uploads/2020/10/mojeID_logo_bez_gradientu_negativ_RGB.jpg</a:t>
-            </a:r>
-            <a:endParaRPr lang="cs-CZ" sz="1800" dirty="0"/>
-          </a:p>
-          <a:p>
-            <a:r>
-              <a:rPr lang="cs-CZ" sz="1800" dirty="0">
-                <a:hlinkClick r:id="rId3"/>
-              </a:rPr>
-              <a:t>https://cs.wikipedia.org/wiki/MojeID</a:t>
-            </a:r>
-            <a:endParaRPr lang="cs-CZ" sz="1800" dirty="0"/>
-          </a:p>
-          <a:p>
-            <a:r>
-              <a:rPr lang="cs-CZ" sz="1800" dirty="0">
-                <a:hlinkClick r:id="rId4"/>
-              </a:rPr>
-              <a:t>https://www.youtube.com/watch?v=8n-v2ifN-hc</a:t>
-            </a:r>
-            <a:endParaRPr lang="cs-CZ" sz="1800" dirty="0"/>
-          </a:p>
-          <a:p>
-            <a:r>
-              <a:rPr lang="cs-CZ" sz="1800" dirty="0">
-                <a:hlinkClick r:id="rId5"/>
-              </a:rPr>
-              <a:t>https://youtu.be/cq31QTrWcQ8</a:t>
-            </a:r>
-            <a:endParaRPr lang="cs-CZ" sz="1800" dirty="0"/>
-          </a:p>
-          <a:p>
-            <a:r>
-              <a:rPr lang="pl-PL" sz="1800" dirty="0">
-                <a:hlinkClick r:id="rId6"/>
-              </a:rPr>
-              <a:t>https://www.mojeid.cz/cs/jak-na-to/</a:t>
-            </a:r>
-            <a:endParaRPr lang="pl-PL" sz="1800" dirty="0"/>
-          </a:p>
-          <a:p>
-            <a:r>
-              <a:rPr lang="pl-PL" sz="1800" i="1" dirty="0">
-                <a:hlinkClick r:id="rId7"/>
-              </a:rPr>
-              <a:t>https://www.mojeid.cz/cs/kde-pouzit/</a:t>
-            </a:r>
-            <a:endParaRPr lang="pl-PL" sz="1800" i="1" dirty="0"/>
-          </a:p>
-          <a:p>
-            <a:r>
-              <a:rPr lang="pl-PL" sz="1800" i="1" dirty="0">
-                <a:hlinkClick r:id="rId8"/>
-              </a:rPr>
-              <a:t>https://www.mojeid.cz/cs/proc-mojeid/</a:t>
-            </a:r>
-            <a:endParaRPr lang="pl-PL" sz="1800" i="1" dirty="0"/>
-          </a:p>
-          <a:p>
-            <a:r>
-              <a:rPr lang="cs-CZ" sz="1800" b="0" i="0" dirty="0">
-                <a:solidFill>
-                  <a:schemeClr val="accent1">
-                    <a:lumMod val="75000"/>
-                  </a:schemeClr>
-                </a:solidFill>
-                <a:effectLst/>
-                <a:latin typeface="Open Sans" panose="020B0606030504020204" pitchFamily="34" charset="0"/>
-                <a:hlinkClick r:id="rId9"/>
-              </a:rPr>
-              <a:t>https://www.lupa.cz/clanky/bankovni-identita-je-dobry-sluha-existuji-ale-i-duvody-proc-ji-nechtit/#h24</a:t>
-            </a:r>
-            <a:endParaRPr lang="cs-CZ" sz="1800" b="0" i="0" dirty="0">
-              <a:solidFill>
-                <a:schemeClr val="accent1">
-                  <a:lumMod val="75000"/>
-                </a:schemeClr>
-              </a:solidFill>
-              <a:effectLst/>
-              <a:latin typeface="Open Sans" panose="020B0606030504020204" pitchFamily="34" charset="0"/>
-            </a:endParaRPr>
-          </a:p>
-          <a:p>
-            <a:r>
-              <a:rPr lang="pl-PL" sz="1800" dirty="0">
-                <a:solidFill>
-                  <a:schemeClr val="accent1">
-                    <a:lumMod val="75000"/>
-                  </a:schemeClr>
-                </a:solidFill>
-              </a:rPr>
-              <a:t>https://stats.nic.cz/dashboard/cs/MojeID_mkt.html</a:t>
-            </a:r>
-          </a:p>
-          <a:p>
-            <a:endParaRPr lang="pl-PL" sz="1800" i="1" dirty="0"/>
-          </a:p>
-          <a:p>
-            <a:endParaRPr lang="pl-PL" sz="1800" dirty="0"/>
-          </a:p>
-          <a:p>
-            <a:endParaRPr lang="cs-CZ" sz="1800" dirty="0"/>
-          </a:p>
-          <a:p>
-            <a:endParaRPr lang="cs-CZ" sz="1800" dirty="0"/>
-          </a:p>
-          <a:p>
-            <a:endParaRPr lang="cs-CZ" sz="2400" dirty="0"/>
-          </a:p>
-          <a:p>
-            <a:endParaRPr lang="cs-CZ" dirty="0"/>
-          </a:p>
-          <a:p>
-            <a:endParaRPr lang="cs-CZ" dirty="0"/>
-          </a:p>
-        </p:txBody>
-      </p:sp>
+            <a:off x="6220873" y="3346740"/>
+            <a:ext cx="4601217" cy="3134162"/>
+          </a:xfrm>
+          <a:prstGeom prst="rect">
+            <a:avLst/>
+          </a:prstGeom>
+        </p:spPr>
+      </p:pic>
     </p:spTree>
     <p:extLst>
       <p:ext uri="{BB962C8B-B14F-4D97-AF65-F5344CB8AC3E}">
-        <p14:creationId xmlns:p14="http://schemas.microsoft.com/office/powerpoint/2010/main" val="3789644830"/>
+        <p14:creationId xmlns:p14="http://schemas.microsoft.com/office/powerpoint/2010/main" val="228833952"/>
       </p:ext>
     </p:extLst>
   </p:cSld>
@@ -7722,6 +7961,1127 @@
           <p:cNvPr id="2" name="Nadpis 1">
             <a:extLst>
               <a:ext uri="{FF2B5EF4-FFF2-40B4-BE49-F238E27FC236}">
+                <a16:creationId xmlns:a16="http://schemas.microsoft.com/office/drawing/2014/main" id="{961E53A9-3F4A-DE1E-DE49-FFD94E0307E4}"/>
+              </a:ext>
+            </a:extLst>
+          </p:cNvPr>
+          <p:cNvSpPr>
+            <a:spLocks noGrp="1"/>
+          </p:cNvSpPr>
+          <p:nvPr>
+            <p:ph type="title"/>
+          </p:nvPr>
+        </p:nvSpPr>
+        <p:spPr>
+          <a:xfrm>
+            <a:off x="1013533" y="1056442"/>
+            <a:ext cx="10039165" cy="4891597"/>
+          </a:xfrm>
+        </p:spPr>
+        <p:txBody>
+          <a:bodyPr/>
+          <a:lstStyle/>
+          <a:p>
+            <a:pPr algn="ctr"/>
+            <a:r>
+              <a:rPr lang="cs-CZ" u="sng" dirty="0"/>
+              <a:t>Děkuji za pozornost</a:t>
+            </a:r>
+          </a:p>
+        </p:txBody>
+      </p:sp>
+    </p:spTree>
+    <p:extLst>
+      <p:ext uri="{BB962C8B-B14F-4D97-AF65-F5344CB8AC3E}">
+        <p14:creationId xmlns:p14="http://schemas.microsoft.com/office/powerpoint/2010/main" val="3054255812"/>
+      </p:ext>
+    </p:extLst>
+  </p:cSld>
+  <p:clrMapOvr>
+    <a:masterClrMapping/>
+  </p:clrMapOvr>
+</p:sld>
+</file>
+
+<file path=ppt/slides/slide13.xml><?xml version="1.0" encoding="utf-8"?>
+<p:sld xmlns:a="http://schemas.openxmlformats.org/drawingml/2006/main" xmlns:r="http://schemas.openxmlformats.org/officeDocument/2006/relationships" xmlns:p="http://schemas.openxmlformats.org/presentationml/2006/main">
+  <p:cSld>
+    <p:spTree>
+      <p:nvGrpSpPr>
+        <p:cNvPr id="1" name=""/>
+        <p:cNvGrpSpPr/>
+        <p:nvPr/>
+      </p:nvGrpSpPr>
+      <p:grpSpPr>
+        <a:xfrm>
+          <a:off x="0" y="0"/>
+          <a:ext cx="0" cy="0"/>
+          <a:chOff x="0" y="0"/>
+          <a:chExt cx="0" cy="0"/>
+        </a:xfrm>
+      </p:grpSpPr>
+      <p:sp>
+        <p:nvSpPr>
+          <p:cNvPr id="2" name="Nadpis 1">
+            <a:extLst>
+              <a:ext uri="{FF2B5EF4-FFF2-40B4-BE49-F238E27FC236}">
+                <a16:creationId xmlns:a16="http://schemas.microsoft.com/office/drawing/2014/main" id="{76655732-9A86-4DC8-B4F8-981B45EE62F0}"/>
+              </a:ext>
+            </a:extLst>
+          </p:cNvPr>
+          <p:cNvSpPr>
+            <a:spLocks noGrp="1"/>
+          </p:cNvSpPr>
+          <p:nvPr>
+            <p:ph type="title"/>
+          </p:nvPr>
+        </p:nvSpPr>
+        <p:spPr>
+          <a:xfrm>
+            <a:off x="4101483" y="409266"/>
+            <a:ext cx="2104748" cy="1293028"/>
+          </a:xfrm>
+        </p:spPr>
+        <p:txBody>
+          <a:bodyPr/>
+          <a:lstStyle/>
+          <a:p>
+            <a:r>
+              <a:rPr lang="cs-CZ" dirty="0"/>
+              <a:t>Zdroje</a:t>
+            </a:r>
+          </a:p>
+        </p:txBody>
+      </p:sp>
+      <p:sp>
+        <p:nvSpPr>
+          <p:cNvPr id="3" name="Zástupný obsah 2">
+            <a:extLst>
+              <a:ext uri="{FF2B5EF4-FFF2-40B4-BE49-F238E27FC236}">
+                <a16:creationId xmlns:a16="http://schemas.microsoft.com/office/drawing/2014/main" id="{1EC93D55-67BE-4D96-94E0-F34C4004F528}"/>
+              </a:ext>
+            </a:extLst>
+          </p:cNvPr>
+          <p:cNvSpPr>
+            <a:spLocks noGrp="1"/>
+          </p:cNvSpPr>
+          <p:nvPr>
+            <p:ph idx="1"/>
+          </p:nvPr>
+        </p:nvSpPr>
+        <p:spPr>
+          <a:xfrm>
+            <a:off x="310718" y="1518082"/>
+            <a:ext cx="11745158" cy="5220069"/>
+          </a:xfrm>
+        </p:spPr>
+        <p:txBody>
+          <a:bodyPr/>
+          <a:lstStyle/>
+          <a:p>
+            <a:r>
+              <a:rPr lang="cs-CZ" sz="1800" dirty="0">
+                <a:solidFill>
+                  <a:srgbClr val="FF0000"/>
+                </a:solidFill>
+                <a:latin typeface="Open Sans" panose="020B0606030504020204" pitchFamily="34" charset="0"/>
+                <a:ea typeface="Open Sans" panose="020B0606030504020204" pitchFamily="34" charset="0"/>
+                <a:cs typeface="Open Sans" panose="020B0606030504020204" pitchFamily="34" charset="0"/>
+                <a:hlinkClick r:id="rId2">
+                  <a:extLst>
+                    <a:ext uri="{A12FA001-AC4F-418D-AE19-62706E023703}">
+                      <ahyp:hlinkClr xmlns:ahyp="http://schemas.microsoft.com/office/drawing/2018/hyperlinkcolor" val="tx"/>
+                    </a:ext>
+                  </a:extLst>
+                </a:hlinkClick>
+              </a:rPr>
+              <a:t>https://blog.nic.cz/wp-content/uploads/2020/10/mojeID_logo_bez_gradientu_negativ_RGB.jpg</a:t>
+            </a:r>
+            <a:endParaRPr lang="cs-CZ" sz="1800" dirty="0">
+              <a:solidFill>
+                <a:srgbClr val="FF0000"/>
+              </a:solidFill>
+              <a:latin typeface="Open Sans" panose="020B0606030504020204" pitchFamily="34" charset="0"/>
+              <a:ea typeface="Open Sans" panose="020B0606030504020204" pitchFamily="34" charset="0"/>
+              <a:cs typeface="Open Sans" panose="020B0606030504020204" pitchFamily="34" charset="0"/>
+            </a:endParaRPr>
+          </a:p>
+          <a:p>
+            <a:r>
+              <a:rPr lang="cs-CZ" sz="1800" dirty="0">
+                <a:solidFill>
+                  <a:srgbClr val="FF0000"/>
+                </a:solidFill>
+                <a:latin typeface="Open Sans" panose="020B0606030504020204" pitchFamily="34" charset="0"/>
+                <a:ea typeface="Open Sans" panose="020B0606030504020204" pitchFamily="34" charset="0"/>
+                <a:cs typeface="Open Sans" panose="020B0606030504020204" pitchFamily="34" charset="0"/>
+                <a:hlinkClick r:id="rId3">
+                  <a:extLst>
+                    <a:ext uri="{A12FA001-AC4F-418D-AE19-62706E023703}">
+                      <ahyp:hlinkClr xmlns:ahyp="http://schemas.microsoft.com/office/drawing/2018/hyperlinkcolor" val="tx"/>
+                    </a:ext>
+                  </a:extLst>
+                </a:hlinkClick>
+              </a:rPr>
+              <a:t>https://cs.wikipedia.org/wiki/MojeID</a:t>
+            </a:r>
+            <a:endParaRPr lang="cs-CZ" sz="1800" dirty="0">
+              <a:solidFill>
+                <a:srgbClr val="FF0000"/>
+              </a:solidFill>
+              <a:latin typeface="Open Sans" panose="020B0606030504020204" pitchFamily="34" charset="0"/>
+              <a:ea typeface="Open Sans" panose="020B0606030504020204" pitchFamily="34" charset="0"/>
+              <a:cs typeface="Open Sans" panose="020B0606030504020204" pitchFamily="34" charset="0"/>
+            </a:endParaRPr>
+          </a:p>
+          <a:p>
+            <a:r>
+              <a:rPr lang="cs-CZ" sz="1800" dirty="0">
+                <a:solidFill>
+                  <a:srgbClr val="FF0000"/>
+                </a:solidFill>
+                <a:latin typeface="Open Sans" panose="020B0606030504020204" pitchFamily="34" charset="0"/>
+                <a:ea typeface="Open Sans" panose="020B0606030504020204" pitchFamily="34" charset="0"/>
+                <a:cs typeface="Open Sans" panose="020B0606030504020204" pitchFamily="34" charset="0"/>
+                <a:hlinkClick r:id="rId4">
+                  <a:extLst>
+                    <a:ext uri="{A12FA001-AC4F-418D-AE19-62706E023703}">
+                      <ahyp:hlinkClr xmlns:ahyp="http://schemas.microsoft.com/office/drawing/2018/hyperlinkcolor" val="tx"/>
+                    </a:ext>
+                  </a:extLst>
+                </a:hlinkClick>
+              </a:rPr>
+              <a:t>https://www.youtube.com/watch?v=8n-v2ifN-hc</a:t>
+            </a:r>
+            <a:endParaRPr lang="cs-CZ" sz="1800" dirty="0">
+              <a:solidFill>
+                <a:srgbClr val="FF0000"/>
+              </a:solidFill>
+              <a:latin typeface="Open Sans" panose="020B0606030504020204" pitchFamily="34" charset="0"/>
+              <a:ea typeface="Open Sans" panose="020B0606030504020204" pitchFamily="34" charset="0"/>
+              <a:cs typeface="Open Sans" panose="020B0606030504020204" pitchFamily="34" charset="0"/>
+            </a:endParaRPr>
+          </a:p>
+          <a:p>
+            <a:r>
+              <a:rPr lang="cs-CZ" sz="1800" dirty="0">
+                <a:solidFill>
+                  <a:srgbClr val="FF0000"/>
+                </a:solidFill>
+                <a:latin typeface="Open Sans" panose="020B0606030504020204" pitchFamily="34" charset="0"/>
+                <a:ea typeface="Open Sans" panose="020B0606030504020204" pitchFamily="34" charset="0"/>
+                <a:cs typeface="Open Sans" panose="020B0606030504020204" pitchFamily="34" charset="0"/>
+                <a:hlinkClick r:id="rId5">
+                  <a:extLst>
+                    <a:ext uri="{A12FA001-AC4F-418D-AE19-62706E023703}">
+                      <ahyp:hlinkClr xmlns:ahyp="http://schemas.microsoft.com/office/drawing/2018/hyperlinkcolor" val="tx"/>
+                    </a:ext>
+                  </a:extLst>
+                </a:hlinkClick>
+              </a:rPr>
+              <a:t>https://youtu.be/cq31QTrWcQ8</a:t>
+            </a:r>
+            <a:endParaRPr lang="cs-CZ" sz="1800" dirty="0">
+              <a:solidFill>
+                <a:srgbClr val="FF0000"/>
+              </a:solidFill>
+              <a:latin typeface="Open Sans" panose="020B0606030504020204" pitchFamily="34" charset="0"/>
+              <a:ea typeface="Open Sans" panose="020B0606030504020204" pitchFamily="34" charset="0"/>
+              <a:cs typeface="Open Sans" panose="020B0606030504020204" pitchFamily="34" charset="0"/>
+            </a:endParaRPr>
+          </a:p>
+          <a:p>
+            <a:r>
+              <a:rPr lang="pl-PL" sz="1800" dirty="0">
+                <a:solidFill>
+                  <a:srgbClr val="FF0000"/>
+                </a:solidFill>
+                <a:latin typeface="Open Sans" panose="020B0606030504020204" pitchFamily="34" charset="0"/>
+                <a:ea typeface="Open Sans" panose="020B0606030504020204" pitchFamily="34" charset="0"/>
+                <a:cs typeface="Open Sans" panose="020B0606030504020204" pitchFamily="34" charset="0"/>
+                <a:hlinkClick r:id="rId6">
+                  <a:extLst>
+                    <a:ext uri="{A12FA001-AC4F-418D-AE19-62706E023703}">
+                      <ahyp:hlinkClr xmlns:ahyp="http://schemas.microsoft.com/office/drawing/2018/hyperlinkcolor" val="tx"/>
+                    </a:ext>
+                  </a:extLst>
+                </a:hlinkClick>
+              </a:rPr>
+              <a:t>https://www.mojeid.cz/cs/jak-na-to/</a:t>
+            </a:r>
+            <a:endParaRPr lang="pl-PL" sz="1800" dirty="0">
+              <a:solidFill>
+                <a:srgbClr val="FF0000"/>
+              </a:solidFill>
+              <a:latin typeface="Open Sans" panose="020B0606030504020204" pitchFamily="34" charset="0"/>
+              <a:ea typeface="Open Sans" panose="020B0606030504020204" pitchFamily="34" charset="0"/>
+              <a:cs typeface="Open Sans" panose="020B0606030504020204" pitchFamily="34" charset="0"/>
+            </a:endParaRPr>
+          </a:p>
+          <a:p>
+            <a:r>
+              <a:rPr lang="pl-PL" sz="1800" i="1" dirty="0">
+                <a:solidFill>
+                  <a:srgbClr val="FF0000"/>
+                </a:solidFill>
+                <a:latin typeface="Open Sans" panose="020B0606030504020204" pitchFamily="34" charset="0"/>
+                <a:ea typeface="Open Sans" panose="020B0606030504020204" pitchFamily="34" charset="0"/>
+                <a:cs typeface="Open Sans" panose="020B0606030504020204" pitchFamily="34" charset="0"/>
+                <a:hlinkClick r:id="rId7">
+                  <a:extLst>
+                    <a:ext uri="{A12FA001-AC4F-418D-AE19-62706E023703}">
+                      <ahyp:hlinkClr xmlns:ahyp="http://schemas.microsoft.com/office/drawing/2018/hyperlinkcolor" val="tx"/>
+                    </a:ext>
+                  </a:extLst>
+                </a:hlinkClick>
+              </a:rPr>
+              <a:t>https://www.mojeid.cz/cs/kde-pouzit/</a:t>
+            </a:r>
+            <a:endParaRPr lang="pl-PL" sz="1800" i="1" dirty="0">
+              <a:solidFill>
+                <a:srgbClr val="FF0000"/>
+              </a:solidFill>
+              <a:latin typeface="Open Sans" panose="020B0606030504020204" pitchFamily="34" charset="0"/>
+              <a:ea typeface="Open Sans" panose="020B0606030504020204" pitchFamily="34" charset="0"/>
+              <a:cs typeface="Open Sans" panose="020B0606030504020204" pitchFamily="34" charset="0"/>
+            </a:endParaRPr>
+          </a:p>
+          <a:p>
+            <a:r>
+              <a:rPr lang="pl-PL" sz="1800" i="1" dirty="0">
+                <a:solidFill>
+                  <a:srgbClr val="FF0000"/>
+                </a:solidFill>
+                <a:latin typeface="Open Sans" panose="020B0606030504020204" pitchFamily="34" charset="0"/>
+                <a:ea typeface="Open Sans" panose="020B0606030504020204" pitchFamily="34" charset="0"/>
+                <a:cs typeface="Open Sans" panose="020B0606030504020204" pitchFamily="34" charset="0"/>
+                <a:hlinkClick r:id="rId8">
+                  <a:extLst>
+                    <a:ext uri="{A12FA001-AC4F-418D-AE19-62706E023703}">
+                      <ahyp:hlinkClr xmlns:ahyp="http://schemas.microsoft.com/office/drawing/2018/hyperlinkcolor" val="tx"/>
+                    </a:ext>
+                  </a:extLst>
+                </a:hlinkClick>
+              </a:rPr>
+              <a:t>https://www.mojeid.cz/cs/proc-mojeid/</a:t>
+            </a:r>
+            <a:endParaRPr lang="pl-PL" sz="1800" i="1" dirty="0">
+              <a:solidFill>
+                <a:srgbClr val="FF0000"/>
+              </a:solidFill>
+              <a:latin typeface="Open Sans" panose="020B0606030504020204" pitchFamily="34" charset="0"/>
+              <a:ea typeface="Open Sans" panose="020B0606030504020204" pitchFamily="34" charset="0"/>
+              <a:cs typeface="Open Sans" panose="020B0606030504020204" pitchFamily="34" charset="0"/>
+            </a:endParaRPr>
+          </a:p>
+          <a:p>
+            <a:r>
+              <a:rPr lang="cs-CZ" sz="1800" b="0" i="0" dirty="0">
+                <a:solidFill>
+                  <a:srgbClr val="FF0000"/>
+                </a:solidFill>
+                <a:effectLst/>
+                <a:latin typeface="Open Sans" panose="020B0606030504020204" pitchFamily="34" charset="0"/>
+                <a:ea typeface="Open Sans" panose="020B0606030504020204" pitchFamily="34" charset="0"/>
+                <a:cs typeface="Open Sans" panose="020B0606030504020204" pitchFamily="34" charset="0"/>
+                <a:hlinkClick r:id="rId9">
+                  <a:extLst>
+                    <a:ext uri="{A12FA001-AC4F-418D-AE19-62706E023703}">
+                      <ahyp:hlinkClr xmlns:ahyp="http://schemas.microsoft.com/office/drawing/2018/hyperlinkcolor" val="tx"/>
+                    </a:ext>
+                  </a:extLst>
+                </a:hlinkClick>
+              </a:rPr>
+              <a:t>https://www.lupa.cz/clanky/bankovni-identita-je-dobry-sluha-existuji-ale-i-duvody-proc-ji-nechtit/#h24</a:t>
+            </a:r>
+            <a:endParaRPr lang="cs-CZ" sz="1800" b="0" i="0" dirty="0">
+              <a:solidFill>
+                <a:srgbClr val="FF0000"/>
+              </a:solidFill>
+              <a:effectLst/>
+              <a:latin typeface="Open Sans" panose="020B0606030504020204" pitchFamily="34" charset="0"/>
+              <a:ea typeface="Open Sans" panose="020B0606030504020204" pitchFamily="34" charset="0"/>
+              <a:cs typeface="Open Sans" panose="020B0606030504020204" pitchFamily="34" charset="0"/>
+            </a:endParaRPr>
+          </a:p>
+          <a:p>
+            <a:r>
+              <a:rPr lang="pl-PL" sz="1800" dirty="0">
+                <a:solidFill>
+                  <a:srgbClr val="F0532B"/>
+                </a:solidFill>
+                <a:latin typeface="Open Sans" panose="020B0606030504020204" pitchFamily="34" charset="0"/>
+                <a:ea typeface="Open Sans" panose="020B0606030504020204" pitchFamily="34" charset="0"/>
+                <a:cs typeface="Open Sans" panose="020B0606030504020204" pitchFamily="34" charset="0"/>
+                <a:hlinkClick r:id="rId10">
+                  <a:extLst>
+                    <a:ext uri="{A12FA001-AC4F-418D-AE19-62706E023703}">
+                      <ahyp:hlinkClr xmlns:ahyp="http://schemas.microsoft.com/office/drawing/2018/hyperlinkcolor" val="tx"/>
+                    </a:ext>
+                  </a:extLst>
+                </a:hlinkClick>
+              </a:rPr>
+              <a:t>https://stats.nic.cz/dashboard/cs/MojeID_mkt.</a:t>
+            </a:r>
+            <a:r>
+              <a:rPr lang="pl-PL" sz="1800" dirty="0">
+                <a:solidFill>
+                  <a:srgbClr val="FF0000"/>
+                </a:solidFill>
+                <a:latin typeface="Open Sans" panose="020B0606030504020204" pitchFamily="34" charset="0"/>
+                <a:ea typeface="Open Sans" panose="020B0606030504020204" pitchFamily="34" charset="0"/>
+                <a:cs typeface="Open Sans" panose="020B0606030504020204" pitchFamily="34" charset="0"/>
+                <a:hlinkClick r:id="rId10">
+                  <a:extLst>
+                    <a:ext uri="{A12FA001-AC4F-418D-AE19-62706E023703}">
+                      <ahyp:hlinkClr xmlns:ahyp="http://schemas.microsoft.com/office/drawing/2018/hyperlinkcolor" val="tx"/>
+                    </a:ext>
+                  </a:extLst>
+                </a:hlinkClick>
+              </a:rPr>
+              <a:t>html</a:t>
+            </a:r>
+            <a:endParaRPr lang="pl-PL" sz="1800" dirty="0">
+              <a:solidFill>
+                <a:srgbClr val="FF0000"/>
+              </a:solidFill>
+              <a:latin typeface="Open Sans" panose="020B0606030504020204" pitchFamily="34" charset="0"/>
+              <a:ea typeface="Open Sans" panose="020B0606030504020204" pitchFamily="34" charset="0"/>
+              <a:cs typeface="Open Sans" panose="020B0606030504020204" pitchFamily="34" charset="0"/>
+            </a:endParaRPr>
+          </a:p>
+          <a:p>
+            <a:r>
+              <a:rPr lang="pl-PL" sz="1800" dirty="0">
+                <a:solidFill>
+                  <a:srgbClr val="FF0000"/>
+                </a:solidFill>
+                <a:latin typeface="Open Sans" panose="020B0606030504020204" pitchFamily="34" charset="0"/>
+                <a:ea typeface="Open Sans" panose="020B0606030504020204" pitchFamily="34" charset="0"/>
+                <a:cs typeface="Open Sans" panose="020B0606030504020204" pitchFamily="34" charset="0"/>
+                <a:hlinkClick r:id="rId11">
+                  <a:extLst>
+                    <a:ext uri="{A12FA001-AC4F-418D-AE19-62706E023703}">
+                      <ahyp:hlinkClr xmlns:ahyp="http://schemas.microsoft.com/office/drawing/2018/hyperlinkcolor" val="tx"/>
+                    </a:ext>
+                  </a:extLst>
+                </a:hlinkClick>
+              </a:rPr>
+              <a:t>https://www.mojeid.cz/cs/egovernment/vysoka/</a:t>
+            </a:r>
+            <a:endParaRPr lang="pl-PL" sz="1800" dirty="0">
+              <a:solidFill>
+                <a:srgbClr val="FF0000"/>
+              </a:solidFill>
+              <a:latin typeface="Open Sans" panose="020B0606030504020204" pitchFamily="34" charset="0"/>
+              <a:ea typeface="Open Sans" panose="020B0606030504020204" pitchFamily="34" charset="0"/>
+              <a:cs typeface="Open Sans" panose="020B0606030504020204" pitchFamily="34" charset="0"/>
+            </a:endParaRPr>
+          </a:p>
+          <a:p>
+            <a:r>
+              <a:rPr lang="pl-PL" sz="1800" dirty="0">
+                <a:solidFill>
+                  <a:srgbClr val="FF0000"/>
+                </a:solidFill>
+                <a:latin typeface="Open Sans" panose="020B0606030504020204" pitchFamily="34" charset="0"/>
+                <a:ea typeface="Open Sans" panose="020B0606030504020204" pitchFamily="34" charset="0"/>
+                <a:cs typeface="Open Sans" panose="020B0606030504020204" pitchFamily="34" charset="0"/>
+                <a:hlinkClick r:id="rId12">
+                  <a:extLst>
+                    <a:ext uri="{A12FA001-AC4F-418D-AE19-62706E023703}">
+                      <ahyp:hlinkClr xmlns:ahyp="http://schemas.microsoft.com/office/drawing/2018/hyperlinkcolor" val="tx"/>
+                    </a:ext>
+                  </a:extLst>
+                </a:hlinkClick>
+              </a:rPr>
+              <a:t>https://www.egovernment.cz/soubor/mojeid-nejuniverzalnejsi-ceska-identita-jaromir-talir-cz-nic/</a:t>
+            </a:r>
+            <a:endParaRPr lang="pl-PL" sz="1800" dirty="0">
+              <a:solidFill>
+                <a:srgbClr val="FF0000"/>
+              </a:solidFill>
+              <a:latin typeface="Open Sans" panose="020B0606030504020204" pitchFamily="34" charset="0"/>
+              <a:ea typeface="Open Sans" panose="020B0606030504020204" pitchFamily="34" charset="0"/>
+              <a:cs typeface="Open Sans" panose="020B0606030504020204" pitchFamily="34" charset="0"/>
+            </a:endParaRPr>
+          </a:p>
+          <a:p>
+            <a:r>
+              <a:rPr lang="cs-CZ" sz="1800" b="0" i="1" dirty="0">
+                <a:solidFill>
+                  <a:srgbClr val="FF0000"/>
+                </a:solidFill>
+                <a:effectLst/>
+                <a:latin typeface="Open Sans" panose="020B0606030504020204" pitchFamily="34" charset="0"/>
+                <a:ea typeface="Open Sans" panose="020B0606030504020204" pitchFamily="34" charset="0"/>
+                <a:cs typeface="Open Sans" panose="020B0606030504020204" pitchFamily="34" charset="0"/>
+                <a:hlinkClick r:id="rId13"/>
+              </a:rPr>
+              <a:t>https://info.identitaobcana.cz/idp/</a:t>
+            </a:r>
+            <a:endParaRPr lang="cs-CZ" sz="1800" b="0" i="1" dirty="0">
+              <a:solidFill>
+                <a:srgbClr val="FF0000"/>
+              </a:solidFill>
+              <a:effectLst/>
+              <a:latin typeface="Open Sans" panose="020B0606030504020204" pitchFamily="34" charset="0"/>
+              <a:ea typeface="Open Sans" panose="020B0606030504020204" pitchFamily="34" charset="0"/>
+              <a:cs typeface="Open Sans" panose="020B0606030504020204" pitchFamily="34" charset="0"/>
+            </a:endParaRPr>
+          </a:p>
+          <a:p>
+            <a:r>
+              <a:rPr lang="pl-PL" sz="1800" i="1" dirty="0">
+                <a:solidFill>
+                  <a:srgbClr val="FF0000"/>
+                </a:solidFill>
+                <a:latin typeface="Open Sans" panose="020B0606030504020204" pitchFamily="34" charset="0"/>
+                <a:ea typeface="Open Sans" panose="020B0606030504020204" pitchFamily="34" charset="0"/>
+                <a:cs typeface="Open Sans" panose="020B0606030504020204" pitchFamily="34" charset="0"/>
+              </a:rPr>
+              <a:t>https://www.citacepro.com/dok/wsxak6mhdZNUDs4B</a:t>
+            </a:r>
+          </a:p>
+          <a:p>
+            <a:endParaRPr lang="pl-PL" sz="1800" dirty="0"/>
+          </a:p>
+          <a:p>
+            <a:endParaRPr lang="cs-CZ" sz="1800" dirty="0"/>
+          </a:p>
+          <a:p>
+            <a:endParaRPr lang="cs-CZ" sz="1800" dirty="0"/>
+          </a:p>
+          <a:p>
+            <a:endParaRPr lang="cs-CZ" sz="2400" dirty="0"/>
+          </a:p>
+          <a:p>
+            <a:endParaRPr lang="cs-CZ" dirty="0"/>
+          </a:p>
+          <a:p>
+            <a:endParaRPr lang="cs-CZ" dirty="0"/>
+          </a:p>
+        </p:txBody>
+      </p:sp>
+    </p:spTree>
+    <p:extLst>
+      <p:ext uri="{BB962C8B-B14F-4D97-AF65-F5344CB8AC3E}">
+        <p14:creationId xmlns:p14="http://schemas.microsoft.com/office/powerpoint/2010/main" val="3789644830"/>
+      </p:ext>
+    </p:extLst>
+  </p:cSld>
+  <p:clrMapOvr>
+    <a:masterClrMapping/>
+  </p:clrMapOvr>
+</p:sld>
+</file>
+
+<file path=ppt/slides/slide14.xml><?xml version="1.0" encoding="utf-8"?>
+<p:sld xmlns:a="http://schemas.openxmlformats.org/drawingml/2006/main" xmlns:r="http://schemas.openxmlformats.org/officeDocument/2006/relationships" xmlns:p="http://schemas.openxmlformats.org/presentationml/2006/main">
+  <p:cSld>
+    <p:spTree>
+      <p:nvGrpSpPr>
+        <p:cNvPr id="1" name=""/>
+        <p:cNvGrpSpPr/>
+        <p:nvPr/>
+      </p:nvGrpSpPr>
+      <p:grpSpPr>
+        <a:xfrm>
+          <a:off x="0" y="0"/>
+          <a:ext cx="0" cy="0"/>
+          <a:chOff x="0" y="0"/>
+          <a:chExt cx="0" cy="0"/>
+        </a:xfrm>
+      </p:grpSpPr>
+      <p:sp>
+        <p:nvSpPr>
+          <p:cNvPr id="2" name="Nadpis 1">
+            <a:extLst>
+              <a:ext uri="{FF2B5EF4-FFF2-40B4-BE49-F238E27FC236}">
+                <a16:creationId xmlns:a16="http://schemas.microsoft.com/office/drawing/2014/main" id="{F8D139CD-4C1A-4C94-B195-7B514ADC8502}"/>
+              </a:ext>
+            </a:extLst>
+          </p:cNvPr>
+          <p:cNvSpPr>
+            <a:spLocks noGrp="1"/>
+          </p:cNvSpPr>
+          <p:nvPr>
+            <p:ph type="title"/>
+          </p:nvPr>
+        </p:nvSpPr>
+        <p:spPr>
+          <a:xfrm>
+            <a:off x="2226644" y="186855"/>
+            <a:ext cx="3869356" cy="1293028"/>
+          </a:xfrm>
+        </p:spPr>
+        <p:txBody>
+          <a:bodyPr/>
+          <a:lstStyle/>
+          <a:p>
+            <a:r>
+              <a:rPr lang="cs-CZ" dirty="0"/>
+              <a:t>Citace</a:t>
+            </a:r>
+          </a:p>
+        </p:txBody>
+      </p:sp>
+      <p:sp>
+        <p:nvSpPr>
+          <p:cNvPr id="3" name="Zástupný obsah 2">
+            <a:extLst>
+              <a:ext uri="{FF2B5EF4-FFF2-40B4-BE49-F238E27FC236}">
+                <a16:creationId xmlns:a16="http://schemas.microsoft.com/office/drawing/2014/main" id="{B41FCB52-485D-4C7B-9EEF-07A2B55DBD74}"/>
+              </a:ext>
+            </a:extLst>
+          </p:cNvPr>
+          <p:cNvSpPr>
+            <a:spLocks noGrp="1"/>
+          </p:cNvSpPr>
+          <p:nvPr>
+            <p:ph idx="1"/>
+          </p:nvPr>
+        </p:nvSpPr>
+        <p:spPr>
+          <a:xfrm>
+            <a:off x="250257" y="1479884"/>
+            <a:ext cx="11482939" cy="5103796"/>
+          </a:xfrm>
+        </p:spPr>
+        <p:txBody>
+          <a:bodyPr>
+            <a:normAutofit/>
+          </a:bodyPr>
+          <a:lstStyle/>
+          <a:p>
+            <a:r>
+              <a:rPr lang="pl-PL" sz="1800" dirty="0">
+                <a:solidFill>
+                  <a:srgbClr val="FFC000"/>
+                </a:solidFill>
+                <a:latin typeface="Abadi Extra Light" panose="020B0604020202020204" pitchFamily="34" charset="0"/>
+              </a:rPr>
+              <a:t>MojeID [online]. [cit. 2023-01-15]. Dostupné z: </a:t>
+            </a:r>
+            <a:r>
+              <a:rPr lang="pl-PL" sz="1800" dirty="0">
+                <a:solidFill>
+                  <a:srgbClr val="FFC000"/>
+                </a:solidFill>
+                <a:latin typeface="Abadi Extra Light" panose="020B0604020202020204" pitchFamily="34" charset="0"/>
+                <a:hlinkClick r:id="rId2">
+                  <a:extLst>
+                    <a:ext uri="{A12FA001-AC4F-418D-AE19-62706E023703}">
+                      <ahyp:hlinkClr xmlns:ahyp="http://schemas.microsoft.com/office/drawing/2018/hyperlinkcolor" val="tx"/>
+                    </a:ext>
+                  </a:extLst>
+                </a:hlinkClick>
+              </a:rPr>
+              <a:t>https://www.mojeid.cz/cs/kde-pouzit/</a:t>
+            </a:r>
+            <a:endParaRPr lang="pl-PL" sz="1800" dirty="0">
+              <a:solidFill>
+                <a:srgbClr val="FFC000"/>
+              </a:solidFill>
+              <a:latin typeface="Abadi Extra Light" panose="020B0604020202020204" pitchFamily="34" charset="0"/>
+            </a:endParaRPr>
+          </a:p>
+          <a:p>
+            <a:r>
+              <a:rPr lang="pl-PL" sz="1800" dirty="0">
+                <a:solidFill>
+                  <a:srgbClr val="FFC000"/>
+                </a:solidFill>
+                <a:latin typeface="Abadi Extra Light" panose="020B0604020202020204" pitchFamily="34" charset="0"/>
+              </a:rPr>
+              <a:t>MojeID wiki [online]. [cit. 2023-01-15]. Dostupné z: </a:t>
+            </a:r>
+            <a:r>
+              <a:rPr lang="pl-PL" sz="1800" dirty="0">
+                <a:solidFill>
+                  <a:srgbClr val="FFC000"/>
+                </a:solidFill>
+                <a:latin typeface="Abadi Extra Light" panose="020B0604020202020204" pitchFamily="34" charset="0"/>
+                <a:hlinkClick r:id="rId3">
+                  <a:extLst>
+                    <a:ext uri="{A12FA001-AC4F-418D-AE19-62706E023703}">
+                      <ahyp:hlinkClr xmlns:ahyp="http://schemas.microsoft.com/office/drawing/2018/hyperlinkcolor" val="tx"/>
+                    </a:ext>
+                  </a:extLst>
+                </a:hlinkClick>
+              </a:rPr>
+              <a:t>https://cs.wikipedia.org/wiki/MojeID</a:t>
+            </a:r>
+            <a:endParaRPr lang="pl-PL" sz="1800" dirty="0">
+              <a:solidFill>
+                <a:srgbClr val="FFC000"/>
+              </a:solidFill>
+              <a:latin typeface="Abadi Extra Light" panose="020B0604020202020204" pitchFamily="34" charset="0"/>
+            </a:endParaRPr>
+          </a:p>
+          <a:p>
+            <a:r>
+              <a:rPr lang="cs-CZ" sz="1800" dirty="0" err="1">
+                <a:solidFill>
+                  <a:srgbClr val="FFC000"/>
+                </a:solidFill>
+                <a:latin typeface="Abadi Extra Light" panose="020B0604020202020204" pitchFamily="34" charset="0"/>
+              </a:rPr>
+              <a:t>MojeID</a:t>
+            </a:r>
+            <a:r>
+              <a:rPr lang="cs-CZ" sz="1800" dirty="0">
+                <a:solidFill>
+                  <a:srgbClr val="FFC000"/>
+                </a:solidFill>
+                <a:latin typeface="Abadi Extra Light" panose="020B0604020202020204" pitchFamily="34" charset="0"/>
+              </a:rPr>
+              <a:t> (uživatel). </a:t>
+            </a:r>
+            <a:r>
+              <a:rPr lang="cs-CZ" sz="1800" dirty="0" err="1">
+                <a:solidFill>
+                  <a:srgbClr val="FFC000"/>
+                </a:solidFill>
+                <a:latin typeface="Abadi Extra Light" panose="020B0604020202020204" pitchFamily="34" charset="0"/>
+              </a:rPr>
+              <a:t>Youtube</a:t>
+            </a:r>
+            <a:r>
+              <a:rPr lang="cs-CZ" sz="1800" dirty="0">
+                <a:solidFill>
+                  <a:srgbClr val="FFC000"/>
+                </a:solidFill>
+                <a:latin typeface="Abadi Extra Light" panose="020B0604020202020204" pitchFamily="34" charset="0"/>
+              </a:rPr>
+              <a:t> [online]. 2017 [cit. 2023-01-15]. Dostupné z: </a:t>
+            </a:r>
+            <a:r>
+              <a:rPr lang="cs-CZ" sz="1800" dirty="0">
+                <a:solidFill>
+                  <a:srgbClr val="FFC000"/>
+                </a:solidFill>
+                <a:latin typeface="Abadi Extra Light" panose="020B0604020202020204" pitchFamily="34" charset="0"/>
+                <a:hlinkClick r:id="rId4">
+                  <a:extLst>
+                    <a:ext uri="{A12FA001-AC4F-418D-AE19-62706E023703}">
+                      <ahyp:hlinkClr xmlns:ahyp="http://schemas.microsoft.com/office/drawing/2018/hyperlinkcolor" val="tx"/>
+                    </a:ext>
+                  </a:extLst>
+                </a:hlinkClick>
+              </a:rPr>
+              <a:t>https://www.youtube.com/watch?v=8n-v2ifN-hc</a:t>
+            </a:r>
+            <a:endParaRPr lang="cs-CZ" sz="1800" dirty="0">
+              <a:solidFill>
+                <a:srgbClr val="FFC000"/>
+              </a:solidFill>
+              <a:latin typeface="Abadi Extra Light" panose="020B0604020202020204" pitchFamily="34" charset="0"/>
+            </a:endParaRPr>
+          </a:p>
+          <a:p>
+            <a:r>
+              <a:rPr lang="cs-CZ" sz="1800" dirty="0" err="1">
+                <a:solidFill>
+                  <a:srgbClr val="FFC000"/>
+                </a:solidFill>
+                <a:latin typeface="Abadi Extra Light" panose="020B0604020202020204" pitchFamily="34" charset="0"/>
+              </a:rPr>
+              <a:t>MojeID</a:t>
+            </a:r>
+            <a:r>
+              <a:rPr lang="cs-CZ" sz="1800" dirty="0">
+                <a:solidFill>
+                  <a:srgbClr val="FFC000"/>
+                </a:solidFill>
+                <a:latin typeface="Abadi Extra Light" panose="020B0604020202020204" pitchFamily="34" charset="0"/>
+              </a:rPr>
+              <a:t> (poskytovatel). </a:t>
+            </a:r>
+            <a:r>
+              <a:rPr lang="cs-CZ" sz="1800" dirty="0" err="1">
+                <a:solidFill>
+                  <a:srgbClr val="FFC000"/>
+                </a:solidFill>
+                <a:latin typeface="Abadi Extra Light" panose="020B0604020202020204" pitchFamily="34" charset="0"/>
+              </a:rPr>
+              <a:t>Youtube</a:t>
+            </a:r>
+            <a:r>
+              <a:rPr lang="cs-CZ" sz="1800" dirty="0">
+                <a:solidFill>
+                  <a:srgbClr val="FFC000"/>
+                </a:solidFill>
+                <a:latin typeface="Abadi Extra Light" panose="020B0604020202020204" pitchFamily="34" charset="0"/>
+              </a:rPr>
+              <a:t> [online]. 2017 [cit. 2023-01-15]. Dostupné z: </a:t>
+            </a:r>
+            <a:r>
+              <a:rPr lang="cs-CZ" sz="1800" dirty="0">
+                <a:solidFill>
+                  <a:srgbClr val="FFC000"/>
+                </a:solidFill>
+                <a:latin typeface="Abadi Extra Light" panose="020B0604020202020204" pitchFamily="34" charset="0"/>
+                <a:hlinkClick r:id="rId5">
+                  <a:extLst>
+                    <a:ext uri="{A12FA001-AC4F-418D-AE19-62706E023703}">
+                      <ahyp:hlinkClr xmlns:ahyp="http://schemas.microsoft.com/office/drawing/2018/hyperlinkcolor" val="tx"/>
+                    </a:ext>
+                  </a:extLst>
+                </a:hlinkClick>
+              </a:rPr>
+              <a:t>https://youtu.be/cq31QTrWcQ8</a:t>
+            </a:r>
+            <a:endParaRPr lang="cs-CZ" sz="1800" dirty="0">
+              <a:solidFill>
+                <a:srgbClr val="FFC000"/>
+              </a:solidFill>
+              <a:latin typeface="Abadi Extra Light" panose="020B0604020202020204" pitchFamily="34" charset="0"/>
+            </a:endParaRPr>
+          </a:p>
+          <a:p>
+            <a:r>
+              <a:rPr lang="pl-PL" sz="1800" dirty="0">
+                <a:solidFill>
+                  <a:srgbClr val="FFC000"/>
+                </a:solidFill>
+                <a:latin typeface="Abadi Extra Light" panose="020B0604020202020204" pitchFamily="34" charset="0"/>
+              </a:rPr>
+              <a:t>MojeID Jak na to [online]. [cit. 2023-01-15]. Dostupné z: </a:t>
+            </a:r>
+            <a:r>
+              <a:rPr lang="pl-PL" sz="1800" dirty="0">
+                <a:solidFill>
+                  <a:srgbClr val="FFC000"/>
+                </a:solidFill>
+                <a:latin typeface="Abadi Extra Light" panose="020B0604020202020204" pitchFamily="34" charset="0"/>
+                <a:hlinkClick r:id="rId6">
+                  <a:extLst>
+                    <a:ext uri="{A12FA001-AC4F-418D-AE19-62706E023703}">
+                      <ahyp:hlinkClr xmlns:ahyp="http://schemas.microsoft.com/office/drawing/2018/hyperlinkcolor" val="tx"/>
+                    </a:ext>
+                  </a:extLst>
+                </a:hlinkClick>
+              </a:rPr>
+              <a:t>https://www.mojeid.cz/cs/jak-na-to/</a:t>
+            </a:r>
+            <a:endParaRPr lang="pl-PL" sz="1800" dirty="0">
+              <a:solidFill>
+                <a:srgbClr val="FFC000"/>
+              </a:solidFill>
+              <a:latin typeface="Abadi Extra Light" panose="020B0604020202020204" pitchFamily="34" charset="0"/>
+            </a:endParaRPr>
+          </a:p>
+          <a:p>
+            <a:r>
+              <a:rPr lang="cs-CZ" sz="1800" dirty="0">
+                <a:solidFill>
+                  <a:srgbClr val="FFC000"/>
+                </a:solidFill>
+                <a:latin typeface="Abadi Extra Light" panose="020B0604020202020204" pitchFamily="34" charset="0"/>
+              </a:rPr>
+              <a:t>Proč </a:t>
+            </a:r>
+            <a:r>
+              <a:rPr lang="cs-CZ" sz="1800" dirty="0" err="1">
+                <a:solidFill>
+                  <a:srgbClr val="FFC000"/>
+                </a:solidFill>
+                <a:latin typeface="Abadi Extra Light" panose="020B0604020202020204" pitchFamily="34" charset="0"/>
+              </a:rPr>
+              <a:t>MojeID</a:t>
+            </a:r>
+            <a:r>
+              <a:rPr lang="cs-CZ" sz="1800" dirty="0">
+                <a:solidFill>
+                  <a:srgbClr val="FFC000"/>
+                </a:solidFill>
+                <a:latin typeface="Abadi Extra Light" panose="020B0604020202020204" pitchFamily="34" charset="0"/>
+              </a:rPr>
+              <a:t> [online]. [cit. 2023-01-15]. Dostupné z: </a:t>
+            </a:r>
+            <a:r>
+              <a:rPr lang="cs-CZ" sz="1800" dirty="0">
+                <a:solidFill>
+                  <a:srgbClr val="FFC000"/>
+                </a:solidFill>
+                <a:latin typeface="Abadi Extra Light" panose="020B0604020202020204" pitchFamily="34" charset="0"/>
+                <a:hlinkClick r:id="rId7">
+                  <a:extLst>
+                    <a:ext uri="{A12FA001-AC4F-418D-AE19-62706E023703}">
+                      <ahyp:hlinkClr xmlns:ahyp="http://schemas.microsoft.com/office/drawing/2018/hyperlinkcolor" val="tx"/>
+                    </a:ext>
+                  </a:extLst>
+                </a:hlinkClick>
+              </a:rPr>
+              <a:t>https://www.mojeid.cz/cs/proc-mojeid/</a:t>
+            </a:r>
+            <a:endParaRPr lang="cs-CZ" sz="1800" dirty="0">
+              <a:solidFill>
+                <a:srgbClr val="FFC000"/>
+              </a:solidFill>
+              <a:latin typeface="Abadi Extra Light" panose="020B0604020202020204" pitchFamily="34" charset="0"/>
+            </a:endParaRPr>
+          </a:p>
+          <a:p>
+            <a:r>
+              <a:rPr lang="cs-CZ" sz="1800" dirty="0">
+                <a:solidFill>
+                  <a:srgbClr val="FFC000"/>
+                </a:solidFill>
+                <a:effectLst/>
+                <a:latin typeface="Abadi Extra Light" panose="020B0604020202020204" pitchFamily="34" charset="0"/>
+              </a:rPr>
+              <a:t>Bankovní identita je dobrý sluha. Existují ale i důvody, proč ji nechtít [online]. [cit. 2023-01-16]. Dostupné z: </a:t>
+            </a:r>
+            <a:r>
+              <a:rPr lang="cs-CZ" sz="1800" dirty="0">
+                <a:solidFill>
+                  <a:srgbClr val="FFC000"/>
+                </a:solidFill>
+                <a:effectLst/>
+                <a:latin typeface="Abadi Extra Light" panose="020B0604020202020204" pitchFamily="34" charset="0"/>
+                <a:hlinkClick r:id="rId8">
+                  <a:extLst>
+                    <a:ext uri="{A12FA001-AC4F-418D-AE19-62706E023703}">
+                      <ahyp:hlinkClr xmlns:ahyp="http://schemas.microsoft.com/office/drawing/2018/hyperlinkcolor" val="tx"/>
+                    </a:ext>
+                  </a:extLst>
+                </a:hlinkClick>
+              </a:rPr>
+              <a:t>https://www.lupa.cz/clanky/bankovni-identita-je-dobry-sluha-existuji-ale-i-duvody-proc-ji-nechtit/#h24</a:t>
+            </a:r>
+            <a:endParaRPr lang="cs-CZ" sz="1800" dirty="0">
+              <a:solidFill>
+                <a:srgbClr val="FFC000"/>
+              </a:solidFill>
+              <a:effectLst/>
+              <a:latin typeface="Abadi Extra Light" panose="020B0604020202020204" pitchFamily="34" charset="0"/>
+            </a:endParaRPr>
+          </a:p>
+          <a:p>
+            <a:r>
+              <a:rPr lang="it-IT" sz="1800" b="0" dirty="0">
+                <a:solidFill>
+                  <a:srgbClr val="FFC000"/>
+                </a:solidFill>
+                <a:effectLst/>
+                <a:latin typeface="Abadi Extra Light" panose="020B0604020202020204" pitchFamily="34" charset="0"/>
+              </a:rPr>
+              <a:t>Statistiky [online]. [cit. 2023-01-18]. Dostupné z: </a:t>
+            </a:r>
+            <a:r>
+              <a:rPr lang="it-IT" sz="1800" b="0" dirty="0">
+                <a:solidFill>
+                  <a:srgbClr val="FFC000"/>
+                </a:solidFill>
+                <a:effectLst/>
+                <a:latin typeface="Abadi Extra Light" panose="020B0604020202020204" pitchFamily="34" charset="0"/>
+                <a:hlinkClick r:id="rId9">
+                  <a:extLst>
+                    <a:ext uri="{A12FA001-AC4F-418D-AE19-62706E023703}">
+                      <ahyp:hlinkClr xmlns:ahyp="http://schemas.microsoft.com/office/drawing/2018/hyperlinkcolor" val="tx"/>
+                    </a:ext>
+                  </a:extLst>
+                </a:hlinkClick>
+              </a:rPr>
+              <a:t>https://stats.nic.cz/dashboard/cs/MojeID_mkt.html</a:t>
+            </a:r>
+            <a:endParaRPr lang="cs-CZ" sz="1800" b="0" dirty="0">
+              <a:solidFill>
+                <a:srgbClr val="FFC000"/>
+              </a:solidFill>
+              <a:effectLst/>
+              <a:latin typeface="Abadi Extra Light" panose="020B0604020202020204" pitchFamily="34" charset="0"/>
+            </a:endParaRPr>
+          </a:p>
+          <a:p>
+            <a:r>
+              <a:rPr lang="pl-PL" sz="1800" b="0" dirty="0">
+                <a:solidFill>
+                  <a:srgbClr val="FFC000"/>
+                </a:solidFill>
+                <a:effectLst/>
+                <a:latin typeface="Abadi Extra Light" panose="020B0604020202020204" pitchFamily="34" charset="0"/>
+              </a:rPr>
+              <a:t>MojeID [online]. [cit. 2023-01-19]. Dostupné z: </a:t>
+            </a:r>
+            <a:r>
+              <a:rPr lang="pl-PL" sz="1800" b="0" dirty="0">
+                <a:solidFill>
+                  <a:srgbClr val="FFC000"/>
+                </a:solidFill>
+                <a:effectLst/>
+                <a:latin typeface="Abadi Extra Light" panose="020B0604020202020204" pitchFamily="34" charset="0"/>
+                <a:hlinkClick r:id="rId10">
+                  <a:extLst>
+                    <a:ext uri="{A12FA001-AC4F-418D-AE19-62706E023703}">
+                      <ahyp:hlinkClr xmlns:ahyp="http://schemas.microsoft.com/office/drawing/2018/hyperlinkcolor" val="tx"/>
+                    </a:ext>
+                  </a:extLst>
+                </a:hlinkClick>
+              </a:rPr>
+              <a:t>https://www.mojeid.cz/cs/egovernment/vysoka/</a:t>
+            </a:r>
+            <a:endParaRPr lang="pl-PL" sz="1800" b="0" dirty="0">
+              <a:solidFill>
+                <a:srgbClr val="FFC000"/>
+              </a:solidFill>
+              <a:effectLst/>
+              <a:latin typeface="Abadi Extra Light" panose="020B0604020202020204" pitchFamily="34" charset="0"/>
+            </a:endParaRPr>
+          </a:p>
+          <a:p>
+            <a:r>
+              <a:rPr lang="cs-CZ" sz="1800" b="0" dirty="0" err="1">
+                <a:solidFill>
+                  <a:srgbClr val="FFC000"/>
+                </a:solidFill>
+                <a:effectLst/>
+                <a:latin typeface="Abadi Extra Light" panose="020B0604020202020204" pitchFamily="34" charset="0"/>
+              </a:rPr>
+              <a:t>MojeID</a:t>
+            </a:r>
+            <a:r>
+              <a:rPr lang="cs-CZ" sz="1800" b="0" dirty="0">
+                <a:solidFill>
+                  <a:srgbClr val="FFC000"/>
+                </a:solidFill>
+                <a:effectLst/>
+                <a:latin typeface="Abadi Extra Light" panose="020B0604020202020204" pitchFamily="34" charset="0"/>
+              </a:rPr>
+              <a:t> nejuniverzálnější česká elektronická identita [online]. [cit. 2023-01-19]. Dostupné z: https://www.egovernment.cz/soubor/mojeid-nejuniverzalnejsi-ceska-identita-jaromir-talir-cz-nic/</a:t>
+            </a:r>
+            <a:endParaRPr lang="cs-CZ" sz="1800" dirty="0">
+              <a:solidFill>
+                <a:srgbClr val="FFC000"/>
+              </a:solidFill>
+              <a:effectLst/>
+              <a:latin typeface="Abadi Extra Light" panose="020B0604020202020204" pitchFamily="34" charset="0"/>
+            </a:endParaRPr>
+          </a:p>
+          <a:p>
+            <a:r>
+              <a:rPr lang="cs-CZ" sz="1800" b="0" dirty="0">
+                <a:solidFill>
+                  <a:srgbClr val="FFC000"/>
+                </a:solidFill>
+                <a:effectLst/>
+                <a:latin typeface="Abadi Extra Light" panose="020B0604020202020204" pitchFamily="34" charset="0"/>
+              </a:rPr>
+              <a:t>Identifikační prostředky [online]. [cit. 2023-01-19]. Dostupné z: </a:t>
+            </a:r>
+            <a:r>
+              <a:rPr lang="cs-CZ" sz="1800" b="0" dirty="0">
+                <a:solidFill>
+                  <a:srgbClr val="FFC000"/>
+                </a:solidFill>
+                <a:effectLst/>
+                <a:latin typeface="Abadi Extra Light" panose="020B0604020202020204" pitchFamily="34" charset="0"/>
+                <a:hlinkClick r:id="rId11">
+                  <a:extLst>
+                    <a:ext uri="{A12FA001-AC4F-418D-AE19-62706E023703}">
+                      <ahyp:hlinkClr xmlns:ahyp="http://schemas.microsoft.com/office/drawing/2018/hyperlinkcolor" val="tx"/>
+                    </a:ext>
+                  </a:extLst>
+                </a:hlinkClick>
+              </a:rPr>
+              <a:t>https://info.identitaobcana.cz/idp/</a:t>
+            </a:r>
+            <a:endParaRPr lang="cs-CZ" sz="1800" b="0" dirty="0">
+              <a:solidFill>
+                <a:srgbClr val="FFC000"/>
+              </a:solidFill>
+              <a:effectLst/>
+              <a:latin typeface="Abadi Extra Light" panose="020B0604020202020204" pitchFamily="34" charset="0"/>
+            </a:endParaRPr>
+          </a:p>
+          <a:p>
+            <a:r>
+              <a:rPr lang="pl-PL" sz="1800" b="0" i="1" dirty="0">
+                <a:solidFill>
+                  <a:srgbClr val="FFC000"/>
+                </a:solidFill>
+                <a:effectLst/>
+                <a:latin typeface="Abadi Extra Light" panose="020B0604020202020204" pitchFamily="34" charset="0"/>
+              </a:rPr>
+              <a:t>CZC</a:t>
+            </a:r>
+            <a:r>
+              <a:rPr lang="pl-PL" sz="1800" b="0" i="0" dirty="0">
+                <a:solidFill>
+                  <a:srgbClr val="FFC000"/>
+                </a:solidFill>
+                <a:effectLst/>
+                <a:latin typeface="Abadi Extra Light" panose="020B0604020202020204" pitchFamily="34" charset="0"/>
+              </a:rPr>
+              <a:t> [online]. [cit. 2023-01-19]. Dostupné z: https://iczc.cz/9fhqdular6h508445fi0scenv5-1_2/obrazek</a:t>
+            </a:r>
+            <a:endParaRPr lang="pl-PL" sz="1800" dirty="0">
+              <a:solidFill>
+                <a:srgbClr val="FFC000"/>
+              </a:solidFill>
+              <a:latin typeface="Abadi Extra Light" panose="020B0604020202020204" pitchFamily="34" charset="0"/>
+            </a:endParaRPr>
+          </a:p>
+          <a:p>
+            <a:endParaRPr lang="cs-CZ" dirty="0"/>
+          </a:p>
+          <a:p>
+            <a:endParaRPr lang="pl-PL" i="1" dirty="0"/>
+          </a:p>
+          <a:p>
+            <a:endParaRPr lang="pl-PL" i="1" dirty="0"/>
+          </a:p>
+          <a:p>
+            <a:endParaRPr lang="pl-PL" sz="1800" i="1" dirty="0"/>
+          </a:p>
+          <a:p>
+            <a:endParaRPr lang="pl-PL" sz="1800" dirty="0"/>
+          </a:p>
+          <a:p>
+            <a:endParaRPr lang="pl-PL" dirty="0"/>
+          </a:p>
+          <a:p>
+            <a:endParaRPr lang="cs-CZ" dirty="0"/>
+          </a:p>
+        </p:txBody>
+      </p:sp>
+    </p:spTree>
+    <p:extLst>
+      <p:ext uri="{BB962C8B-B14F-4D97-AF65-F5344CB8AC3E}">
+        <p14:creationId xmlns:p14="http://schemas.microsoft.com/office/powerpoint/2010/main" val="3510580717"/>
+      </p:ext>
+    </p:extLst>
+  </p:cSld>
+  <p:clrMapOvr>
+    <a:masterClrMapping/>
+  </p:clrMapOvr>
+</p:sld>
+</file>
+
+<file path=ppt/slides/slide15.xml><?xml version="1.0" encoding="utf-8"?>
+<p:sld xmlns:a="http://schemas.openxmlformats.org/drawingml/2006/main" xmlns:r="http://schemas.openxmlformats.org/officeDocument/2006/relationships" xmlns:p="http://schemas.openxmlformats.org/presentationml/2006/main">
+  <p:cSld>
+    <p:spTree>
+      <p:nvGrpSpPr>
+        <p:cNvPr id="1" name=""/>
+        <p:cNvGrpSpPr/>
+        <p:nvPr/>
+      </p:nvGrpSpPr>
+      <p:grpSpPr>
+        <a:xfrm>
+          <a:off x="0" y="0"/>
+          <a:ext cx="0" cy="0"/>
+          <a:chOff x="0" y="0"/>
+          <a:chExt cx="0" cy="0"/>
+        </a:xfrm>
+      </p:grpSpPr>
+      <p:sp>
+        <p:nvSpPr>
+          <p:cNvPr id="2" name="Nadpis 1">
+            <a:extLst>
+              <a:ext uri="{FF2B5EF4-FFF2-40B4-BE49-F238E27FC236}">
                 <a16:creationId xmlns:a16="http://schemas.microsoft.com/office/drawing/2014/main" id="{DF84E592-25E5-455F-A680-48A09B2775FD}"/>
               </a:ext>
             </a:extLst>
@@ -7736,16 +9096,27 @@
         <p:spPr>
           <a:xfrm>
             <a:off x="2895600" y="764373"/>
-            <a:ext cx="2244571" cy="1293028"/>
-          </a:xfrm>
-        </p:spPr>
-        <p:txBody>
-          <a:bodyPr/>
-          <a:lstStyle/>
-          <a:p>
+            <a:ext cx="7509029" cy="1304124"/>
+          </a:xfrm>
+        </p:spPr>
+        <p:txBody>
+          <a:bodyPr>
+            <a:normAutofit/>
+          </a:bodyPr>
+          <a:lstStyle/>
+          <a:p>
+            <a:pPr algn="ctr"/>
             <a:r>
               <a:rPr lang="cs-CZ" dirty="0" err="1"/>
-              <a:t>GitHUB</a:t>
+              <a:t>Github</a:t>
+            </a:r>
+            <a:r>
+              <a:rPr lang="cs-CZ" dirty="0"/>
+              <a:t> </a:t>
+            </a:r>
+            <a:r>
+              <a:rPr lang="cs-CZ" dirty="0" err="1"/>
+              <a:t>repozitář</a:t>
             </a:r>
             <a:endParaRPr lang="cs-CZ" dirty="0"/>
           </a:p>
@@ -7772,7 +9143,13 @@
           <a:bodyPr/>
           <a:lstStyle/>
           <a:p>
-            <a:endParaRPr lang="cs-CZ"/>
+            <a:pPr marL="0" indent="0">
+              <a:buNone/>
+            </a:pPr>
+            <a:r>
+              <a:rPr lang="cs-CZ" dirty="0"/>
+              <a:t>https://github.com/teenyRadekr/MojeID</a:t>
+            </a:r>
           </a:p>
         </p:txBody>
       </p:sp>
@@ -7948,6 +9325,18 @@
   <p:clrMapOvr>
     <a:masterClrMapping/>
   </p:clrMapOvr>
+  <mc:AlternateContent xmlns:mc="http://schemas.openxmlformats.org/markup-compatibility/2006">
+    <mc:Choice xmlns:p14="http://schemas.microsoft.com/office/powerpoint/2010/main" Requires="p14">
+      <p:transition spd="slow" p14:dur="1500">
+        <p:split orient="vert"/>
+      </p:transition>
+    </mc:Choice>
+    <mc:Fallback>
+      <p:transition spd="slow">
+        <p:split orient="vert"/>
+      </p:transition>
+    </mc:Fallback>
+  </mc:AlternateContent>
 </p:sld>
 </file>
 
@@ -8134,10 +9523,40 @@
       </p:grpSpPr>
       <p:sp>
         <p:nvSpPr>
+          <p:cNvPr id="2" name="Nadpis 1">
+            <a:extLst>
+              <a:ext uri="{FF2B5EF4-FFF2-40B4-BE49-F238E27FC236}">
+                <a16:creationId xmlns:a16="http://schemas.microsoft.com/office/drawing/2014/main" id="{9CE82682-A86E-FE9F-7525-340C2B7D4AFC}"/>
+              </a:ext>
+            </a:extLst>
+          </p:cNvPr>
+          <p:cNvSpPr>
+            <a:spLocks noGrp="1"/>
+          </p:cNvSpPr>
+          <p:nvPr>
+            <p:ph type="title"/>
+          </p:nvPr>
+        </p:nvSpPr>
+        <p:spPr>
+          <a:xfrm>
+            <a:off x="2469472" y="763450"/>
+            <a:ext cx="8610600" cy="1295400"/>
+          </a:xfrm>
+        </p:spPr>
+        <p:txBody>
+          <a:bodyPr/>
+          <a:lstStyle/>
+          <a:p>
+            <a:endParaRPr lang="cs-CZ" dirty="0"/>
+          </a:p>
+        </p:txBody>
+      </p:sp>
+      <p:sp>
+        <p:nvSpPr>
           <p:cNvPr id="3" name="Zástupný text 2">
             <a:extLst>
               <a:ext uri="{FF2B5EF4-FFF2-40B4-BE49-F238E27FC236}">
-                <a16:creationId xmlns:a16="http://schemas.microsoft.com/office/drawing/2014/main" id="{C2D5398B-5064-9538-A9B4-8C21EF5C5830}"/>
+                <a16:creationId xmlns:a16="http://schemas.microsoft.com/office/drawing/2014/main" id="{C48CB9EE-8B49-D00F-A27B-EE0F1C829B72}"/>
               </a:ext>
             </a:extLst>
           </p:cNvPr>
@@ -8148,56 +9567,58 @@
             <p:ph type="body" idx="1"/>
           </p:nvPr>
         </p:nvSpPr>
-        <p:spPr>
-          <a:xfrm>
-            <a:off x="685800" y="1509099"/>
-            <a:ext cx="5311775" cy="823912"/>
-          </a:xfrm>
-        </p:spPr>
+        <p:spPr/>
         <p:txBody>
           <a:bodyPr/>
           <a:lstStyle/>
           <a:p>
+            <a:r>
+              <a:rPr lang="cs-CZ" dirty="0"/>
+              <a:t>Bez </a:t>
+            </a:r>
+            <a:r>
+              <a:rPr lang="cs-CZ" dirty="0" err="1"/>
+              <a:t>MojeID</a:t>
+            </a:r>
             <a:endParaRPr lang="cs-CZ" dirty="0"/>
           </a:p>
         </p:txBody>
       </p:sp>
-      <p:sp>
-        <p:nvSpPr>
-          <p:cNvPr id="4" name="Zástupný obsah 3">
+      <p:pic>
+        <p:nvPicPr>
+          <p:cNvPr id="8" name="Zástupný obsah 7">
             <a:extLst>
               <a:ext uri="{FF2B5EF4-FFF2-40B4-BE49-F238E27FC236}">
-                <a16:creationId xmlns:a16="http://schemas.microsoft.com/office/drawing/2014/main" id="{C6137AD0-004B-501A-CAC5-5734360E816E}"/>
+                <a16:creationId xmlns:a16="http://schemas.microsoft.com/office/drawing/2014/main" id="{92C1CDB1-0A80-B576-F76E-E969187869F7}"/>
               </a:ext>
             </a:extLst>
           </p:cNvPr>
-          <p:cNvSpPr>
-            <a:spLocks noGrp="1"/>
-          </p:cNvSpPr>
+          <p:cNvPicPr>
+            <a:picLocks noGrp="1" noChangeAspect="1"/>
+          </p:cNvPicPr>
           <p:nvPr>
             <p:ph sz="half" idx="2"/>
           </p:nvPr>
-        </p:nvSpPr>
+        </p:nvPicPr>
+        <p:blipFill>
+          <a:blip r:embed="rId2"/>
+          <a:stretch>
+            <a:fillRect/>
+          </a:stretch>
+        </p:blipFill>
         <p:spPr>
           <a:xfrm>
-            <a:off x="685800" y="2457963"/>
-            <a:ext cx="5311775" cy="3086019"/>
-          </a:xfrm>
-        </p:spPr>
-        <p:txBody>
-          <a:bodyPr/>
-          <a:lstStyle/>
-          <a:p>
-            <a:endParaRPr lang="cs-CZ"/>
-          </a:p>
-        </p:txBody>
-      </p:sp>
+            <a:off x="336395" y="3083995"/>
+            <a:ext cx="5311775" cy="3010555"/>
+          </a:xfrm>
+        </p:spPr>
+      </p:pic>
       <p:sp>
         <p:nvSpPr>
           <p:cNvPr id="5" name="Zástupný text 4">
             <a:extLst>
               <a:ext uri="{FF2B5EF4-FFF2-40B4-BE49-F238E27FC236}">
-                <a16:creationId xmlns:a16="http://schemas.microsoft.com/office/drawing/2014/main" id="{8D82500E-0DCE-4F8F-9E85-2DDC2F1E6C8E}"/>
+                <a16:creationId xmlns:a16="http://schemas.microsoft.com/office/drawing/2014/main" id="{38883B2E-4C6A-C669-D153-62AE20CC5C8B}"/>
               </a:ext>
             </a:extLst>
           </p:cNvPr>
@@ -8208,54 +9629,59 @@
             <p:ph type="body" sz="quarter" idx="3"/>
           </p:nvPr>
         </p:nvSpPr>
-        <p:spPr>
-          <a:xfrm>
-            <a:off x="6286499" y="1535627"/>
-            <a:ext cx="5333999" cy="823912"/>
-          </a:xfrm>
-        </p:spPr>
+        <p:spPr/>
         <p:txBody>
           <a:bodyPr/>
           <a:lstStyle/>
           <a:p>
+            <a:r>
+              <a:rPr lang="cs-CZ" dirty="0"/>
+              <a:t>S </a:t>
+            </a:r>
+            <a:r>
+              <a:rPr lang="cs-CZ" dirty="0" err="1"/>
+              <a:t>MojeID</a:t>
+            </a:r>
             <a:endParaRPr lang="cs-CZ" dirty="0"/>
           </a:p>
         </p:txBody>
       </p:sp>
-      <p:sp>
-        <p:nvSpPr>
-          <p:cNvPr id="6" name="Zástupný obsah 5">
+      <p:pic>
+        <p:nvPicPr>
+          <p:cNvPr id="11" name="Zástupný obsah 10">
             <a:extLst>
               <a:ext uri="{FF2B5EF4-FFF2-40B4-BE49-F238E27FC236}">
-                <a16:creationId xmlns:a16="http://schemas.microsoft.com/office/drawing/2014/main" id="{1D339B78-1E1E-E624-B9FD-2D2CD2D456CA}"/>
+                <a16:creationId xmlns:a16="http://schemas.microsoft.com/office/drawing/2014/main" id="{63B332EC-8C66-C0CE-7540-DE2B2FF27D35}"/>
               </a:ext>
             </a:extLst>
           </p:cNvPr>
-          <p:cNvSpPr>
-            <a:spLocks noGrp="1"/>
-          </p:cNvSpPr>
+          <p:cNvPicPr>
+            <a:picLocks noGrp="1" noChangeAspect="1"/>
+          </p:cNvPicPr>
           <p:nvPr>
             <p:ph sz="quarter" idx="4"/>
           </p:nvPr>
-        </p:nvSpPr>
+        </p:nvPicPr>
+        <p:blipFill>
+          <a:blip r:embed="rId3"/>
+          <a:stretch>
+            <a:fillRect/>
+          </a:stretch>
+        </p:blipFill>
         <p:spPr>
           <a:xfrm>
-            <a:off x="6286500" y="2457963"/>
-            <a:ext cx="5334000" cy="3086019"/>
-          </a:xfrm>
-        </p:spPr>
-        <p:txBody>
-          <a:bodyPr/>
-          <a:lstStyle/>
-          <a:p>
-            <a:endParaRPr lang="cs-CZ" dirty="0"/>
-          </a:p>
-        </p:txBody>
-      </p:sp>
+            <a:off x="6400800" y="3083995"/>
+            <a:ext cx="5311775" cy="2903214"/>
+          </a:xfrm>
+          <a:prstGeom prst="rect">
+            <a:avLst/>
+          </a:prstGeom>
+        </p:spPr>
+      </p:pic>
     </p:spTree>
     <p:extLst>
       <p:ext uri="{BB962C8B-B14F-4D97-AF65-F5344CB8AC3E}">
-        <p14:creationId xmlns:p14="http://schemas.microsoft.com/office/powerpoint/2010/main" val="4091216766"/>
+        <p14:creationId xmlns:p14="http://schemas.microsoft.com/office/powerpoint/2010/main" val="703548906"/>
       </p:ext>
     </p:extLst>
   </p:cSld>
@@ -8341,6 +9767,9 @@
               <a:rPr lang="cs-CZ" sz="2400" dirty="0"/>
               <a:t>Autentizace</a:t>
             </a:r>
+          </a:p>
+          <a:p>
+            <a:endParaRPr lang="cs-CZ" sz="2400" dirty="0"/>
           </a:p>
           <a:p>
             <a:endParaRPr lang="cs-CZ" sz="2400" dirty="0"/>
@@ -8617,14 +10046,6 @@
 <file path=ppt/slides/slide8.xml><?xml version="1.0" encoding="utf-8"?>
 <p:sld xmlns:a="http://schemas.openxmlformats.org/drawingml/2006/main" xmlns:r="http://schemas.openxmlformats.org/officeDocument/2006/relationships" xmlns:p="http://schemas.openxmlformats.org/presentationml/2006/main">
   <p:cSld>
-    <p:bg>
-      <p:bgPr>
-        <a:solidFill>
-          <a:schemeClr val="bg1"/>
-        </a:solidFill>
-        <a:effectLst/>
-      </p:bgPr>
-    </p:bg>
     <p:spTree>
       <p:nvGrpSpPr>
         <p:cNvPr id="1" name=""/>
@@ -8641,172 +10062,98 @@
       </p:grpSpPr>
       <p:sp>
         <p:nvSpPr>
-          <p:cNvPr id="9" name="Rectangle 8">
+          <p:cNvPr id="2" name="Nadpis 1">
             <a:extLst>
               <a:ext uri="{FF2B5EF4-FFF2-40B4-BE49-F238E27FC236}">
-                <a16:creationId xmlns:a16="http://schemas.microsoft.com/office/drawing/2014/main" id="{1EA5387D-64D8-4D6C-B109-FF4E81DF609A}"/>
-              </a:ext>
-              <a:ext uri="{C183D7F6-B498-43B3-948B-1728B52AA6E4}">
-                <adec:decorative xmlns:adec="http://schemas.microsoft.com/office/drawing/2017/decorative" val="1"/>
+                <a16:creationId xmlns:a16="http://schemas.microsoft.com/office/drawing/2014/main" id="{D8155F59-ABA7-640D-000A-B7FC28DB0303}"/>
               </a:ext>
             </a:extLst>
           </p:cNvPr>
           <p:cNvSpPr>
-            <a:spLocks noGrp="1" noRot="1" noChangeAspect="1" noMove="1" noResize="1" noEditPoints="1" noAdjustHandles="1" noChangeArrowheads="1" noChangeShapeType="1" noTextEdit="1"/>
-          </p:cNvSpPr>
-          <p:nvPr>
-            <p:extLst>
-              <p:ext uri="{386F3935-93C4-4BCD-93E2-E3B085C9AB24}">
-                <p16:designElem xmlns:p16="http://schemas.microsoft.com/office/powerpoint/2015/main" val="1"/>
-              </p:ext>
-            </p:extLst>
+            <a:spLocks noGrp="1"/>
+          </p:cNvSpPr>
+          <p:nvPr>
+            <p:ph type="title"/>
           </p:nvPr>
         </p:nvSpPr>
         <p:spPr>
           <a:xfrm>
-            <a:off x="0" y="0"/>
-            <a:ext cx="12192000" cy="6858000"/>
-          </a:xfrm>
-          <a:prstGeom prst="rect">
-            <a:avLst/>
-          </a:prstGeom>
-          <a:solidFill>
-            <a:schemeClr val="bg1"/>
-          </a:solidFill>
-          <a:ln>
-            <a:noFill/>
-          </a:ln>
-        </p:spPr>
-        <p:style>
-          <a:lnRef idx="2">
-            <a:schemeClr val="accent1">
-              <a:shade val="50000"/>
-            </a:schemeClr>
-          </a:lnRef>
-          <a:fillRef idx="1">
-            <a:schemeClr val="accent1"/>
-          </a:fillRef>
-          <a:effectRef idx="0">
-            <a:schemeClr val="accent1"/>
-          </a:effectRef>
-          <a:fontRef idx="minor">
-            <a:schemeClr val="lt1"/>
-          </a:fontRef>
-        </p:style>
-        <p:txBody>
-          <a:bodyPr rtlCol="0" anchor="ctr"/>
-          <a:lstStyle/>
-          <a:p>
-            <a:pPr algn="ctr"/>
-            <a:endParaRPr lang="en-US"/>
-          </a:p>
-        </p:txBody>
-      </p:sp>
-      <p:pic>
-        <p:nvPicPr>
-          <p:cNvPr id="5" name="Picture 4" descr="Abstraktní pozadí s částicemi a grafem">
+            <a:off x="2824578" y="1261523"/>
+            <a:ext cx="8610600" cy="1293028"/>
+          </a:xfrm>
+        </p:spPr>
+        <p:txBody>
+          <a:bodyPr/>
+          <a:lstStyle/>
+          <a:p>
+            <a:r>
+              <a:rPr lang="cs-CZ" dirty="0"/>
+              <a:t>Úrovně záruky identifikačních prostředků</a:t>
+            </a:r>
+          </a:p>
+        </p:txBody>
+      </p:sp>
+      <p:sp>
+        <p:nvSpPr>
+          <p:cNvPr id="3" name="Zástupný obsah 2">
             <a:extLst>
               <a:ext uri="{FF2B5EF4-FFF2-40B4-BE49-F238E27FC236}">
-                <a16:creationId xmlns:a16="http://schemas.microsoft.com/office/drawing/2014/main" id="{A310D6CF-06F2-4C13-F388-476D3534B2B3}"/>
+                <a16:creationId xmlns:a16="http://schemas.microsoft.com/office/drawing/2014/main" id="{E42C5C52-2FC0-A477-A829-0577245E9D31}"/>
               </a:ext>
             </a:extLst>
           </p:cNvPr>
-          <p:cNvPicPr>
-            <a:picLocks noChangeAspect="1"/>
-          </p:cNvPicPr>
-          <p:nvPr/>
-        </p:nvPicPr>
-        <p:blipFill rotWithShape="1">
-          <a:blip r:embed="rId3">
-            <a:alphaModFix amt="30000"/>
-          </a:blip>
-          <a:srcRect t="15730"/>
-          <a:stretch/>
-        </p:blipFill>
-        <p:spPr>
-          <a:xfrm>
-            <a:off x="20" y="10"/>
-            <a:ext cx="12191980" cy="6857990"/>
-          </a:xfrm>
-          <a:prstGeom prst="rect">
-            <a:avLst/>
-          </a:prstGeom>
-        </p:spPr>
-      </p:pic>
-      <p:sp>
-        <p:nvSpPr>
-          <p:cNvPr id="2" name="Nadpis 1">
-            <a:extLst>
-              <a:ext uri="{FF2B5EF4-FFF2-40B4-BE49-F238E27FC236}">
-                <a16:creationId xmlns:a16="http://schemas.microsoft.com/office/drawing/2014/main" id="{9AA02948-EAA1-2EE6-6FFE-2267E94B2FC2}"/>
-              </a:ext>
-            </a:extLst>
-          </p:cNvPr>
-          <p:cNvSpPr>
-            <a:spLocks noGrp="1"/>
-          </p:cNvSpPr>
-          <p:nvPr>
-            <p:ph type="title"/>
-          </p:nvPr>
-        </p:nvSpPr>
-        <p:spPr>
-          <a:xfrm>
-            <a:off x="-220823" y="639315"/>
-            <a:ext cx="8610600" cy="1293028"/>
-          </a:xfrm>
-        </p:spPr>
+          <p:cNvSpPr>
+            <a:spLocks noGrp="1"/>
+          </p:cNvSpPr>
+          <p:nvPr>
+            <p:ph idx="1"/>
+          </p:nvPr>
+        </p:nvSpPr>
+        <p:spPr/>
         <p:txBody>
           <a:bodyPr>
-            <a:normAutofit/>
+            <a:normAutofit fontScale="92500" lnSpcReduction="20000"/>
           </a:bodyPr>
           <a:lstStyle/>
           <a:p>
-            <a:r>
-              <a:rPr lang="cs-CZ" sz="6000" dirty="0"/>
-              <a:t>Čísla, statistiky</a:t>
-            </a:r>
-          </a:p>
-        </p:txBody>
-      </p:sp>
-      <p:pic>
-        <p:nvPicPr>
-          <p:cNvPr id="6" name="Zástupný obsah 5">
-            <a:extLst>
-              <a:ext uri="{FF2B5EF4-FFF2-40B4-BE49-F238E27FC236}">
-                <a16:creationId xmlns:a16="http://schemas.microsoft.com/office/drawing/2014/main" id="{BCDAAE44-DE72-5520-AE2A-D93D116AAFD8}"/>
-              </a:ext>
-            </a:extLst>
-          </p:cNvPr>
-          <p:cNvPicPr>
-            <a:picLocks noGrp="1" noChangeAspect="1"/>
-          </p:cNvPicPr>
-          <p:nvPr>
-            <p:ph idx="1"/>
-          </p:nvPr>
-        </p:nvPicPr>
-        <p:blipFill>
-          <a:blip r:embed="rId4">
-            <a:extLst>
-              <a:ext uri="{28A0092B-C50C-407E-A947-70E740481C1C}">
-                <a14:useLocalDpi xmlns:a14="http://schemas.microsoft.com/office/drawing/2010/main" val="0"/>
-              </a:ext>
-            </a:extLst>
-          </a:blip>
-          <a:stretch>
-            <a:fillRect/>
-          </a:stretch>
-        </p:blipFill>
-        <p:spPr>
-          <a:xfrm>
-            <a:off x="273504" y="2333016"/>
-            <a:ext cx="11324644" cy="4094417"/>
-          </a:xfrm>
-        </p:spPr>
-      </p:pic>
+            <a:endParaRPr lang="cs-CZ" dirty="0"/>
+          </a:p>
+          <a:p>
+            <a:r>
+              <a:rPr lang="cs-CZ" sz="3600" dirty="0"/>
+              <a:t>Nízká</a:t>
+            </a:r>
+          </a:p>
+          <a:p>
+            <a:endParaRPr lang="cs-CZ" sz="3600" dirty="0"/>
+          </a:p>
+          <a:p>
+            <a:endParaRPr lang="cs-CZ" sz="3600" dirty="0"/>
+          </a:p>
+          <a:p>
+            <a:r>
+              <a:rPr lang="cs-CZ" sz="3600" dirty="0"/>
+              <a:t>Značná</a:t>
+            </a:r>
+          </a:p>
+          <a:p>
+            <a:endParaRPr lang="cs-CZ" sz="3600" dirty="0"/>
+          </a:p>
+          <a:p>
+            <a:endParaRPr lang="cs-CZ" sz="3600" dirty="0"/>
+          </a:p>
+          <a:p>
+            <a:r>
+              <a:rPr lang="cs-CZ" sz="3600" dirty="0"/>
+              <a:t>Vysoká</a:t>
+            </a:r>
+          </a:p>
+        </p:txBody>
+      </p:sp>
     </p:spTree>
     <p:extLst>
       <p:ext uri="{BB962C8B-B14F-4D97-AF65-F5344CB8AC3E}">
-        <p14:creationId xmlns:p14="http://schemas.microsoft.com/office/powerpoint/2010/main" val="2102620045"/>
+        <p14:creationId xmlns:p14="http://schemas.microsoft.com/office/powerpoint/2010/main" val="4205722488"/>
       </p:ext>
     </p:extLst>
   </p:cSld>
@@ -8819,14 +10166,6 @@
 <file path=ppt/slides/slide9.xml><?xml version="1.0" encoding="utf-8"?>
 <p:sld xmlns:a="http://schemas.openxmlformats.org/drawingml/2006/main" xmlns:r="http://schemas.openxmlformats.org/officeDocument/2006/relationships" xmlns:p="http://schemas.openxmlformats.org/presentationml/2006/main">
   <p:cSld>
-    <p:bg>
-      <p:bgPr>
-        <a:solidFill>
-          <a:schemeClr val="bg1"/>
-        </a:solidFill>
-        <a:effectLst/>
-      </p:bgPr>
-    </p:bg>
     <p:spTree>
       <p:nvGrpSpPr>
         <p:cNvPr id="1" name=""/>
@@ -8841,217 +10180,461 @@
           <a:chExt cx="0" cy="0"/>
         </a:xfrm>
       </p:grpSpPr>
-      <p:sp>
-        <p:nvSpPr>
-          <p:cNvPr id="9" name="Rectangle 8">
+      <p:pic>
+        <p:nvPicPr>
+          <p:cNvPr id="9" name="Picture 2" descr="GoTrust Idem Key - USB/NFC bezpečnostní klíč_1830613887">
             <a:extLst>
               <a:ext uri="{FF2B5EF4-FFF2-40B4-BE49-F238E27FC236}">
-                <a16:creationId xmlns:a16="http://schemas.microsoft.com/office/drawing/2014/main" id="{1EA5387D-64D8-4D6C-B109-FF4E81DF609A}"/>
-              </a:ext>
-              <a:ext uri="{C183D7F6-B498-43B3-948B-1728B52AA6E4}">
-                <adec:decorative xmlns:adec="http://schemas.microsoft.com/office/drawing/2017/decorative" val="1"/>
-              </a:ext>
-            </a:extLst>
-          </p:cNvPr>
-          <p:cNvSpPr>
-            <a:spLocks noGrp="1" noRot="1" noChangeAspect="1" noMove="1" noResize="1" noEditPoints="1" noAdjustHandles="1" noChangeArrowheads="1" noChangeShapeType="1" noTextEdit="1"/>
-          </p:cNvSpPr>
-          <p:nvPr>
-            <p:extLst>
-              <p:ext uri="{386F3935-93C4-4BCD-93E2-E3B085C9AB24}">
-                <p16:designElem xmlns:p16="http://schemas.microsoft.com/office/powerpoint/2015/main" val="1"/>
-              </p:ext>
-            </p:extLst>
-          </p:nvPr>
-        </p:nvSpPr>
-        <p:spPr>
-          <a:xfrm>
-            <a:off x="0" y="0"/>
-            <a:ext cx="12192000" cy="6858000"/>
-          </a:xfrm>
-          <a:prstGeom prst="rect">
-            <a:avLst/>
-          </a:prstGeom>
-          <a:solidFill>
-            <a:schemeClr val="bg1"/>
-          </a:solidFill>
-          <a:ln>
-            <a:noFill/>
-          </a:ln>
-        </p:spPr>
-        <p:style>
-          <a:lnRef idx="2">
-            <a:schemeClr val="accent1">
-              <a:shade val="50000"/>
-            </a:schemeClr>
-          </a:lnRef>
-          <a:fillRef idx="1">
-            <a:schemeClr val="accent1"/>
-          </a:fillRef>
-          <a:effectRef idx="0">
-            <a:schemeClr val="accent1"/>
-          </a:effectRef>
-          <a:fontRef idx="minor">
-            <a:schemeClr val="lt1"/>
-          </a:fontRef>
-        </p:style>
-        <p:txBody>
-          <a:bodyPr rtlCol="0" anchor="ctr"/>
-          <a:lstStyle/>
-          <a:p>
-            <a:pPr algn="ctr"/>
-            <a:endParaRPr lang="en-US"/>
-          </a:p>
-        </p:txBody>
-      </p:sp>
-      <p:pic>
-        <p:nvPicPr>
-          <p:cNvPr id="5" name="Picture 4" descr="Abstraktní pozadí s částicemi a grafem">
-            <a:extLst>
-              <a:ext uri="{FF2B5EF4-FFF2-40B4-BE49-F238E27FC236}">
-                <a16:creationId xmlns:a16="http://schemas.microsoft.com/office/drawing/2014/main" id="{A310D6CF-06F2-4C13-F388-476D3534B2B3}"/>
+                <a16:creationId xmlns:a16="http://schemas.microsoft.com/office/drawing/2014/main" id="{8960368D-3A58-34B1-59EF-F9F01CCF6F5E}"/>
               </a:ext>
             </a:extLst>
           </p:cNvPr>
           <p:cNvPicPr>
-            <a:picLocks noChangeAspect="1"/>
-          </p:cNvPicPr>
-          <p:nvPr/>
-        </p:nvPicPr>
-        <p:blipFill rotWithShape="1">
-          <a:blip r:embed="rId3">
-            <a:alphaModFix amt="30000"/>
-          </a:blip>
-          <a:srcRect t="15730"/>
-          <a:stretch/>
-        </p:blipFill>
-        <p:spPr>
-          <a:xfrm>
-            <a:off x="0" y="10"/>
-            <a:ext cx="12191980" cy="6857990"/>
-          </a:xfrm>
-          <a:prstGeom prst="rect">
-            <a:avLst/>
-          </a:prstGeom>
-        </p:spPr>
-      </p:pic>
-      <p:sp>
-        <p:nvSpPr>
-          <p:cNvPr id="2" name="Nadpis 1">
-            <a:extLst>
-              <a:ext uri="{FF2B5EF4-FFF2-40B4-BE49-F238E27FC236}">
-                <a16:creationId xmlns:a16="http://schemas.microsoft.com/office/drawing/2014/main" id="{9AA02948-EAA1-2EE6-6FFE-2267E94B2FC2}"/>
-              </a:ext>
-            </a:extLst>
-          </p:cNvPr>
-          <p:cNvSpPr>
-            <a:spLocks noGrp="1"/>
-          </p:cNvSpPr>
-          <p:nvPr>
-            <p:ph type="title"/>
-          </p:nvPr>
-        </p:nvSpPr>
-        <p:spPr>
-          <a:xfrm>
-            <a:off x="-220823" y="639315"/>
-            <a:ext cx="8610600" cy="1293028"/>
-          </a:xfrm>
-        </p:spPr>
-        <p:txBody>
-          <a:bodyPr>
-            <a:normAutofit/>
-          </a:bodyPr>
-          <a:lstStyle/>
-          <a:p>
-            <a:r>
-              <a:rPr lang="cs-CZ" sz="6000" dirty="0"/>
-              <a:t>Čísla, statistiky</a:t>
-            </a:r>
-          </a:p>
-        </p:txBody>
-      </p:sp>
-      <p:sp>
-        <p:nvSpPr>
-          <p:cNvPr id="4" name="Zástupný obsah 3">
-            <a:extLst>
-              <a:ext uri="{FF2B5EF4-FFF2-40B4-BE49-F238E27FC236}">
-                <a16:creationId xmlns:a16="http://schemas.microsoft.com/office/drawing/2014/main" id="{80B1F9C0-C107-611D-62D0-3FF5995709BA}"/>
-              </a:ext>
-            </a:extLst>
-          </p:cNvPr>
-          <p:cNvSpPr>
-            <a:spLocks noGrp="1"/>
-          </p:cNvSpPr>
-          <p:nvPr>
-            <p:ph idx="1"/>
-          </p:nvPr>
-        </p:nvSpPr>
-        <p:spPr/>
-        <p:txBody>
-          <a:bodyPr/>
-          <a:lstStyle/>
-          <a:p>
-            <a:r>
-              <a:rPr lang="cs-CZ" sz="2800" dirty="0"/>
-              <a:t>Celkový počet </a:t>
-            </a:r>
-            <a:r>
-              <a:rPr lang="cs-CZ" sz="2800" dirty="0" err="1"/>
-              <a:t>příhlášených</a:t>
-            </a:r>
-            <a:r>
-              <a:rPr lang="cs-CZ" sz="2800" dirty="0"/>
-              <a:t>- 936 796</a:t>
-            </a:r>
-          </a:p>
-          <a:p>
-            <a:endParaRPr lang="cs-CZ" sz="2800" dirty="0"/>
-          </a:p>
-          <a:p>
-            <a:endParaRPr lang="cs-CZ" sz="2800" dirty="0"/>
-          </a:p>
-          <a:p>
-            <a:endParaRPr lang="cs-CZ" dirty="0"/>
-          </a:p>
-          <a:p>
-            <a:endParaRPr lang="cs-CZ" dirty="0"/>
-          </a:p>
-        </p:txBody>
-      </p:sp>
-      <p:pic>
-        <p:nvPicPr>
-          <p:cNvPr id="8" name="Obrázek 7">
-            <a:extLst>
-              <a:ext uri="{FF2B5EF4-FFF2-40B4-BE49-F238E27FC236}">
-                <a16:creationId xmlns:a16="http://schemas.microsoft.com/office/drawing/2014/main" id="{B019B92F-0B59-A5D6-B9D8-106A3E475148}"/>
-              </a:ext>
-            </a:extLst>
-          </p:cNvPr>
-          <p:cNvPicPr>
-            <a:picLocks noChangeAspect="1"/>
+            <a:picLocks noChangeAspect="1" noChangeArrowheads="1"/>
           </p:cNvPicPr>
           <p:nvPr/>
         </p:nvPicPr>
         <p:blipFill>
-          <a:blip r:embed="rId4"/>
+          <a:blip r:embed="rId3">
+            <a:extLst>
+              <a:ext uri="{28A0092B-C50C-407E-A947-70E740481C1C}">
+                <a14:useLocalDpi xmlns:a14="http://schemas.microsoft.com/office/drawing/2010/main" val="0"/>
+              </a:ext>
+            </a:extLst>
+          </a:blip>
+          <a:srcRect/>
           <a:stretch>
             <a:fillRect/>
           </a:stretch>
         </p:blipFill>
-        <p:spPr>
-          <a:xfrm>
-            <a:off x="6220873" y="3346740"/>
-            <a:ext cx="4601217" cy="3134162"/>
+        <p:spPr bwMode="auto">
+          <a:xfrm>
+            <a:off x="7343868" y="3923346"/>
+            <a:ext cx="2095500" cy="1905000"/>
           </a:xfrm>
           <a:prstGeom prst="rect">
             <a:avLst/>
           </a:prstGeom>
+          <a:noFill/>
+          <a:extLst>
+            <a:ext uri="{909E8E84-426E-40DD-AFC4-6F175D3DCCD1}">
+              <a14:hiddenFill xmlns:a14="http://schemas.microsoft.com/office/drawing/2010/main">
+                <a:solidFill>
+                  <a:srgbClr val="FFFFFF"/>
+                </a:solidFill>
+              </a14:hiddenFill>
+            </a:ext>
+          </a:extLst>
         </p:spPr>
       </p:pic>
+      <p:sp>
+        <p:nvSpPr>
+          <p:cNvPr id="2" name="Nadpis 1">
+            <a:extLst>
+              <a:ext uri="{FF2B5EF4-FFF2-40B4-BE49-F238E27FC236}">
+                <a16:creationId xmlns:a16="http://schemas.microsoft.com/office/drawing/2014/main" id="{F8597491-52BC-142D-7B06-83E68171F6DA}"/>
+              </a:ext>
+            </a:extLst>
+          </p:cNvPr>
+          <p:cNvSpPr>
+            <a:spLocks noGrp="1"/>
+          </p:cNvSpPr>
+          <p:nvPr>
+            <p:ph type="title"/>
+          </p:nvPr>
+        </p:nvSpPr>
+        <p:spPr/>
+        <p:txBody>
+          <a:bodyPr/>
+          <a:lstStyle/>
+          <a:p>
+            <a:pPr algn="ctr"/>
+            <a:r>
+              <a:rPr lang="cs-CZ" dirty="0"/>
+              <a:t>Jakým Bezpečnostním klíčem zabezpečit účet </a:t>
+            </a:r>
+            <a:r>
+              <a:rPr lang="cs-CZ" dirty="0" err="1"/>
+              <a:t>MojeID</a:t>
+            </a:r>
+            <a:r>
+              <a:rPr lang="cs-CZ" dirty="0"/>
+              <a:t>?</a:t>
+            </a:r>
+          </a:p>
+        </p:txBody>
+      </p:sp>
+      <p:sp>
+        <p:nvSpPr>
+          <p:cNvPr id="3" name="Zástupný text 2">
+            <a:extLst>
+              <a:ext uri="{FF2B5EF4-FFF2-40B4-BE49-F238E27FC236}">
+                <a16:creationId xmlns:a16="http://schemas.microsoft.com/office/drawing/2014/main" id="{EA651F2E-37BD-7AD0-0CD7-51229FB47C58}"/>
+              </a:ext>
+            </a:extLst>
+          </p:cNvPr>
+          <p:cNvSpPr>
+            <a:spLocks noGrp="1"/>
+          </p:cNvSpPr>
+          <p:nvPr>
+            <p:ph type="body" idx="1"/>
+          </p:nvPr>
+        </p:nvSpPr>
+        <p:spPr/>
+        <p:txBody>
+          <a:bodyPr/>
+          <a:lstStyle/>
+          <a:p>
+            <a:r>
+              <a:rPr lang="cs-CZ" u="sng" dirty="0"/>
+              <a:t>Značná</a:t>
+            </a:r>
+          </a:p>
+        </p:txBody>
+      </p:sp>
+      <p:sp>
+        <p:nvSpPr>
+          <p:cNvPr id="4" name="Zástupný obsah 3">
+            <a:extLst>
+              <a:ext uri="{FF2B5EF4-FFF2-40B4-BE49-F238E27FC236}">
+                <a16:creationId xmlns:a16="http://schemas.microsoft.com/office/drawing/2014/main" id="{365F0641-7ADB-A8A4-3A10-1C3644289F82}"/>
+              </a:ext>
+            </a:extLst>
+          </p:cNvPr>
+          <p:cNvSpPr>
+            <a:spLocks noGrp="1"/>
+          </p:cNvSpPr>
+          <p:nvPr>
+            <p:ph sz="half" idx="2"/>
+          </p:nvPr>
+        </p:nvSpPr>
+        <p:spPr/>
+        <p:txBody>
+          <a:bodyPr/>
+          <a:lstStyle/>
+          <a:p>
+            <a:r>
+              <a:rPr lang="cs-CZ" dirty="0"/>
+              <a:t>Aplikace </a:t>
+            </a:r>
+            <a:r>
+              <a:rPr lang="cs-CZ" dirty="0" err="1"/>
+              <a:t>MojeID</a:t>
+            </a:r>
+            <a:r>
+              <a:rPr lang="cs-CZ" dirty="0"/>
+              <a:t> klíč</a:t>
+            </a:r>
+          </a:p>
+          <a:p>
+            <a:endParaRPr lang="cs-CZ" dirty="0"/>
+          </a:p>
+          <a:p>
+            <a:r>
+              <a:rPr lang="cs-CZ" dirty="0"/>
+              <a:t>USB/NFC/Bluetooth klíč </a:t>
+            </a:r>
+          </a:p>
+          <a:p>
+            <a:endParaRPr lang="cs-CZ" dirty="0"/>
+          </a:p>
+          <a:p>
+            <a:r>
+              <a:rPr lang="cs-CZ" dirty="0"/>
+              <a:t>Systémový klíč Windows Hello nebo Android</a:t>
+            </a:r>
+          </a:p>
+        </p:txBody>
+      </p:sp>
+      <p:sp>
+        <p:nvSpPr>
+          <p:cNvPr id="5" name="Zástupný text 4">
+            <a:extLst>
+              <a:ext uri="{FF2B5EF4-FFF2-40B4-BE49-F238E27FC236}">
+                <a16:creationId xmlns:a16="http://schemas.microsoft.com/office/drawing/2014/main" id="{6A3F7AD8-F43D-75D8-4F59-28934426708A}"/>
+              </a:ext>
+            </a:extLst>
+          </p:cNvPr>
+          <p:cNvSpPr>
+            <a:spLocks noGrp="1"/>
+          </p:cNvSpPr>
+          <p:nvPr>
+            <p:ph type="body" sz="quarter" idx="3"/>
+          </p:nvPr>
+        </p:nvSpPr>
+        <p:spPr/>
+        <p:txBody>
+          <a:bodyPr/>
+          <a:lstStyle/>
+          <a:p>
+            <a:r>
+              <a:rPr lang="cs-CZ" u="sng" dirty="0"/>
+              <a:t>Vysoká</a:t>
+            </a:r>
+          </a:p>
+        </p:txBody>
+      </p:sp>
+      <p:sp>
+        <p:nvSpPr>
+          <p:cNvPr id="6" name="Zástupný obsah 5">
+            <a:extLst>
+              <a:ext uri="{FF2B5EF4-FFF2-40B4-BE49-F238E27FC236}">
+                <a16:creationId xmlns:a16="http://schemas.microsoft.com/office/drawing/2014/main" id="{D4E75A53-351B-47EE-D448-C8D21F9337AB}"/>
+              </a:ext>
+            </a:extLst>
+          </p:cNvPr>
+          <p:cNvSpPr>
+            <a:spLocks noGrp="1"/>
+          </p:cNvSpPr>
+          <p:nvPr>
+            <p:ph sz="quarter" idx="4"/>
+          </p:nvPr>
+        </p:nvSpPr>
+        <p:spPr/>
+        <p:txBody>
+          <a:bodyPr/>
+          <a:lstStyle/>
+          <a:p>
+            <a:r>
+              <a:rPr lang="cs-CZ" dirty="0"/>
+              <a:t>USB/NFC klíč </a:t>
+            </a:r>
+            <a:r>
+              <a:rPr lang="cs-CZ" dirty="0" err="1"/>
+              <a:t>GoTrust</a:t>
+            </a:r>
+            <a:r>
+              <a:rPr lang="cs-CZ" dirty="0"/>
+              <a:t> Idem </a:t>
+            </a:r>
+            <a:r>
+              <a:rPr lang="cs-CZ" dirty="0" err="1"/>
+              <a:t>Key</a:t>
+            </a:r>
+            <a:r>
+              <a:rPr lang="cs-CZ" dirty="0"/>
+              <a:t> (s nastaveným </a:t>
+            </a:r>
+            <a:r>
+              <a:rPr lang="cs-CZ" dirty="0" err="1"/>
+              <a:t>PINem</a:t>
+            </a:r>
+            <a:r>
+              <a:rPr lang="cs-CZ" dirty="0"/>
+              <a:t>)</a:t>
+            </a:r>
+          </a:p>
+          <a:p>
+            <a:endParaRPr lang="cs-CZ" dirty="0"/>
+          </a:p>
+          <a:p>
+            <a:pPr marL="0" indent="0">
+              <a:buNone/>
+            </a:pPr>
+            <a:endParaRPr lang="cs-CZ" dirty="0"/>
+          </a:p>
+        </p:txBody>
+      </p:sp>
+      <p:sp>
+        <p:nvSpPr>
+          <p:cNvPr id="8" name="Zástupný obsah 5">
+            <a:extLst>
+              <a:ext uri="{FF2B5EF4-FFF2-40B4-BE49-F238E27FC236}">
+                <a16:creationId xmlns:a16="http://schemas.microsoft.com/office/drawing/2014/main" id="{56C320A5-948C-E1AB-A6B1-DDC1607E914F}"/>
+              </a:ext>
+            </a:extLst>
+          </p:cNvPr>
+          <p:cNvSpPr txBox="1">
+            <a:spLocks/>
+          </p:cNvSpPr>
+          <p:nvPr/>
+        </p:nvSpPr>
+        <p:spPr>
+          <a:xfrm>
+            <a:off x="7415074" y="4623901"/>
+            <a:ext cx="5334000" cy="3086019"/>
+          </a:xfrm>
+          <a:prstGeom prst="rect">
+            <a:avLst/>
+          </a:prstGeom>
+        </p:spPr>
+        <p:txBody>
+          <a:bodyPr vert="horz" lIns="91440" tIns="45720" rIns="91440" bIns="45720" rtlCol="0">
+            <a:normAutofit/>
+          </a:bodyPr>
+          <a:lstStyle>
+            <a:lvl1pPr marL="228600" indent="-228600" algn="l" defTabSz="914400" rtl="0" eaLnBrk="1" latinLnBrk="0" hangingPunct="1">
+              <a:lnSpc>
+                <a:spcPct val="90000"/>
+              </a:lnSpc>
+              <a:spcBef>
+                <a:spcPts val="1000"/>
+              </a:spcBef>
+              <a:buFont typeface="Arial" panose="020B0604020202020204" pitchFamily="34" charset="0"/>
+              <a:buChar char="•"/>
+              <a:defRPr sz="2200" kern="1200">
+                <a:solidFill>
+                  <a:schemeClr val="tx1"/>
+                </a:solidFill>
+                <a:latin typeface="+mn-lt"/>
+                <a:ea typeface="+mn-ea"/>
+                <a:cs typeface="+mn-cs"/>
+              </a:defRPr>
+            </a:lvl1pPr>
+            <a:lvl2pPr marL="685800" indent="-228600" algn="l" defTabSz="914400" rtl="0" eaLnBrk="1" latinLnBrk="0" hangingPunct="1">
+              <a:lnSpc>
+                <a:spcPct val="90000"/>
+              </a:lnSpc>
+              <a:spcBef>
+                <a:spcPts val="500"/>
+              </a:spcBef>
+              <a:buFont typeface="Arial" panose="020B0604020202020204" pitchFamily="34" charset="0"/>
+              <a:buChar char="•"/>
+              <a:defRPr sz="2000" kern="1200">
+                <a:solidFill>
+                  <a:schemeClr val="tx1"/>
+                </a:solidFill>
+                <a:latin typeface="+mn-lt"/>
+                <a:ea typeface="+mn-ea"/>
+                <a:cs typeface="+mn-cs"/>
+              </a:defRPr>
+            </a:lvl2pPr>
+            <a:lvl3pPr marL="1143000" indent="-228600" algn="l" defTabSz="914400" rtl="0" eaLnBrk="1" latinLnBrk="0" hangingPunct="1">
+              <a:lnSpc>
+                <a:spcPct val="90000"/>
+              </a:lnSpc>
+              <a:spcBef>
+                <a:spcPts val="500"/>
+              </a:spcBef>
+              <a:buFont typeface="Arial" panose="020B0604020202020204" pitchFamily="34" charset="0"/>
+              <a:buChar char="•"/>
+              <a:defRPr sz="1800" kern="1200">
+                <a:solidFill>
+                  <a:schemeClr val="tx1"/>
+                </a:solidFill>
+                <a:latin typeface="+mn-lt"/>
+                <a:ea typeface="+mn-ea"/>
+                <a:cs typeface="+mn-cs"/>
+              </a:defRPr>
+            </a:lvl3pPr>
+            <a:lvl4pPr marL="1600200" indent="-228600" algn="l" defTabSz="914400" rtl="0" eaLnBrk="1" latinLnBrk="0" hangingPunct="1">
+              <a:lnSpc>
+                <a:spcPct val="90000"/>
+              </a:lnSpc>
+              <a:spcBef>
+                <a:spcPts val="500"/>
+              </a:spcBef>
+              <a:buFont typeface="Arial" panose="020B0604020202020204" pitchFamily="34" charset="0"/>
+              <a:buChar char="•"/>
+              <a:defRPr sz="1600" kern="1200">
+                <a:solidFill>
+                  <a:schemeClr val="tx1"/>
+                </a:solidFill>
+                <a:latin typeface="+mn-lt"/>
+                <a:ea typeface="+mn-ea"/>
+                <a:cs typeface="+mn-cs"/>
+              </a:defRPr>
+            </a:lvl4pPr>
+            <a:lvl5pPr marL="2057400" indent="-228600" algn="l" defTabSz="914400" rtl="0" eaLnBrk="1" latinLnBrk="0" hangingPunct="1">
+              <a:lnSpc>
+                <a:spcPct val="90000"/>
+              </a:lnSpc>
+              <a:spcBef>
+                <a:spcPts val="500"/>
+              </a:spcBef>
+              <a:buFont typeface="Arial" panose="020B0604020202020204" pitchFamily="34" charset="0"/>
+              <a:buChar char="•"/>
+              <a:defRPr sz="1600" kern="1200">
+                <a:solidFill>
+                  <a:schemeClr val="tx1"/>
+                </a:solidFill>
+                <a:latin typeface="+mn-lt"/>
+                <a:ea typeface="+mn-ea"/>
+                <a:cs typeface="+mn-cs"/>
+              </a:defRPr>
+            </a:lvl5pPr>
+            <a:lvl6pPr marL="2514600" indent="-228600" algn="l" defTabSz="914400" rtl="0" eaLnBrk="1" latinLnBrk="0" hangingPunct="1">
+              <a:lnSpc>
+                <a:spcPct val="90000"/>
+              </a:lnSpc>
+              <a:spcBef>
+                <a:spcPts val="500"/>
+              </a:spcBef>
+              <a:buFont typeface="Arial" panose="020B0604020202020204" pitchFamily="34" charset="0"/>
+              <a:buChar char="•"/>
+              <a:defRPr sz="1600" kern="1200">
+                <a:solidFill>
+                  <a:schemeClr val="tx1"/>
+                </a:solidFill>
+                <a:latin typeface="+mn-lt"/>
+                <a:ea typeface="+mn-ea"/>
+                <a:cs typeface="+mn-cs"/>
+              </a:defRPr>
+            </a:lvl6pPr>
+            <a:lvl7pPr marL="2971800" indent="-228600" algn="l" defTabSz="914400" rtl="0" eaLnBrk="1" latinLnBrk="0" hangingPunct="1">
+              <a:lnSpc>
+                <a:spcPct val="90000"/>
+              </a:lnSpc>
+              <a:spcBef>
+                <a:spcPts val="500"/>
+              </a:spcBef>
+              <a:buFont typeface="Arial" panose="020B0604020202020204" pitchFamily="34" charset="0"/>
+              <a:buChar char="•"/>
+              <a:defRPr sz="1600" kern="1200">
+                <a:solidFill>
+                  <a:schemeClr val="tx1"/>
+                </a:solidFill>
+                <a:latin typeface="+mn-lt"/>
+                <a:ea typeface="+mn-ea"/>
+                <a:cs typeface="+mn-cs"/>
+              </a:defRPr>
+            </a:lvl7pPr>
+            <a:lvl8pPr marL="3429000" indent="-228600" algn="l" defTabSz="914400" rtl="0" eaLnBrk="1" latinLnBrk="0" hangingPunct="1">
+              <a:lnSpc>
+                <a:spcPct val="90000"/>
+              </a:lnSpc>
+              <a:spcBef>
+                <a:spcPts val="500"/>
+              </a:spcBef>
+              <a:buFont typeface="Arial" panose="020B0604020202020204" pitchFamily="34" charset="0"/>
+              <a:buChar char="•"/>
+              <a:defRPr sz="1600" kern="1200">
+                <a:solidFill>
+                  <a:schemeClr val="tx1"/>
+                </a:solidFill>
+                <a:latin typeface="+mn-lt"/>
+                <a:ea typeface="+mn-ea"/>
+                <a:cs typeface="+mn-cs"/>
+              </a:defRPr>
+            </a:lvl8pPr>
+            <a:lvl9pPr marL="3886200" indent="-228600" algn="l" defTabSz="914400" rtl="0" eaLnBrk="1" latinLnBrk="0" hangingPunct="1">
+              <a:lnSpc>
+                <a:spcPct val="90000"/>
+              </a:lnSpc>
+              <a:spcBef>
+                <a:spcPts val="500"/>
+              </a:spcBef>
+              <a:buFont typeface="Arial" panose="020B0604020202020204" pitchFamily="34" charset="0"/>
+              <a:buChar char="•"/>
+              <a:defRPr sz="1600" kern="1200">
+                <a:solidFill>
+                  <a:schemeClr val="tx1"/>
+                </a:solidFill>
+                <a:latin typeface="+mn-lt"/>
+                <a:ea typeface="+mn-ea"/>
+                <a:cs typeface="+mn-cs"/>
+              </a:defRPr>
+            </a:lvl9pPr>
+          </a:lstStyle>
+          <a:p>
+            <a:endParaRPr lang="cs-CZ" dirty="0"/>
+          </a:p>
+        </p:txBody>
+      </p:sp>
     </p:spTree>
     <p:extLst>
       <p:ext uri="{BB962C8B-B14F-4D97-AF65-F5344CB8AC3E}">
-        <p14:creationId xmlns:p14="http://schemas.microsoft.com/office/powerpoint/2010/main" val="228833952"/>
+        <p14:creationId xmlns:p14="http://schemas.microsoft.com/office/powerpoint/2010/main" val="2715960511"/>
       </p:ext>
     </p:extLst>
   </p:cSld>
